--- a/BDK08-5.pptx
+++ b/BDK08-5.pptx
@@ -6,10 +6,10 @@
     <p:sldMasterId id="2147483957" r:id="rId2"/>
   </p:sldMasterIdLst>
   <p:notesMasterIdLst>
-    <p:notesMasterId r:id="rId34"/>
+    <p:notesMasterId r:id="rId36"/>
   </p:notesMasterIdLst>
   <p:handoutMasterIdLst>
-    <p:handoutMasterId r:id="rId35"/>
+    <p:handoutMasterId r:id="rId37"/>
   </p:handoutMasterIdLst>
   <p:sldIdLst>
     <p:sldId id="353" r:id="rId3"/>
@@ -20,34 +20,36 @@
     <p:sldId id="356" r:id="rId8"/>
     <p:sldId id="360" r:id="rId9"/>
     <p:sldId id="362" r:id="rId10"/>
-    <p:sldId id="363" r:id="rId11"/>
-    <p:sldId id="364" r:id="rId12"/>
-    <p:sldId id="357" r:id="rId13"/>
-    <p:sldId id="358" r:id="rId14"/>
-    <p:sldId id="383" r:id="rId15"/>
-    <p:sldId id="370" r:id="rId16"/>
-    <p:sldId id="371" r:id="rId17"/>
-    <p:sldId id="372" r:id="rId18"/>
-    <p:sldId id="384" r:id="rId19"/>
-    <p:sldId id="378" r:id="rId20"/>
-    <p:sldId id="379" r:id="rId21"/>
-    <p:sldId id="373" r:id="rId22"/>
-    <p:sldId id="385" r:id="rId23"/>
-    <p:sldId id="365" r:id="rId24"/>
-    <p:sldId id="367" r:id="rId25"/>
-    <p:sldId id="368" r:id="rId26"/>
-    <p:sldId id="369" r:id="rId27"/>
-    <p:sldId id="377" r:id="rId28"/>
-    <p:sldId id="374" r:id="rId29"/>
-    <p:sldId id="375" r:id="rId30"/>
-    <p:sldId id="376" r:id="rId31"/>
-    <p:sldId id="361" r:id="rId32"/>
-    <p:sldId id="386" r:id="rId33"/>
+    <p:sldId id="387" r:id="rId11"/>
+    <p:sldId id="363" r:id="rId12"/>
+    <p:sldId id="364" r:id="rId13"/>
+    <p:sldId id="357" r:id="rId14"/>
+    <p:sldId id="358" r:id="rId15"/>
+    <p:sldId id="383" r:id="rId16"/>
+    <p:sldId id="370" r:id="rId17"/>
+    <p:sldId id="371" r:id="rId18"/>
+    <p:sldId id="372" r:id="rId19"/>
+    <p:sldId id="384" r:id="rId20"/>
+    <p:sldId id="378" r:id="rId21"/>
+    <p:sldId id="379" r:id="rId22"/>
+    <p:sldId id="373" r:id="rId23"/>
+    <p:sldId id="388" r:id="rId24"/>
+    <p:sldId id="385" r:id="rId25"/>
+    <p:sldId id="365" r:id="rId26"/>
+    <p:sldId id="367" r:id="rId27"/>
+    <p:sldId id="368" r:id="rId28"/>
+    <p:sldId id="369" r:id="rId29"/>
+    <p:sldId id="377" r:id="rId30"/>
+    <p:sldId id="374" r:id="rId31"/>
+    <p:sldId id="375" r:id="rId32"/>
+    <p:sldId id="376" r:id="rId33"/>
+    <p:sldId id="361" r:id="rId34"/>
+    <p:sldId id="386" r:id="rId35"/>
   </p:sldIdLst>
   <p:sldSz cx="9144000" cy="6858000" type="screen4x3"/>
   <p:notesSz cx="7315200" cy="9601200"/>
   <p:custDataLst>
-    <p:tags r:id="rId36"/>
+    <p:tags r:id="rId38"/>
   </p:custDataLst>
   <p:defaultTextStyle>
     <a:defPPr>
@@ -586,7 +588,7 @@
               </a14:hiddenFill>
             </a:ext>
             <a:ext uri="{FAA26D3D-D897-4be2-8F04-BA451C77F1D7}">
-              <ma14:placeholderFlag xmlns:ma14="http://schemas.microsoft.com/office/mac/drawingml/2011/main" xmlns="" val="1"/>
+              <ma14:placeholderFlag xmlns="" xmlns:ma14="http://schemas.microsoft.com/office/mac/drawingml/2011/main" val="1"/>
             </a:ext>
           </a:extLst>
         </p:spPr>
@@ -1115,7 +1117,7 @@
               </a14:hiddenLine>
             </a:ext>
             <a:ext uri="{FAA26D3D-D897-4be2-8F04-BA451C77F1D7}">
-              <ma14:placeholderFlag xmlns:ma14="http://schemas.microsoft.com/office/mac/drawingml/2011/main" xmlns="" val="1"/>
+              <ma14:placeholderFlag xmlns="" xmlns:ma14="http://schemas.microsoft.com/office/mac/drawingml/2011/main" val="1"/>
             </a:ext>
           </a:extLst>
         </p:spPr>
@@ -1162,7 +1164,7 @@
       </p:grpSpPr>
       <p:sp>
         <p:nvSpPr>
-          <p:cNvPr id="23554" name="Slide Image Placeholder 1"/>
+          <p:cNvPr id="22530" name="Slide Image Placeholder 1"/>
           <p:cNvSpPr>
             <a:spLocks noGrp="1" noRot="1" noChangeAspect="1" noTextEdit="1"/>
           </p:cNvSpPr>
@@ -1176,7 +1178,7 @@
       </p:sp>
       <p:sp>
         <p:nvSpPr>
-          <p:cNvPr id="23555" name="Notes Placeholder 2"/>
+          <p:cNvPr id="22531" name="Notes Placeholder 2"/>
           <p:cNvSpPr>
             <a:spLocks noGrp="1"/>
           </p:cNvSpPr>
@@ -1206,7 +1208,7 @@
               </a14:hiddenLine>
             </a:ext>
             <a:ext uri="{FAA26D3D-D897-4be2-8F04-BA451C77F1D7}">
-              <ma14:placeholderFlag xmlns:ma14="http://schemas.microsoft.com/office/mac/drawingml/2011/main" xmlns="" val="1"/>
+              <ma14:placeholderFlag xmlns="" xmlns:ma14="http://schemas.microsoft.com/office/mac/drawingml/2011/main" val="1"/>
             </a:ext>
           </a:extLst>
         </p:spPr>
@@ -1222,7 +1224,7 @@
       </p:sp>
       <p:sp>
         <p:nvSpPr>
-          <p:cNvPr id="23556" name="Slide Number Placeholder 3"/>
+          <p:cNvPr id="22532" name="Slide Number Placeholder 3"/>
           <p:cNvSpPr>
             <a:spLocks noGrp="1"/>
           </p:cNvSpPr>
@@ -1364,7 +1366,7 @@
           </a:lstStyle>
           <a:p>
             <a:pPr eaLnBrk="1" hangingPunct="1"/>
-            <a:fld id="{29F93518-7547-6B45-8B08-8E58FAD1DFBC}" type="slidenum">
+            <a:fld id="{B19524A6-9AAD-FB40-854B-FDC24B26108F}" type="slidenum">
               <a:rPr lang="en-US">
                 <a:latin typeface="Tahoma" charset="0"/>
               </a:rPr>
@@ -1380,7 +1382,7 @@
     </p:spTree>
     <p:extLst>
       <p:ext uri="{BB962C8B-B14F-4D97-AF65-F5344CB8AC3E}">
-        <p14:creationId xmlns:p14="http://schemas.microsoft.com/office/powerpoint/2010/main" val="1815958763"/>
+        <p14:creationId xmlns:p14="http://schemas.microsoft.com/office/powerpoint/2010/main" val="2867432440"/>
       </p:ext>
     </p:extLst>
   </p:cSld>
@@ -1409,19 +1411,21 @@
       </p:grpSpPr>
       <p:sp>
         <p:nvSpPr>
-          <p:cNvPr id="2" name="Slide Image Placeholder 1"/>
+          <p:cNvPr id="23554" name="Slide Image Placeholder 1"/>
           <p:cNvSpPr>
-            <a:spLocks noGrp="1" noRot="1" noChangeAspect="1"/>
+            <a:spLocks noGrp="1" noRot="1" noChangeAspect="1" noTextEdit="1"/>
           </p:cNvSpPr>
           <p:nvPr>
             <p:ph type="sldImg"/>
           </p:nvPr>
         </p:nvSpPr>
-        <p:spPr/>
-      </p:sp>
-      <p:sp>
-        <p:nvSpPr>
-          <p:cNvPr id="3" name="Notes Placeholder 2"/>
+        <p:spPr>
+          <a:ln/>
+        </p:spPr>
+      </p:sp>
+      <p:sp>
+        <p:nvSpPr>
+          <p:cNvPr id="23555" name="Notes Placeholder 2"/>
           <p:cNvSpPr>
             <a:spLocks noGrp="1"/>
           </p:cNvSpPr>
@@ -1429,43 +1433,203 @@
             <p:ph type="body" idx="1"/>
           </p:nvPr>
         </p:nvSpPr>
-        <p:spPr/>
+        <p:spPr>
+          <a:noFill/>
+          <a:ln/>
+          <a:extLst>
+            <a:ext uri="{909E8E84-426E-40DD-AFC4-6F175D3DCCD1}">
+              <a14:hiddenFill xmlns:a14="http://schemas.microsoft.com/office/drawing/2010/main">
+                <a:solidFill>
+                  <a:srgbClr val="FFFFFF"/>
+                </a:solidFill>
+              </a14:hiddenFill>
+            </a:ext>
+            <a:ext uri="{91240B29-F687-4F45-9708-019B960494DF}">
+              <a14:hiddenLine xmlns:a14="http://schemas.microsoft.com/office/drawing/2010/main" w="9525">
+                <a:solidFill>
+                  <a:srgbClr val="000000"/>
+                </a:solidFill>
+                <a:miter lim="800000"/>
+                <a:headEnd/>
+                <a:tailEnd/>
+              </a14:hiddenLine>
+            </a:ext>
+            <a:ext uri="{FAA26D3D-D897-4be2-8F04-BA451C77F1D7}">
+              <ma14:placeholderFlag xmlns="" xmlns:ma14="http://schemas.microsoft.com/office/mac/drawingml/2011/main" val="1"/>
+            </a:ext>
+          </a:extLst>
+        </p:spPr>
         <p:txBody>
           <a:bodyPr/>
           <a:lstStyle/>
           <a:p>
-            <a:endParaRPr lang="en-US"/>
+            <a:endParaRPr lang="en-US">
+              <a:latin typeface="Times New Roman" charset="0"/>
+            </a:endParaRPr>
           </a:p>
         </p:txBody>
       </p:sp>
       <p:sp>
         <p:nvSpPr>
-          <p:cNvPr id="4" name="Slide Number Placeholder 3"/>
+          <p:cNvPr id="23556" name="Slide Number Placeholder 3"/>
           <p:cNvSpPr>
             <a:spLocks noGrp="1"/>
           </p:cNvSpPr>
           <p:nvPr>
-            <p:ph type="sldNum" sz="quarter" idx="10"/>
+            <p:ph type="sldNum" sz="quarter" idx="5"/>
           </p:nvPr>
         </p:nvSpPr>
-        <p:spPr/>
+        <p:spPr>
+          <a:noFill/>
+          <a:ln/>
+          <a:extLst>
+            <a:ext uri="{909E8E84-426E-40DD-AFC4-6F175D3DCCD1}">
+              <a14:hiddenFill xmlns:a14="http://schemas.microsoft.com/office/drawing/2010/main">
+                <a:solidFill>
+                  <a:srgbClr val="FFFFFF"/>
+                </a:solidFill>
+              </a14:hiddenFill>
+            </a:ext>
+            <a:ext uri="{91240B29-F687-4F45-9708-019B960494DF}">
+              <a14:hiddenLine xmlns:a14="http://schemas.microsoft.com/office/drawing/2010/main" w="9525">
+                <a:solidFill>
+                  <a:srgbClr val="000000"/>
+                </a:solidFill>
+                <a:miter lim="800000"/>
+                <a:headEnd/>
+                <a:tailEnd/>
+              </a14:hiddenLine>
+            </a:ext>
+          </a:extLst>
+        </p:spPr>
         <p:txBody>
           <a:bodyPr/>
-          <a:lstStyle/>
-          <a:p>
-            <a:fld id="{9B758A47-143E-094C-A581-E852025265D6}" type="slidenum">
-              <a:rPr lang="en-US" smtClean="0"/>
-              <a:pPr/>
-              <a:t>14</a:t>
+          <a:lstStyle>
+            <a:lvl1pPr eaLnBrk="0" hangingPunct="0">
+              <a:defRPr>
+                <a:solidFill>
+                  <a:schemeClr val="tx1"/>
+                </a:solidFill>
+                <a:latin typeface="Arial" charset="0"/>
+                <a:ea typeface="ＭＳ Ｐゴシック" charset="0"/>
+              </a:defRPr>
+            </a:lvl1pPr>
+            <a:lvl2pPr marL="742950" indent="-285750" eaLnBrk="0" hangingPunct="0">
+              <a:defRPr>
+                <a:solidFill>
+                  <a:schemeClr val="tx1"/>
+                </a:solidFill>
+                <a:latin typeface="Arial" charset="0"/>
+                <a:ea typeface="ＭＳ Ｐゴシック" charset="0"/>
+              </a:defRPr>
+            </a:lvl2pPr>
+            <a:lvl3pPr marL="1143000" indent="-228600" eaLnBrk="0" hangingPunct="0">
+              <a:defRPr>
+                <a:solidFill>
+                  <a:schemeClr val="tx1"/>
+                </a:solidFill>
+                <a:latin typeface="Arial" charset="0"/>
+                <a:ea typeface="ＭＳ Ｐゴシック" charset="0"/>
+              </a:defRPr>
+            </a:lvl3pPr>
+            <a:lvl4pPr marL="1600200" indent="-228600" eaLnBrk="0" hangingPunct="0">
+              <a:defRPr>
+                <a:solidFill>
+                  <a:schemeClr val="tx1"/>
+                </a:solidFill>
+                <a:latin typeface="Arial" charset="0"/>
+                <a:ea typeface="ＭＳ Ｐゴシック" charset="0"/>
+              </a:defRPr>
+            </a:lvl4pPr>
+            <a:lvl5pPr marL="2057400" indent="-228600" eaLnBrk="0" hangingPunct="0">
+              <a:defRPr>
+                <a:solidFill>
+                  <a:schemeClr val="tx1"/>
+                </a:solidFill>
+                <a:latin typeface="Arial" charset="0"/>
+                <a:ea typeface="ＭＳ Ｐゴシック" charset="0"/>
+              </a:defRPr>
+            </a:lvl5pPr>
+            <a:lvl6pPr marL="2514600" indent="-228600" eaLnBrk="0" fontAlgn="base" hangingPunct="0">
+              <a:spcBef>
+                <a:spcPct val="0"/>
+              </a:spcBef>
+              <a:spcAft>
+                <a:spcPct val="0"/>
+              </a:spcAft>
+              <a:defRPr>
+                <a:solidFill>
+                  <a:schemeClr val="tx1"/>
+                </a:solidFill>
+                <a:latin typeface="Arial" charset="0"/>
+                <a:ea typeface="ＭＳ Ｐゴシック" charset="0"/>
+              </a:defRPr>
+            </a:lvl6pPr>
+            <a:lvl7pPr marL="2971800" indent="-228600" eaLnBrk="0" fontAlgn="base" hangingPunct="0">
+              <a:spcBef>
+                <a:spcPct val="0"/>
+              </a:spcBef>
+              <a:spcAft>
+                <a:spcPct val="0"/>
+              </a:spcAft>
+              <a:defRPr>
+                <a:solidFill>
+                  <a:schemeClr val="tx1"/>
+                </a:solidFill>
+                <a:latin typeface="Arial" charset="0"/>
+                <a:ea typeface="ＭＳ Ｐゴシック" charset="0"/>
+              </a:defRPr>
+            </a:lvl7pPr>
+            <a:lvl8pPr marL="3429000" indent="-228600" eaLnBrk="0" fontAlgn="base" hangingPunct="0">
+              <a:spcBef>
+                <a:spcPct val="0"/>
+              </a:spcBef>
+              <a:spcAft>
+                <a:spcPct val="0"/>
+              </a:spcAft>
+              <a:defRPr>
+                <a:solidFill>
+                  <a:schemeClr val="tx1"/>
+                </a:solidFill>
+                <a:latin typeface="Arial" charset="0"/>
+                <a:ea typeface="ＭＳ Ｐゴシック" charset="0"/>
+              </a:defRPr>
+            </a:lvl8pPr>
+            <a:lvl9pPr marL="3886200" indent="-228600" eaLnBrk="0" fontAlgn="base" hangingPunct="0">
+              <a:spcBef>
+                <a:spcPct val="0"/>
+              </a:spcBef>
+              <a:spcAft>
+                <a:spcPct val="0"/>
+              </a:spcAft>
+              <a:defRPr>
+                <a:solidFill>
+                  <a:schemeClr val="tx1"/>
+                </a:solidFill>
+                <a:latin typeface="Arial" charset="0"/>
+                <a:ea typeface="ＭＳ Ｐゴシック" charset="0"/>
+              </a:defRPr>
+            </a:lvl9pPr>
+          </a:lstStyle>
+          <a:p>
+            <a:pPr eaLnBrk="1" hangingPunct="1"/>
+            <a:fld id="{29F93518-7547-6B45-8B08-8E58FAD1DFBC}" type="slidenum">
+              <a:rPr lang="en-US">
+                <a:latin typeface="Tahoma" charset="0"/>
+              </a:rPr>
+              <a:pPr eaLnBrk="1" hangingPunct="1"/>
+              <a:t>13</a:t>
             </a:fld>
-            <a:endParaRPr lang="en-US"/>
+            <a:endParaRPr lang="en-US">
+              <a:latin typeface="Tahoma" charset="0"/>
+            </a:endParaRPr>
           </a:p>
         </p:txBody>
       </p:sp>
     </p:spTree>
     <p:extLst>
       <p:ext uri="{BB962C8B-B14F-4D97-AF65-F5344CB8AC3E}">
-        <p14:creationId xmlns:p14="http://schemas.microsoft.com/office/powerpoint/2010/main" val="3576896419"/>
+        <p14:creationId xmlns:p14="http://schemas.microsoft.com/office/powerpoint/2010/main" val="1815958763"/>
       </p:ext>
     </p:extLst>
   </p:cSld>
@@ -1550,7 +1714,7 @@
     </p:spTree>
     <p:extLst>
       <p:ext uri="{BB962C8B-B14F-4D97-AF65-F5344CB8AC3E}">
-        <p14:creationId xmlns:p14="http://schemas.microsoft.com/office/powerpoint/2010/main" val="1378770110"/>
+        <p14:creationId xmlns:p14="http://schemas.microsoft.com/office/powerpoint/2010/main" val="3576896419"/>
       </p:ext>
     </p:extLst>
   </p:cSld>
@@ -1635,7 +1799,7 @@
     </p:spTree>
     <p:extLst>
       <p:ext uri="{BB962C8B-B14F-4D97-AF65-F5344CB8AC3E}">
-        <p14:creationId xmlns:p14="http://schemas.microsoft.com/office/powerpoint/2010/main" val="1522054905"/>
+        <p14:creationId xmlns:p14="http://schemas.microsoft.com/office/powerpoint/2010/main" val="1378770110"/>
       </p:ext>
     </p:extLst>
   </p:cSld>
@@ -1711,7 +1875,7 @@
             <a:fld id="{9B758A47-143E-094C-A581-E852025265D6}" type="slidenum">
               <a:rPr lang="en-US" smtClean="0"/>
               <a:pPr/>
-              <a:t>18</a:t>
+              <a:t>17</a:t>
             </a:fld>
             <a:endParaRPr lang="en-US"/>
           </a:p>
@@ -1720,7 +1884,7 @@
     </p:spTree>
     <p:extLst>
       <p:ext uri="{BB962C8B-B14F-4D97-AF65-F5344CB8AC3E}">
-        <p14:creationId xmlns:p14="http://schemas.microsoft.com/office/powerpoint/2010/main" val="697396373"/>
+        <p14:creationId xmlns:p14="http://schemas.microsoft.com/office/powerpoint/2010/main" val="1522054905"/>
       </p:ext>
     </p:extLst>
   </p:cSld>
@@ -1805,7 +1969,7 @@
     </p:spTree>
     <p:extLst>
       <p:ext uri="{BB962C8B-B14F-4D97-AF65-F5344CB8AC3E}">
-        <p14:creationId xmlns:p14="http://schemas.microsoft.com/office/powerpoint/2010/main" val="2806347196"/>
+        <p14:creationId xmlns:p14="http://schemas.microsoft.com/office/powerpoint/2010/main" val="697396373"/>
       </p:ext>
     </p:extLst>
   </p:cSld>
@@ -1890,7 +2054,7 @@
     </p:spTree>
     <p:extLst>
       <p:ext uri="{BB962C8B-B14F-4D97-AF65-F5344CB8AC3E}">
-        <p14:creationId xmlns:p14="http://schemas.microsoft.com/office/powerpoint/2010/main" val="986161889"/>
+        <p14:creationId xmlns:p14="http://schemas.microsoft.com/office/powerpoint/2010/main" val="2806347196"/>
       </p:ext>
     </p:extLst>
   </p:cSld>
@@ -1963,15 +2127,10 @@
           <a:bodyPr/>
           <a:lstStyle/>
           <a:p>
-            <a:pPr>
-              <a:defRPr/>
-            </a:pPr>
-            <a:fld id="{89ED5600-B118-4E32-8D42-285195842F1F}" type="slidenum">
+            <a:fld id="{9B758A47-143E-094C-A581-E852025265D6}" type="slidenum">
               <a:rPr lang="en-US" smtClean="0"/>
-              <a:pPr>
-                <a:defRPr/>
-              </a:pPr>
-              <a:t>22</a:t>
+              <a:pPr/>
+              <a:t>21</a:t>
             </a:fld>
             <a:endParaRPr lang="en-US"/>
           </a:p>
@@ -1980,7 +2139,7 @@
     </p:spTree>
     <p:extLst>
       <p:ext uri="{BB962C8B-B14F-4D97-AF65-F5344CB8AC3E}">
-        <p14:creationId xmlns:p14="http://schemas.microsoft.com/office/powerpoint/2010/main" val="837646543"/>
+        <p14:creationId xmlns:p14="http://schemas.microsoft.com/office/powerpoint/2010/main" val="986161889"/>
       </p:ext>
     </p:extLst>
   </p:cSld>
@@ -2056,7 +2215,7 @@
             <a:fld id="{9B758A47-143E-094C-A581-E852025265D6}" type="slidenum">
               <a:rPr lang="en-US" smtClean="0"/>
               <a:pPr/>
-              <a:t>23</a:t>
+              <a:t>22</a:t>
             </a:fld>
             <a:endParaRPr lang="en-US"/>
           </a:p>
@@ -2065,7 +2224,7 @@
     </p:spTree>
     <p:extLst>
       <p:ext uri="{BB962C8B-B14F-4D97-AF65-F5344CB8AC3E}">
-        <p14:creationId xmlns:p14="http://schemas.microsoft.com/office/powerpoint/2010/main" val="3524973480"/>
+        <p14:creationId xmlns:p14="http://schemas.microsoft.com/office/powerpoint/2010/main" val="2842711607"/>
       </p:ext>
     </p:extLst>
   </p:cSld>
@@ -2138,9 +2297,14 @@
           <a:bodyPr/>
           <a:lstStyle/>
           <a:p>
-            <a:fld id="{9B758A47-143E-094C-A581-E852025265D6}" type="slidenum">
+            <a:pPr>
+              <a:defRPr/>
+            </a:pPr>
+            <a:fld id="{89ED5600-B118-4E32-8D42-285195842F1F}" type="slidenum">
               <a:rPr lang="en-US" smtClean="0"/>
-              <a:pPr/>
+              <a:pPr>
+                <a:defRPr/>
+              </a:pPr>
               <a:t>24</a:t>
             </a:fld>
             <a:endParaRPr lang="en-US"/>
@@ -2150,7 +2314,7 @@
     </p:spTree>
     <p:extLst>
       <p:ext uri="{BB962C8B-B14F-4D97-AF65-F5344CB8AC3E}">
-        <p14:creationId xmlns:p14="http://schemas.microsoft.com/office/powerpoint/2010/main" val="1869630517"/>
+        <p14:creationId xmlns:p14="http://schemas.microsoft.com/office/powerpoint/2010/main" val="837646543"/>
       </p:ext>
     </p:extLst>
   </p:cSld>
@@ -2380,7 +2544,7 @@
               </a14:hiddenLine>
             </a:ext>
             <a:ext uri="{FAA26D3D-D897-4be2-8F04-BA451C77F1D7}">
-              <ma14:placeholderFlag xmlns:ma14="http://schemas.microsoft.com/office/mac/drawingml/2011/main" xmlns="" val="1"/>
+              <ma14:placeholderFlag xmlns="" xmlns:ma14="http://schemas.microsoft.com/office/mac/drawingml/2011/main" val="1"/>
             </a:ext>
           </a:extLst>
         </p:spPr>
@@ -2483,7 +2647,7 @@
     </p:spTree>
     <p:extLst>
       <p:ext uri="{BB962C8B-B14F-4D97-AF65-F5344CB8AC3E}">
-        <p14:creationId xmlns:p14="http://schemas.microsoft.com/office/powerpoint/2010/main" val="3046271401"/>
+        <p14:creationId xmlns:p14="http://schemas.microsoft.com/office/powerpoint/2010/main" val="3524973480"/>
       </p:ext>
     </p:extLst>
   </p:cSld>
@@ -2568,7 +2732,7 @@
     </p:spTree>
     <p:extLst>
       <p:ext uri="{BB962C8B-B14F-4D97-AF65-F5344CB8AC3E}">
-        <p14:creationId xmlns:p14="http://schemas.microsoft.com/office/powerpoint/2010/main" val="2608685561"/>
+        <p14:creationId xmlns:p14="http://schemas.microsoft.com/office/powerpoint/2010/main" val="1869630517"/>
       </p:ext>
     </p:extLst>
   </p:cSld>
@@ -2653,7 +2817,7 @@
     </p:spTree>
     <p:extLst>
       <p:ext uri="{BB962C8B-B14F-4D97-AF65-F5344CB8AC3E}">
-        <p14:creationId xmlns:p14="http://schemas.microsoft.com/office/powerpoint/2010/main" val="2641638713"/>
+        <p14:creationId xmlns:p14="http://schemas.microsoft.com/office/powerpoint/2010/main" val="3046271401"/>
       </p:ext>
     </p:extLst>
   </p:cSld>
@@ -2738,7 +2902,7 @@
     </p:spTree>
     <p:extLst>
       <p:ext uri="{BB962C8B-B14F-4D97-AF65-F5344CB8AC3E}">
-        <p14:creationId xmlns:p14="http://schemas.microsoft.com/office/powerpoint/2010/main" val="1743795100"/>
+        <p14:creationId xmlns:p14="http://schemas.microsoft.com/office/powerpoint/2010/main" val="2608685561"/>
       </p:ext>
     </p:extLst>
   </p:cSld>
@@ -2823,7 +2987,7 @@
     </p:spTree>
     <p:extLst>
       <p:ext uri="{BB962C8B-B14F-4D97-AF65-F5344CB8AC3E}">
-        <p14:creationId xmlns:p14="http://schemas.microsoft.com/office/powerpoint/2010/main" val="2354044570"/>
+        <p14:creationId xmlns:p14="http://schemas.microsoft.com/office/powerpoint/2010/main" val="2641638713"/>
       </p:ext>
     </p:extLst>
   </p:cSld>
@@ -2852,6 +3016,176 @@
       </p:grpSpPr>
       <p:sp>
         <p:nvSpPr>
+          <p:cNvPr id="2" name="Slide Image Placeholder 1"/>
+          <p:cNvSpPr>
+            <a:spLocks noGrp="1" noRot="1" noChangeAspect="1"/>
+          </p:cNvSpPr>
+          <p:nvPr>
+            <p:ph type="sldImg"/>
+          </p:nvPr>
+        </p:nvSpPr>
+        <p:spPr/>
+      </p:sp>
+      <p:sp>
+        <p:nvSpPr>
+          <p:cNvPr id="3" name="Notes Placeholder 2"/>
+          <p:cNvSpPr>
+            <a:spLocks noGrp="1"/>
+          </p:cNvSpPr>
+          <p:nvPr>
+            <p:ph type="body" idx="1"/>
+          </p:nvPr>
+        </p:nvSpPr>
+        <p:spPr/>
+        <p:txBody>
+          <a:bodyPr/>
+          <a:lstStyle/>
+          <a:p>
+            <a:endParaRPr lang="en-US"/>
+          </a:p>
+        </p:txBody>
+      </p:sp>
+      <p:sp>
+        <p:nvSpPr>
+          <p:cNvPr id="4" name="Slide Number Placeholder 3"/>
+          <p:cNvSpPr>
+            <a:spLocks noGrp="1"/>
+          </p:cNvSpPr>
+          <p:nvPr>
+            <p:ph type="sldNum" sz="quarter" idx="10"/>
+          </p:nvPr>
+        </p:nvSpPr>
+        <p:spPr/>
+        <p:txBody>
+          <a:bodyPr/>
+          <a:lstStyle/>
+          <a:p>
+            <a:fld id="{9B758A47-143E-094C-A581-E852025265D6}" type="slidenum">
+              <a:rPr lang="en-US" smtClean="0"/>
+              <a:pPr/>
+              <a:t>30</a:t>
+            </a:fld>
+            <a:endParaRPr lang="en-US"/>
+          </a:p>
+        </p:txBody>
+      </p:sp>
+    </p:spTree>
+    <p:extLst>
+      <p:ext uri="{BB962C8B-B14F-4D97-AF65-F5344CB8AC3E}">
+        <p14:creationId xmlns:p14="http://schemas.microsoft.com/office/powerpoint/2010/main" val="1743795100"/>
+      </p:ext>
+    </p:extLst>
+  </p:cSld>
+  <p:clrMapOvr>
+    <a:masterClrMapping/>
+  </p:clrMapOvr>
+</p:notes>
+</file>
+
+<file path=ppt/notesSlides/notesSlide26.xml><?xml version="1.0" encoding="utf-8"?>
+<p:notes xmlns:a="http://schemas.openxmlformats.org/drawingml/2006/main" xmlns:r="http://schemas.openxmlformats.org/officeDocument/2006/relationships" xmlns:p="http://schemas.openxmlformats.org/presentationml/2006/main">
+  <p:cSld>
+    <p:spTree>
+      <p:nvGrpSpPr>
+        <p:cNvPr id="1" name=""/>
+        <p:cNvGrpSpPr/>
+        <p:nvPr/>
+      </p:nvGrpSpPr>
+      <p:grpSpPr>
+        <a:xfrm>
+          <a:off x="0" y="0"/>
+          <a:ext cx="0" cy="0"/>
+          <a:chOff x="0" y="0"/>
+          <a:chExt cx="0" cy="0"/>
+        </a:xfrm>
+      </p:grpSpPr>
+      <p:sp>
+        <p:nvSpPr>
+          <p:cNvPr id="2" name="Slide Image Placeholder 1"/>
+          <p:cNvSpPr>
+            <a:spLocks noGrp="1" noRot="1" noChangeAspect="1"/>
+          </p:cNvSpPr>
+          <p:nvPr>
+            <p:ph type="sldImg"/>
+          </p:nvPr>
+        </p:nvSpPr>
+        <p:spPr/>
+      </p:sp>
+      <p:sp>
+        <p:nvSpPr>
+          <p:cNvPr id="3" name="Notes Placeholder 2"/>
+          <p:cNvSpPr>
+            <a:spLocks noGrp="1"/>
+          </p:cNvSpPr>
+          <p:nvPr>
+            <p:ph type="body" idx="1"/>
+          </p:nvPr>
+        </p:nvSpPr>
+        <p:spPr/>
+        <p:txBody>
+          <a:bodyPr/>
+          <a:lstStyle/>
+          <a:p>
+            <a:endParaRPr lang="en-US"/>
+          </a:p>
+        </p:txBody>
+      </p:sp>
+      <p:sp>
+        <p:nvSpPr>
+          <p:cNvPr id="4" name="Slide Number Placeholder 3"/>
+          <p:cNvSpPr>
+            <a:spLocks noGrp="1"/>
+          </p:cNvSpPr>
+          <p:nvPr>
+            <p:ph type="sldNum" sz="quarter" idx="10"/>
+          </p:nvPr>
+        </p:nvSpPr>
+        <p:spPr/>
+        <p:txBody>
+          <a:bodyPr/>
+          <a:lstStyle/>
+          <a:p>
+            <a:fld id="{9B758A47-143E-094C-A581-E852025265D6}" type="slidenum">
+              <a:rPr lang="en-US" smtClean="0"/>
+              <a:pPr/>
+              <a:t>31</a:t>
+            </a:fld>
+            <a:endParaRPr lang="en-US"/>
+          </a:p>
+        </p:txBody>
+      </p:sp>
+    </p:spTree>
+    <p:extLst>
+      <p:ext uri="{BB962C8B-B14F-4D97-AF65-F5344CB8AC3E}">
+        <p14:creationId xmlns:p14="http://schemas.microsoft.com/office/powerpoint/2010/main" val="2354044570"/>
+      </p:ext>
+    </p:extLst>
+  </p:cSld>
+  <p:clrMapOvr>
+    <a:masterClrMapping/>
+  </p:clrMapOvr>
+</p:notes>
+</file>
+
+<file path=ppt/notesSlides/notesSlide27.xml><?xml version="1.0" encoding="utf-8"?>
+<p:notes xmlns:a="http://schemas.openxmlformats.org/drawingml/2006/main" xmlns:r="http://schemas.openxmlformats.org/officeDocument/2006/relationships" xmlns:p="http://schemas.openxmlformats.org/presentationml/2006/main">
+  <p:cSld>
+    <p:spTree>
+      <p:nvGrpSpPr>
+        <p:cNvPr id="1" name=""/>
+        <p:cNvGrpSpPr/>
+        <p:nvPr/>
+      </p:nvGrpSpPr>
+      <p:grpSpPr>
+        <a:xfrm>
+          <a:off x="0" y="0"/>
+          <a:ext cx="0" cy="0"/>
+          <a:chOff x="0" y="0"/>
+          <a:chExt cx="0" cy="0"/>
+        </a:xfrm>
+      </p:grpSpPr>
+      <p:sp>
+        <p:nvSpPr>
           <p:cNvPr id="26626" name="Slide Image Placeholder 1"/>
           <p:cNvSpPr>
             <a:spLocks noGrp="1" noRot="1" noChangeAspect="1" noTextEdit="1"/>
@@ -2896,7 +3230,7 @@
               </a14:hiddenLine>
             </a:ext>
             <a:ext uri="{FAA26D3D-D897-4be2-8F04-BA451C77F1D7}">
-              <ma14:placeholderFlag xmlns:ma14="http://schemas.microsoft.com/office/mac/drawingml/2011/main" xmlns="" val="1"/>
+              <ma14:placeholderFlag xmlns="" xmlns:ma14="http://schemas.microsoft.com/office/mac/drawingml/2011/main" val="1"/>
             </a:ext>
           </a:extLst>
         </p:spPr>
@@ -3059,7 +3393,7 @@
                 <a:latin typeface="Tahoma" charset="0"/>
               </a:rPr>
               <a:pPr eaLnBrk="1" hangingPunct="1"/>
-              <a:t>30</a:t>
+              <a:t>32</a:t>
             </a:fld>
             <a:endParaRPr lang="en-US">
               <a:latin typeface="Tahoma" charset="0"/>
@@ -3143,7 +3477,7 @@
               </a14:hiddenLine>
             </a:ext>
             <a:ext uri="{FAA26D3D-D897-4be2-8F04-BA451C77F1D7}">
-              <ma14:placeholderFlag xmlns:ma14="http://schemas.microsoft.com/office/mac/drawingml/2011/main" xmlns="" val="1"/>
+              <ma14:placeholderFlag xmlns="" xmlns:ma14="http://schemas.microsoft.com/office/mac/drawingml/2011/main" val="1"/>
             </a:ext>
           </a:extLst>
         </p:spPr>
@@ -3390,7 +3724,7 @@
               </a14:hiddenLine>
             </a:ext>
             <a:ext uri="{FAA26D3D-D897-4be2-8F04-BA451C77F1D7}">
-              <ma14:placeholderFlag xmlns:ma14="http://schemas.microsoft.com/office/mac/drawingml/2011/main" xmlns="" val="1"/>
+              <ma14:placeholderFlag xmlns="" xmlns:ma14="http://schemas.microsoft.com/office/mac/drawingml/2011/main" val="1"/>
             </a:ext>
           </a:extLst>
         </p:spPr>
@@ -3637,7 +3971,7 @@
               </a14:hiddenLine>
             </a:ext>
             <a:ext uri="{FAA26D3D-D897-4be2-8F04-BA451C77F1D7}">
-              <ma14:placeholderFlag xmlns:ma14="http://schemas.microsoft.com/office/mac/drawingml/2011/main" xmlns="" val="1"/>
+              <ma14:placeholderFlag xmlns="" xmlns:ma14="http://schemas.microsoft.com/office/mac/drawingml/2011/main" val="1"/>
             </a:ext>
           </a:extLst>
         </p:spPr>
@@ -3981,7 +4315,7 @@
     </p:spTree>
     <p:extLst>
       <p:ext uri="{BB962C8B-B14F-4D97-AF65-F5344CB8AC3E}">
-        <p14:creationId xmlns:p14="http://schemas.microsoft.com/office/powerpoint/2010/main" val="1363792006"/>
+        <p14:creationId xmlns:p14="http://schemas.microsoft.com/office/powerpoint/2010/main" val="1126267029"/>
       </p:ext>
     </p:extLst>
   </p:cSld>
@@ -4066,7 +4400,7 @@
     </p:spTree>
     <p:extLst>
       <p:ext uri="{BB962C8B-B14F-4D97-AF65-F5344CB8AC3E}">
-        <p14:creationId xmlns:p14="http://schemas.microsoft.com/office/powerpoint/2010/main" val="1914169269"/>
+        <p14:creationId xmlns:p14="http://schemas.microsoft.com/office/powerpoint/2010/main" val="1363792006"/>
       </p:ext>
     </p:extLst>
   </p:cSld>
@@ -4095,21 +4429,19 @@
       </p:grpSpPr>
       <p:sp>
         <p:nvSpPr>
-          <p:cNvPr id="22530" name="Slide Image Placeholder 1"/>
+          <p:cNvPr id="2" name="Slide Image Placeholder 1"/>
           <p:cNvSpPr>
-            <a:spLocks noGrp="1" noRot="1" noChangeAspect="1" noTextEdit="1"/>
+            <a:spLocks noGrp="1" noRot="1" noChangeAspect="1"/>
           </p:cNvSpPr>
           <p:nvPr>
             <p:ph type="sldImg"/>
           </p:nvPr>
         </p:nvSpPr>
-        <p:spPr>
-          <a:ln/>
-        </p:spPr>
-      </p:sp>
-      <p:sp>
-        <p:nvSpPr>
-          <p:cNvPr id="22531" name="Notes Placeholder 2"/>
+        <p:spPr/>
+      </p:sp>
+      <p:sp>
+        <p:nvSpPr>
+          <p:cNvPr id="3" name="Notes Placeholder 2"/>
           <p:cNvSpPr>
             <a:spLocks noGrp="1"/>
           </p:cNvSpPr>
@@ -4117,203 +4449,43 @@
             <p:ph type="body" idx="1"/>
           </p:nvPr>
         </p:nvSpPr>
-        <p:spPr>
-          <a:noFill/>
-          <a:ln/>
-          <a:extLst>
-            <a:ext uri="{909E8E84-426E-40DD-AFC4-6F175D3DCCD1}">
-              <a14:hiddenFill xmlns:a14="http://schemas.microsoft.com/office/drawing/2010/main">
-                <a:solidFill>
-                  <a:srgbClr val="FFFFFF"/>
-                </a:solidFill>
-              </a14:hiddenFill>
-            </a:ext>
-            <a:ext uri="{91240B29-F687-4F45-9708-019B960494DF}">
-              <a14:hiddenLine xmlns:a14="http://schemas.microsoft.com/office/drawing/2010/main" w="9525">
-                <a:solidFill>
-                  <a:srgbClr val="000000"/>
-                </a:solidFill>
-                <a:miter lim="800000"/>
-                <a:headEnd/>
-                <a:tailEnd/>
-              </a14:hiddenLine>
-            </a:ext>
-            <a:ext uri="{FAA26D3D-D897-4be2-8F04-BA451C77F1D7}">
-              <ma14:placeholderFlag xmlns:ma14="http://schemas.microsoft.com/office/mac/drawingml/2011/main" xmlns="" val="1"/>
-            </a:ext>
-          </a:extLst>
-        </p:spPr>
+        <p:spPr/>
         <p:txBody>
           <a:bodyPr/>
           <a:lstStyle/>
           <a:p>
-            <a:endParaRPr lang="en-US">
-              <a:latin typeface="Times New Roman" charset="0"/>
-            </a:endParaRPr>
+            <a:endParaRPr lang="en-US"/>
           </a:p>
         </p:txBody>
       </p:sp>
       <p:sp>
         <p:nvSpPr>
-          <p:cNvPr id="22532" name="Slide Number Placeholder 3"/>
+          <p:cNvPr id="4" name="Slide Number Placeholder 3"/>
           <p:cNvSpPr>
             <a:spLocks noGrp="1"/>
           </p:cNvSpPr>
           <p:nvPr>
-            <p:ph type="sldNum" sz="quarter" idx="5"/>
+            <p:ph type="sldNum" sz="quarter" idx="10"/>
           </p:nvPr>
         </p:nvSpPr>
-        <p:spPr>
-          <a:noFill/>
-          <a:ln/>
-          <a:extLst>
-            <a:ext uri="{909E8E84-426E-40DD-AFC4-6F175D3DCCD1}">
-              <a14:hiddenFill xmlns:a14="http://schemas.microsoft.com/office/drawing/2010/main">
-                <a:solidFill>
-                  <a:srgbClr val="FFFFFF"/>
-                </a:solidFill>
-              </a14:hiddenFill>
-            </a:ext>
-            <a:ext uri="{91240B29-F687-4F45-9708-019B960494DF}">
-              <a14:hiddenLine xmlns:a14="http://schemas.microsoft.com/office/drawing/2010/main" w="9525">
-                <a:solidFill>
-                  <a:srgbClr val="000000"/>
-                </a:solidFill>
-                <a:miter lim="800000"/>
-                <a:headEnd/>
-                <a:tailEnd/>
-              </a14:hiddenLine>
-            </a:ext>
-          </a:extLst>
-        </p:spPr>
+        <p:spPr/>
         <p:txBody>
           <a:bodyPr/>
-          <a:lstStyle>
-            <a:lvl1pPr eaLnBrk="0" hangingPunct="0">
-              <a:defRPr>
-                <a:solidFill>
-                  <a:schemeClr val="tx1"/>
-                </a:solidFill>
-                <a:latin typeface="Arial" charset="0"/>
-                <a:ea typeface="ＭＳ Ｐゴシック" charset="0"/>
-              </a:defRPr>
-            </a:lvl1pPr>
-            <a:lvl2pPr marL="742950" indent="-285750" eaLnBrk="0" hangingPunct="0">
-              <a:defRPr>
-                <a:solidFill>
-                  <a:schemeClr val="tx1"/>
-                </a:solidFill>
-                <a:latin typeface="Arial" charset="0"/>
-                <a:ea typeface="ＭＳ Ｐゴシック" charset="0"/>
-              </a:defRPr>
-            </a:lvl2pPr>
-            <a:lvl3pPr marL="1143000" indent="-228600" eaLnBrk="0" hangingPunct="0">
-              <a:defRPr>
-                <a:solidFill>
-                  <a:schemeClr val="tx1"/>
-                </a:solidFill>
-                <a:latin typeface="Arial" charset="0"/>
-                <a:ea typeface="ＭＳ Ｐゴシック" charset="0"/>
-              </a:defRPr>
-            </a:lvl3pPr>
-            <a:lvl4pPr marL="1600200" indent="-228600" eaLnBrk="0" hangingPunct="0">
-              <a:defRPr>
-                <a:solidFill>
-                  <a:schemeClr val="tx1"/>
-                </a:solidFill>
-                <a:latin typeface="Arial" charset="0"/>
-                <a:ea typeface="ＭＳ Ｐゴシック" charset="0"/>
-              </a:defRPr>
-            </a:lvl4pPr>
-            <a:lvl5pPr marL="2057400" indent="-228600" eaLnBrk="0" hangingPunct="0">
-              <a:defRPr>
-                <a:solidFill>
-                  <a:schemeClr val="tx1"/>
-                </a:solidFill>
-                <a:latin typeface="Arial" charset="0"/>
-                <a:ea typeface="ＭＳ Ｐゴシック" charset="0"/>
-              </a:defRPr>
-            </a:lvl5pPr>
-            <a:lvl6pPr marL="2514600" indent="-228600" eaLnBrk="0" fontAlgn="base" hangingPunct="0">
-              <a:spcBef>
-                <a:spcPct val="0"/>
-              </a:spcBef>
-              <a:spcAft>
-                <a:spcPct val="0"/>
-              </a:spcAft>
-              <a:defRPr>
-                <a:solidFill>
-                  <a:schemeClr val="tx1"/>
-                </a:solidFill>
-                <a:latin typeface="Arial" charset="0"/>
-                <a:ea typeface="ＭＳ Ｐゴシック" charset="0"/>
-              </a:defRPr>
-            </a:lvl6pPr>
-            <a:lvl7pPr marL="2971800" indent="-228600" eaLnBrk="0" fontAlgn="base" hangingPunct="0">
-              <a:spcBef>
-                <a:spcPct val="0"/>
-              </a:spcBef>
-              <a:spcAft>
-                <a:spcPct val="0"/>
-              </a:spcAft>
-              <a:defRPr>
-                <a:solidFill>
-                  <a:schemeClr val="tx1"/>
-                </a:solidFill>
-                <a:latin typeface="Arial" charset="0"/>
-                <a:ea typeface="ＭＳ Ｐゴシック" charset="0"/>
-              </a:defRPr>
-            </a:lvl7pPr>
-            <a:lvl8pPr marL="3429000" indent="-228600" eaLnBrk="0" fontAlgn="base" hangingPunct="0">
-              <a:spcBef>
-                <a:spcPct val="0"/>
-              </a:spcBef>
-              <a:spcAft>
-                <a:spcPct val="0"/>
-              </a:spcAft>
-              <a:defRPr>
-                <a:solidFill>
-                  <a:schemeClr val="tx1"/>
-                </a:solidFill>
-                <a:latin typeface="Arial" charset="0"/>
-                <a:ea typeface="ＭＳ Ｐゴシック" charset="0"/>
-              </a:defRPr>
-            </a:lvl8pPr>
-            <a:lvl9pPr marL="3886200" indent="-228600" eaLnBrk="0" fontAlgn="base" hangingPunct="0">
-              <a:spcBef>
-                <a:spcPct val="0"/>
-              </a:spcBef>
-              <a:spcAft>
-                <a:spcPct val="0"/>
-              </a:spcAft>
-              <a:defRPr>
-                <a:solidFill>
-                  <a:schemeClr val="tx1"/>
-                </a:solidFill>
-                <a:latin typeface="Arial" charset="0"/>
-                <a:ea typeface="ＭＳ Ｐゴシック" charset="0"/>
-              </a:defRPr>
-            </a:lvl9pPr>
-          </a:lstStyle>
-          <a:p>
-            <a:pPr eaLnBrk="1" hangingPunct="1"/>
-            <a:fld id="{B19524A6-9AAD-FB40-854B-FDC24B26108F}" type="slidenum">
-              <a:rPr lang="en-US">
-                <a:latin typeface="Tahoma" charset="0"/>
-              </a:rPr>
-              <a:pPr eaLnBrk="1" hangingPunct="1"/>
+          <a:lstStyle/>
+          <a:p>
+            <a:fld id="{9B758A47-143E-094C-A581-E852025265D6}" type="slidenum">
+              <a:rPr lang="en-US" smtClean="0"/>
+              <a:pPr/>
               <a:t>11</a:t>
             </a:fld>
-            <a:endParaRPr lang="en-US">
-              <a:latin typeface="Tahoma" charset="0"/>
-            </a:endParaRPr>
+            <a:endParaRPr lang="en-US"/>
           </a:p>
         </p:txBody>
       </p:sp>
     </p:spTree>
     <p:extLst>
       <p:ext uri="{BB962C8B-B14F-4D97-AF65-F5344CB8AC3E}">
-        <p14:creationId xmlns:p14="http://schemas.microsoft.com/office/powerpoint/2010/main" val="2867432440"/>
+        <p14:creationId xmlns:p14="http://schemas.microsoft.com/office/powerpoint/2010/main" val="1914169269"/>
       </p:ext>
     </p:extLst>
   </p:cSld>
@@ -24281,11 +24453,7 @@
           <a:p>
             <a:r>
               <a:rPr lang="en-US" sz="1700" dirty="0" smtClean="0"/>
-              <a:t>BDK08-5  </a:t>
-            </a:r>
-            <a:r>
-              <a:rPr lang="en-US" sz="1700" dirty="0" smtClean="0"/>
-              <a:t>|  Secondary </a:t>
+              <a:t>BDK08-5  |  Secondary </a:t>
             </a:r>
             <a:r>
               <a:rPr lang="en-US" sz="1700" dirty="0"/>
@@ -24360,7 +24528,7 @@
       </p:grpSpPr>
       <p:sp>
         <p:nvSpPr>
-          <p:cNvPr id="6" name="Title 5"/>
+          <p:cNvPr id="2" name="Title 1"/>
           <p:cNvSpPr>
             <a:spLocks noGrp="1"/>
           </p:cNvSpPr>
@@ -24374,8 +24542,8 @@
           <a:lstStyle/>
           <a:p>
             <a:r>
-              <a:rPr lang="en-US" dirty="0" smtClean="0"/>
-              <a:t>Analytics pipeline</a:t>
+              <a:rPr lang="en-US" dirty="0"/>
+              <a:t>More related terms</a:t>
             </a:r>
             <a:endParaRPr lang="en-US" dirty="0"/>
           </a:p>
@@ -24383,7 +24551,7 @@
       </p:sp>
       <p:sp>
         <p:nvSpPr>
-          <p:cNvPr id="7" name="Content Placeholder 6"/>
+          <p:cNvPr id="3" name="Content Placeholder 2"/>
           <p:cNvSpPr>
             <a:spLocks noGrp="1"/>
           </p:cNvSpPr>
@@ -24393,43 +24561,42 @@
         </p:nvSpPr>
         <p:spPr/>
         <p:txBody>
-          <a:bodyPr/>
+          <a:bodyPr>
+            <a:normAutofit/>
+          </a:bodyPr>
           <a:lstStyle/>
           <a:p>
-            <a:pPr marL="0" indent="0">
-              <a:buNone/>
-            </a:pPr>
             <a:r>
               <a:rPr lang="en-US" dirty="0"/>
-              <a:t>Figure from </a:t>
-            </a:r>
-            <a:r>
-              <a:rPr lang="en-US" dirty="0" err="1"/>
-              <a:t>Hersh</a:t>
-            </a:r>
+              <a:t>Data provenance – origin and trustworthiness  </a:t>
+            </a:r>
+          </a:p>
+          <a:p>
             <a:r>
               <a:rPr lang="en-US" dirty="0"/>
-              <a:t>, WR (2014). Healthcare Data Analytics. Health Informatics: Practical Guide for Healthcare and Information Technology Professionals, Sixth Edition. R. Hoyt and A. </a:t>
-            </a:r>
-            <a:r>
-              <a:rPr lang="en-US" dirty="0" err="1"/>
-              <a:t>Yoshihashi</a:t>
+              <a:t>Business intelligence – use of data to obtain timely, valuable insights into business and clinical data </a:t>
+            </a:r>
+          </a:p>
+          <a:p>
+            <a:r>
+              <a:rPr lang="en-US" dirty="0" smtClean="0"/>
+              <a:t>Personalized</a:t>
+            </a:r>
+            <a:r>
+              <a:rPr lang="en-US" dirty="0" smtClean="0"/>
+              <a:t>, precision, or computational </a:t>
             </a:r>
             <a:r>
               <a:rPr lang="en-US" dirty="0"/>
-              <a:t>. Pensacola, FL, Lulu.com: 62-75</a:t>
-            </a:r>
-            <a:r>
-              <a:rPr lang="en-US" dirty="0" smtClean="0"/>
-              <a:t>. </a:t>
-            </a:r>
-            <a:endParaRPr lang="en-US" dirty="0"/>
+              <a:t>medicine </a:t>
+            </a:r>
+            <a:endParaRPr lang="en-US" dirty="0" smtClean="0"/>
           </a:p>
         </p:txBody>
       </p:sp>
       <p:sp>
         <p:nvSpPr>
-          <p:cNvPr id="2" name="Content Placeholder 1"/>
+          <p:cNvPr id="6" name="Content Placeholder 5"/>
           <p:cNvSpPr>
             <a:spLocks noGrp="1"/>
           </p:cNvSpPr>
@@ -24437,50 +24604,82 @@
             <p:ph sz="quarter" idx="14"/>
           </p:nvPr>
         </p:nvSpPr>
-        <p:spPr/>
+        <p:spPr>
+          <a:xfrm>
+            <a:off x="224972" y="6555553"/>
+            <a:ext cx="8694058" cy="228600"/>
+          </a:xfrm>
+        </p:spPr>
         <p:txBody>
           <a:bodyPr/>
           <a:lstStyle/>
           <a:p>
-            <a:endParaRPr lang="en-US"/>
+            <a:r>
+              <a:rPr lang="en-US" dirty="0"/>
+              <a:t>(</a:t>
+            </a:r>
+            <a:r>
+              <a:rPr lang="en-US" dirty="0" err="1"/>
+              <a:t>Dhar</a:t>
+            </a:r>
+            <a:r>
+              <a:rPr lang="en-US" dirty="0"/>
+              <a:t>, 2013; Grus, 2015</a:t>
+            </a:r>
+            <a:r>
+              <a:rPr lang="en-US" dirty="0" smtClean="0"/>
+              <a:t>), (</a:t>
+            </a:r>
+            <a:r>
+              <a:rPr lang="en-US" dirty="0" err="1"/>
+              <a:t>Buneman</a:t>
+            </a:r>
+            <a:r>
+              <a:rPr lang="en-US" dirty="0"/>
+              <a:t>, 2010</a:t>
+            </a:r>
+            <a:r>
+              <a:rPr lang="en-US" dirty="0" smtClean="0"/>
+              <a:t>), (</a:t>
+            </a:r>
+            <a:r>
+              <a:rPr lang="en-US" dirty="0"/>
+              <a:t>Adams, 2011</a:t>
+            </a:r>
+            <a:r>
+              <a:rPr lang="en-US" dirty="0" smtClean="0"/>
+              <a:t>), (Hamburg</a:t>
+            </a:r>
+            <a:r>
+              <a:rPr lang="en-US" dirty="0"/>
+              <a:t>, 2010</a:t>
+            </a:r>
+            <a:r>
+              <a:rPr lang="en-US" dirty="0" smtClean="0"/>
+              <a:t>), (</a:t>
+            </a:r>
+            <a:r>
+              <a:rPr lang="en-US" dirty="0"/>
+              <a:t>IOM, 2011; Collins, 2015; Ashley, 2015</a:t>
+            </a:r>
+            <a:r>
+              <a:rPr lang="en-US" dirty="0" smtClean="0"/>
+              <a:t>), (</a:t>
+            </a:r>
+            <a:r>
+              <a:rPr lang="en-US" dirty="0"/>
+              <a:t>Winslow, 2012)</a:t>
+            </a:r>
           </a:p>
         </p:txBody>
       </p:sp>
-      <p:pic>
-        <p:nvPicPr>
-          <p:cNvPr id="9" name="Picture 8"/>
-          <p:cNvPicPr/>
-          <p:nvPr/>
-        </p:nvPicPr>
-        <p:blipFill>
-          <a:blip r:embed="rId4" cstate="email">
-            <a:extLst>
-              <a:ext uri="{28A0092B-C50C-407E-A947-70E740481C1C}">
-                <a14:useLocalDpi xmlns:a14="http://schemas.microsoft.com/office/drawing/2010/main" val="0"/>
-              </a:ext>
-            </a:extLst>
-          </a:blip>
-          <a:stretch>
-            <a:fillRect/>
-          </a:stretch>
-        </p:blipFill>
-        <p:spPr>
-          <a:xfrm>
-            <a:off x="3943350" y="2800350"/>
-            <a:ext cx="1257300" cy="1257300"/>
-          </a:xfrm>
-          <a:prstGeom prst="rect">
-            <a:avLst/>
-          </a:prstGeom>
-        </p:spPr>
-      </p:pic>
     </p:spTree>
     <p:custDataLst>
       <p:tags r:id="rId1"/>
     </p:custDataLst>
     <p:extLst>
       <p:ext uri="{BB962C8B-B14F-4D97-AF65-F5344CB8AC3E}">
-        <p14:creationId xmlns:p14="http://schemas.microsoft.com/office/powerpoint/2010/main" val="2044477792"/>
+        <p14:creationId xmlns:p14="http://schemas.microsoft.com/office/powerpoint/2010/main" val="2114574409"/>
       </p:ext>
     </p:extLst>
   </p:cSld>
@@ -24516,7 +24715,7 @@
       </p:grpSpPr>
       <p:sp>
         <p:nvSpPr>
-          <p:cNvPr id="2" name="Title 1"/>
+          <p:cNvPr id="6" name="Title 5"/>
           <p:cNvSpPr>
             <a:spLocks noGrp="1"/>
           </p:cNvSpPr>
@@ -24526,35 +24725,20 @@
         </p:nvSpPr>
         <p:spPr/>
         <p:txBody>
-          <a:bodyPr>
-            <a:normAutofit fontScale="90000"/>
-          </a:bodyPr>
+          <a:bodyPr/>
           <a:lstStyle/>
           <a:p>
-            <a:pPr>
-              <a:defRPr/>
-            </a:pPr>
-            <a:r>
-              <a:rPr lang="en-US" dirty="0">
-                <a:ea typeface="+mj-ea"/>
-              </a:rPr>
-              <a:t>A</a:t>
-            </a:r>
-            <a:r>
-              <a:rPr lang="en-US" dirty="0" smtClean="0">
-                <a:ea typeface="+mj-ea"/>
-              </a:rPr>
-              <a:t>nalytics is well-employed outside of healthcare</a:t>
-            </a:r>
-            <a:endParaRPr lang="en-US" dirty="0">
-              <a:ea typeface="+mj-ea"/>
-            </a:endParaRPr>
+            <a:r>
+              <a:rPr lang="en-US" dirty="0" smtClean="0"/>
+              <a:t>Analytics pipeline</a:t>
+            </a:r>
+            <a:endParaRPr lang="en-US" dirty="0"/>
           </a:p>
         </p:txBody>
       </p:sp>
       <p:sp>
         <p:nvSpPr>
-          <p:cNvPr id="3" name="Content Placeholder 2"/>
+          <p:cNvPr id="7" name="Content Placeholder 6"/>
           <p:cNvSpPr>
             <a:spLocks noGrp="1"/>
           </p:cNvSpPr>
@@ -24564,122 +24748,43 @@
         </p:nvSpPr>
         <p:spPr/>
         <p:txBody>
-          <a:bodyPr>
-            <a:normAutofit fontScale="92500"/>
-          </a:bodyPr>
+          <a:bodyPr/>
           <a:lstStyle/>
           <a:p>
-            <a:pPr>
-              <a:defRPr/>
+            <a:pPr marL="0" indent="0">
+              <a:buNone/>
             </a:pPr>
             <a:r>
-              <a:rPr lang="en-US" dirty="0">
-                <a:ea typeface="+mn-ea"/>
-              </a:rPr>
-              <a:t>Amazon and Netflix recommend books and movies with great precision</a:t>
-            </a:r>
-          </a:p>
-          <a:p>
-            <a:pPr>
-              <a:defRPr/>
-            </a:pPr>
-            <a:r>
-              <a:rPr lang="en-US" dirty="0">
-                <a:ea typeface="+mn-ea"/>
-              </a:rPr>
-              <a:t>Many sports teams, such as the Oakland Athletics and New England Patriots, have used “</a:t>
-            </a:r>
-            <a:r>
-              <a:rPr lang="en-US" dirty="0" err="1">
-                <a:ea typeface="+mn-ea"/>
-              </a:rPr>
-              <a:t>moneyball</a:t>
-            </a:r>
-            <a:r>
-              <a:rPr lang="en-US" dirty="0">
-                <a:ea typeface="+mn-ea"/>
-              </a:rPr>
-              <a:t>” to select players, plays, strategies, etc. </a:t>
-            </a:r>
-          </a:p>
-          <a:p>
-            <a:pPr>
-              <a:defRPr/>
-            </a:pPr>
-            <a:r>
-              <a:rPr lang="en-US" dirty="0">
-                <a:ea typeface="+mn-ea"/>
-              </a:rPr>
-              <a:t>Twitter volume and other linkages can predict stock market prices </a:t>
-            </a:r>
-          </a:p>
-          <a:p>
-            <a:pPr>
-              <a:defRPr/>
-            </a:pPr>
-            <a:r>
-              <a:rPr lang="en-US" dirty="0">
-                <a:ea typeface="+mn-ea"/>
-              </a:rPr>
-              <a:t>US 2012 election showed value of using data: re-election of President Obama </a:t>
-            </a:r>
-            <a:r>
-              <a:rPr lang="en-US" dirty="0" smtClean="0">
-                <a:ea typeface="+mn-ea"/>
-              </a:rPr>
-              <a:t>and </a:t>
-            </a:r>
-            <a:r>
-              <a:rPr lang="en-US" dirty="0">
-                <a:ea typeface="+mn-ea"/>
-              </a:rPr>
-              <a:t>predictive ability of Nate Silver </a:t>
-            </a:r>
-          </a:p>
-          <a:p>
-            <a:pPr>
-              <a:defRPr/>
-            </a:pPr>
-            <a:r>
-              <a:rPr lang="en-US" dirty="0">
-                <a:ea typeface="+mn-ea"/>
-              </a:rPr>
-              <a:t>Individual traits such as sexual orientation, political affiliation, personality types, and ethnicity can be discerned from Facebook “likes” with high accuracy </a:t>
-            </a:r>
-          </a:p>
-          <a:p>
-            <a:pPr>
-              <a:defRPr/>
-            </a:pPr>
-            <a:r>
-              <a:rPr lang="en-US" dirty="0" smtClean="0">
-                <a:ea typeface="+mn-ea"/>
-              </a:rPr>
-              <a:t>“Internet advertising” is a growing area , aiming to solve “Wanamaker dilemma” </a:t>
-            </a:r>
-            <a:endParaRPr lang="en-US" dirty="0">
-              <a:ea typeface="+mn-ea"/>
-            </a:endParaRPr>
-          </a:p>
-          <a:p>
-            <a:pPr>
-              <a:defRPr/>
-            </a:pPr>
-            <a:r>
-              <a:rPr lang="en-US" dirty="0" smtClean="0">
-                <a:ea typeface="+mn-ea"/>
-              </a:rPr>
-              <a:t>Government (e.g., National Security Agency in US) tracking of email, phone calls, and other digital trails </a:t>
-            </a:r>
-            <a:endParaRPr lang="en-US" dirty="0">
-              <a:ea typeface="+mn-ea"/>
-            </a:endParaRPr>
+              <a:rPr lang="en-US" dirty="0"/>
+              <a:t>Figure from </a:t>
+            </a:r>
+            <a:r>
+              <a:rPr lang="en-US" dirty="0" err="1"/>
+              <a:t>Hersh</a:t>
+            </a:r>
+            <a:r>
+              <a:rPr lang="en-US" dirty="0"/>
+              <a:t>, WR (2014). Healthcare Data Analytics. Health Informatics: Practical Guide for Healthcare and Information Technology Professionals, Sixth Edition. R. Hoyt and A. </a:t>
+            </a:r>
+            <a:r>
+              <a:rPr lang="en-US" dirty="0" err="1"/>
+              <a:t>Yoshihashi</a:t>
+            </a:r>
+            <a:r>
+              <a:rPr lang="en-US" dirty="0"/>
+              <a:t>. Pensacola, FL, Lulu.com: 62-75</a:t>
+            </a:r>
+            <a:r>
+              <a:rPr lang="en-US" dirty="0" smtClean="0"/>
+              <a:t>. </a:t>
+            </a:r>
+            <a:endParaRPr lang="en-US" dirty="0"/>
           </a:p>
         </p:txBody>
       </p:sp>
       <p:sp>
         <p:nvSpPr>
-          <p:cNvPr id="6" name="Content Placeholder 5"/>
+          <p:cNvPr id="2" name="Content Placeholder 1"/>
           <p:cNvSpPr>
             <a:spLocks noGrp="1"/>
           </p:cNvSpPr>
@@ -24687,119 +24792,52 @@
             <p:ph sz="quarter" idx="14"/>
           </p:nvPr>
         </p:nvSpPr>
-        <p:spPr>
-          <a:xfrm>
-            <a:off x="224972" y="6439437"/>
-            <a:ext cx="8694058" cy="344716"/>
-          </a:xfrm>
-        </p:spPr>
+        <p:spPr/>
         <p:txBody>
           <a:bodyPr/>
           <a:lstStyle/>
           <a:p>
-            <a:pPr>
-              <a:lnSpc>
-                <a:spcPct val="100000"/>
-              </a:lnSpc>
-              <a:spcBef>
-                <a:spcPts val="0"/>
-              </a:spcBef>
-              <a:spcAft>
-                <a:spcPts val="0"/>
-              </a:spcAft>
-            </a:pPr>
-            <a:r>
-              <a:rPr lang="en-US" dirty="0"/>
-              <a:t>(Lewis, 2004; Davenport, 2007</a:t>
-            </a:r>
-            <a:r>
-              <a:rPr lang="en-US" dirty="0" smtClean="0"/>
-              <a:t>), (</a:t>
-            </a:r>
-            <a:r>
-              <a:rPr lang="en-US" dirty="0"/>
-              <a:t>Ruiz, 2012</a:t>
-            </a:r>
-            <a:r>
-              <a:rPr lang="en-US" dirty="0" smtClean="0"/>
-              <a:t>), (</a:t>
-            </a:r>
-            <a:r>
-              <a:rPr lang="en-US" dirty="0"/>
-              <a:t>Scherer, 2012</a:t>
-            </a:r>
-            <a:r>
-              <a:rPr lang="en-US" dirty="0" smtClean="0"/>
-              <a:t>), (</a:t>
-            </a:r>
-            <a:r>
-              <a:rPr lang="en-US" dirty="0" err="1"/>
-              <a:t>Salant</a:t>
-            </a:r>
-            <a:r>
-              <a:rPr lang="en-US" dirty="0"/>
-              <a:t>, 2012</a:t>
-            </a:r>
-            <a:r>
-              <a:rPr lang="en-US" dirty="0" smtClean="0"/>
-              <a:t>), (</a:t>
-            </a:r>
-            <a:r>
-              <a:rPr lang="en-US" dirty="0" err="1"/>
-              <a:t>Kosinski</a:t>
-            </a:r>
-            <a:r>
-              <a:rPr lang="en-US" dirty="0"/>
-              <a:t>, 2013</a:t>
-            </a:r>
-            <a:r>
-              <a:rPr lang="en-US" dirty="0" smtClean="0"/>
-              <a:t>), (</a:t>
-            </a:r>
-            <a:r>
-              <a:rPr lang="en-US" dirty="0"/>
-              <a:t>O’Reilly, 2012</a:t>
-            </a:r>
-            <a:r>
-              <a:rPr lang="en-US" dirty="0" smtClean="0"/>
-              <a:t>), (</a:t>
-            </a:r>
-            <a:r>
-              <a:rPr lang="en-US" dirty="0"/>
-              <a:t>Smith, 2014</a:t>
-            </a:r>
-            <a:r>
-              <a:rPr lang="en-US" dirty="0" smtClean="0"/>
-              <a:t>), </a:t>
-            </a:r>
-          </a:p>
-          <a:p>
-            <a:pPr>
-              <a:lnSpc>
-                <a:spcPct val="100000"/>
-              </a:lnSpc>
-              <a:spcBef>
-                <a:spcPts val="0"/>
-              </a:spcBef>
-              <a:spcAft>
-                <a:spcPts val="0"/>
-              </a:spcAft>
-            </a:pPr>
-            <a:r>
-              <a:rPr lang="en-US" dirty="0" smtClean="0"/>
-              <a:t>(</a:t>
-            </a:r>
-            <a:r>
-              <a:rPr lang="en-US" dirty="0"/>
-              <a:t>Levy, 2014)</a:t>
-            </a:r>
+            <a:endParaRPr lang="en-US"/>
           </a:p>
         </p:txBody>
       </p:sp>
+      <p:pic>
+        <p:nvPicPr>
+          <p:cNvPr id="9" name="Picture 8"/>
+          <p:cNvPicPr/>
+          <p:nvPr/>
+        </p:nvPicPr>
+        <p:blipFill>
+          <a:blip r:embed="rId4" cstate="email">
+            <a:extLst>
+              <a:ext uri="{28A0092B-C50C-407E-A947-70E740481C1C}">
+                <a14:useLocalDpi xmlns:a14="http://schemas.microsoft.com/office/drawing/2010/main" val="0"/>
+              </a:ext>
+            </a:extLst>
+          </a:blip>
+          <a:stretch>
+            <a:fillRect/>
+          </a:stretch>
+        </p:blipFill>
+        <p:spPr>
+          <a:xfrm>
+            <a:off x="3943350" y="2800350"/>
+            <a:ext cx="1257300" cy="1257300"/>
+          </a:xfrm>
+          <a:prstGeom prst="rect">
+            <a:avLst/>
+          </a:prstGeom>
+        </p:spPr>
+      </p:pic>
     </p:spTree>
     <p:custDataLst>
       <p:tags r:id="rId1"/>
     </p:custDataLst>
+    <p:extLst>
+      <p:ext uri="{BB962C8B-B14F-4D97-AF65-F5344CB8AC3E}">
+        <p14:creationId xmlns:p14="http://schemas.microsoft.com/office/powerpoint/2010/main" val="2044477792"/>
+      </p:ext>
+    </p:extLst>
   </p:cSld>
   <p:clrMapOvr>
     <a:masterClrMapping/>
@@ -24844,15 +24882,28 @@
         <p:spPr/>
         <p:txBody>
           <a:bodyPr>
-            <a:normAutofit/>
+            <a:normAutofit fontScale="90000"/>
           </a:bodyPr>
           <a:lstStyle/>
           <a:p>
-            <a:r>
-              <a:rPr lang="en-US" dirty="0" smtClean="0"/>
-              <a:t>What about analytics in healthcare?</a:t>
-            </a:r>
-            <a:endParaRPr lang="en-US" dirty="0"/>
+            <a:pPr>
+              <a:defRPr/>
+            </a:pPr>
+            <a:r>
+              <a:rPr lang="en-US" dirty="0">
+                <a:ea typeface="+mj-ea"/>
+              </a:rPr>
+              <a:t>A</a:t>
+            </a:r>
+            <a:r>
+              <a:rPr lang="en-US" dirty="0" smtClean="0">
+                <a:ea typeface="+mj-ea"/>
+              </a:rPr>
+              <a:t>nalytics is well-employed outside of healthcare</a:t>
+            </a:r>
+            <a:endParaRPr lang="en-US" dirty="0">
+              <a:ea typeface="+mj-ea"/>
+            </a:endParaRPr>
           </a:p>
         </p:txBody>
       </p:sp>
@@ -24869,87 +24920,136 @@
         <p:spPr/>
         <p:txBody>
           <a:bodyPr>
-            <a:normAutofit/>
+            <a:normAutofit fontScale="92500" lnSpcReduction="10000"/>
           </a:bodyPr>
           <a:lstStyle/>
           <a:p>
-            <a:r>
-              <a:rPr lang="en-US" dirty="0" smtClean="0"/>
-              <a:t>With shift of payment from </a:t>
-            </a:r>
-            <a:r>
-              <a:rPr lang="en-US" altLang="ja-JP" dirty="0" smtClean="0"/>
-              <a:t>“</a:t>
-            </a:r>
-            <a:r>
-              <a:rPr lang="en-US" dirty="0" smtClean="0"/>
-              <a:t>volume to value,</a:t>
-            </a:r>
-            <a:r>
-              <a:rPr lang="en-US" altLang="ja-JP" dirty="0" smtClean="0"/>
-              <a:t>”</a:t>
-            </a:r>
-            <a:r>
-              <a:rPr lang="en-US" dirty="0" smtClean="0"/>
-              <a:t> healthcare organizations will need to manage information better to deliver better care </a:t>
-            </a:r>
-          </a:p>
-          <a:p>
-            <a:pPr lvl="1"/>
-            <a:r>
-              <a:rPr lang="en-US" dirty="0" smtClean="0"/>
-              <a:t>To realize this, they must achieve </a:t>
-            </a:r>
-            <a:r>
-              <a:rPr lang="en-US" altLang="ja-JP" dirty="0" smtClean="0"/>
-              <a:t>“</a:t>
-            </a:r>
-            <a:r>
-              <a:rPr lang="en-US" dirty="0" smtClean="0"/>
-              <a:t>analytic integration</a:t>
-            </a:r>
-            <a:r>
-              <a:rPr lang="en-US" altLang="ja-JP" dirty="0" smtClean="0"/>
-              <a:t>”</a:t>
-            </a:r>
-            <a:r>
-              <a:rPr lang="en-US" dirty="0" smtClean="0"/>
-              <a:t> </a:t>
-            </a:r>
-          </a:p>
-          <a:p>
-            <a:r>
-              <a:rPr lang="en-US" dirty="0" smtClean="0"/>
-              <a:t>New care delivery models (e.g., accountable care organizations) will require better access to data (e.g., health information exchange, HIE)</a:t>
-            </a:r>
-          </a:p>
-          <a:p>
-            <a:pPr lvl="1"/>
-            <a:r>
-              <a:rPr lang="en-US" dirty="0" err="1" smtClean="0"/>
-              <a:t>Halamka</a:t>
-            </a:r>
+            <a:pPr>
+              <a:defRPr/>
+            </a:pPr>
+            <a:r>
+              <a:rPr lang="en-US" dirty="0">
+                <a:ea typeface="+mn-ea"/>
+              </a:rPr>
+              <a:t>Amazon and Netflix recommend books and movies with great precision</a:t>
+            </a:r>
+          </a:p>
+          <a:p>
+            <a:pPr>
+              <a:defRPr/>
+            </a:pPr>
+            <a:r>
+              <a:rPr lang="en-US" dirty="0">
+                <a:ea typeface="+mn-ea"/>
+              </a:rPr>
+              <a:t>Many sports teams, such as the Oakland Athletics and New England Patriots, have used “</a:t>
+            </a:r>
+            <a:r>
+              <a:rPr lang="en-US" dirty="0" err="1">
+                <a:ea typeface="+mn-ea"/>
+              </a:rPr>
+              <a:t>moneyball</a:t>
+            </a:r>
+            <a:r>
+              <a:rPr lang="en-US" dirty="0">
+                <a:ea typeface="+mn-ea"/>
+              </a:rPr>
+              <a:t>” to select players, plays, strategies, etc. </a:t>
+            </a:r>
+          </a:p>
+          <a:p>
+            <a:pPr>
+              <a:defRPr/>
+            </a:pPr>
+            <a:r>
+              <a:rPr lang="en-US" dirty="0">
+                <a:ea typeface="+mn-ea"/>
+              </a:rPr>
+              <a:t>Twitter volume and other linkages can predict stock market prices </a:t>
+            </a:r>
+          </a:p>
+          <a:p>
+            <a:pPr>
+              <a:defRPr/>
+            </a:pPr>
+            <a:r>
+              <a:rPr lang="en-US" dirty="0">
+                <a:ea typeface="+mn-ea"/>
+              </a:rPr>
+              <a:t>US 2012 election showed value of using data: re-election of President Obama </a:t>
+            </a:r>
+            <a:r>
+              <a:rPr lang="en-US" dirty="0" smtClean="0">
+                <a:ea typeface="+mn-ea"/>
+              </a:rPr>
+              <a:t>and </a:t>
+            </a:r>
+            <a:r>
+              <a:rPr lang="en-US" dirty="0">
+                <a:ea typeface="+mn-ea"/>
+              </a:rPr>
+              <a:t>predictive ability of Nate Silver </a:t>
+            </a:r>
+          </a:p>
+          <a:p>
+            <a:pPr>
+              <a:defRPr/>
+            </a:pPr>
+            <a:r>
+              <a:rPr lang="en-US" dirty="0">
+                <a:ea typeface="+mn-ea"/>
+              </a:rPr>
+              <a:t>Individual traits such as sexual orientation, political affiliation, personality types, and ethnicity can be discerned from Facebook “likes” with high accuracy </a:t>
+            </a:r>
+          </a:p>
+          <a:p>
+            <a:pPr>
+              <a:defRPr/>
+            </a:pPr>
+            <a:r>
+              <a:rPr lang="en-US" dirty="0" smtClean="0">
+                <a:ea typeface="+mn-ea"/>
+              </a:rPr>
+              <a:t>“Internet advertising” is a growing area , aiming to solve “Wanamaker dilemma” </a:t>
+            </a:r>
+            <a:endParaRPr lang="en-US" dirty="0">
+              <a:ea typeface="+mn-ea"/>
+            </a:endParaRPr>
+          </a:p>
+          <a:p>
+            <a:pPr>
+              <a:defRPr/>
+            </a:pPr>
+            <a:r>
+              <a:rPr lang="en-US" dirty="0" smtClean="0">
+                <a:ea typeface="+mn-ea"/>
+              </a:rPr>
+              <a:t>Government (e.g., National Security Agency in US) tracking of email, phone calls, and other digital </a:t>
+            </a:r>
+            <a:r>
+              <a:rPr lang="en-US" dirty="0" smtClean="0">
+                <a:ea typeface="+mn-ea"/>
+              </a:rPr>
+              <a:t>trails</a:t>
+            </a:r>
+          </a:p>
+          <a:p>
+            <a:pPr>
+              <a:defRPr/>
+            </a:pPr>
             <a:r>
               <a:rPr lang="en-US" dirty="0"/>
-              <a:t> </a:t>
-            </a:r>
-            <a:r>
-              <a:rPr lang="en-US" dirty="0" smtClean="0"/>
-              <a:t>(2013): ACO = HIE + analytics</a:t>
-            </a:r>
-          </a:p>
-          <a:p>
-            <a:r>
-              <a:rPr lang="en-US" dirty="0" smtClean="0"/>
-              <a:t>Recent overviews </a:t>
-            </a:r>
-            <a:endParaRPr lang="en-US" dirty="0"/>
+              <a:t> Detecting credit card fraud </a:t>
+            </a:r>
+            <a:endParaRPr lang="en-US" dirty="0">
+              <a:ea typeface="+mn-ea"/>
+            </a:endParaRPr>
           </a:p>
         </p:txBody>
       </p:sp>
       <p:sp>
         <p:nvSpPr>
-          <p:cNvPr id="5" name="Content Placeholder 4"/>
+          <p:cNvPr id="6" name="Content Placeholder 5"/>
           <p:cNvSpPr>
             <a:spLocks noGrp="1"/>
           </p:cNvSpPr>
@@ -24959,42 +25059,123 @@
         </p:nvSpPr>
         <p:spPr>
           <a:xfrm>
-            <a:off x="224971" y="6555553"/>
-            <a:ext cx="8694058" cy="228600"/>
+            <a:off x="76200" y="6439437"/>
+            <a:ext cx="8842830" cy="344716"/>
           </a:xfrm>
         </p:spPr>
         <p:txBody>
           <a:bodyPr/>
           <a:lstStyle/>
           <a:p>
-            <a:r>
-              <a:rPr lang="en-US" dirty="0"/>
-              <a:t>(Diamond, 2009; Horner, 2012</a:t>
-            </a:r>
-            <a:r>
-              <a:rPr lang="en-US" dirty="0" smtClean="0"/>
+            <a:pPr>
+              <a:lnSpc>
+                <a:spcPct val="100000"/>
+              </a:lnSpc>
+              <a:spcBef>
+                <a:spcPts val="0"/>
+              </a:spcBef>
+              <a:spcAft>
+                <a:spcPts val="0"/>
+              </a:spcAft>
+            </a:pPr>
+            <a:r>
+              <a:rPr lang="en-US" sz="1000" dirty="0"/>
+              <a:t>(Lewis, 2004; Davenport, 2007</a:t>
+            </a:r>
+            <a:r>
+              <a:rPr lang="en-US" sz="1000" dirty="0" smtClean="0"/>
               <a:t>), (</a:t>
             </a:r>
             <a:r>
-              <a:rPr lang="en-US" dirty="0"/>
-              <a:t>Davenport, 2012</a:t>
-            </a:r>
-            <a:r>
-              <a:rPr lang="en-US" dirty="0" smtClean="0"/>
+              <a:rPr lang="en-US" sz="1000" dirty="0"/>
+              <a:t>Ruiz, 2012</a:t>
+            </a:r>
+            <a:r>
+              <a:rPr lang="en-US" sz="1000" dirty="0" smtClean="0"/>
               <a:t>), (</a:t>
             </a:r>
             <a:r>
-              <a:rPr lang="en-US" dirty="0"/>
-              <a:t>Burke, 2013; </a:t>
-            </a:r>
-            <a:r>
-              <a:rPr lang="en-US" dirty="0" err="1"/>
-              <a:t>Gensinger</a:t>
-            </a:r>
-            <a:r>
-              <a:rPr lang="en-US" dirty="0"/>
-              <a:t>, 2014; Marconi, 2014)</a:t>
-            </a:r>
+              <a:rPr lang="en-US" sz="1000" dirty="0"/>
+              <a:t>Scherer, 2012</a:t>
+            </a:r>
+            <a:r>
+              <a:rPr lang="en-US" sz="1000" dirty="0" smtClean="0"/>
+              <a:t>), (</a:t>
+            </a:r>
+            <a:r>
+              <a:rPr lang="en-US" sz="1000" dirty="0" err="1"/>
+              <a:t>Salant</a:t>
+            </a:r>
+            <a:r>
+              <a:rPr lang="en-US" sz="1000" dirty="0"/>
+              <a:t>, 2012</a:t>
+            </a:r>
+            <a:r>
+              <a:rPr lang="en-US" sz="1000" dirty="0" smtClean="0"/>
+              <a:t>), (</a:t>
+            </a:r>
+            <a:r>
+              <a:rPr lang="en-US" sz="1000" dirty="0" err="1"/>
+              <a:t>Kosinski</a:t>
+            </a:r>
+            <a:r>
+              <a:rPr lang="en-US" sz="1000" dirty="0"/>
+              <a:t>, 2013</a:t>
+            </a:r>
+            <a:r>
+              <a:rPr lang="en-US" sz="1000" dirty="0" smtClean="0"/>
+              <a:t>), (</a:t>
+            </a:r>
+            <a:r>
+              <a:rPr lang="en-US" sz="1000" dirty="0"/>
+              <a:t>O’Reilly, 2012</a:t>
+            </a:r>
+            <a:r>
+              <a:rPr lang="en-US" sz="1000" dirty="0" smtClean="0"/>
+              <a:t>), (</a:t>
+            </a:r>
+            <a:r>
+              <a:rPr lang="en-US" sz="1000" dirty="0"/>
+              <a:t>Smith, 2014</a:t>
+            </a:r>
+            <a:r>
+              <a:rPr lang="en-US" sz="1000" dirty="0" smtClean="0"/>
+              <a:t>), </a:t>
+            </a:r>
+            <a:r>
+              <a:rPr lang="en-US" sz="1000" dirty="0" smtClean="0"/>
+              <a:t>(</a:t>
+            </a:r>
+            <a:r>
+              <a:rPr lang="en-US" sz="1000" dirty="0"/>
+              <a:t>Levy, 2014</a:t>
+            </a:r>
+            <a:r>
+              <a:rPr lang="en-US" sz="1000" dirty="0"/>
+              <a:t>), (</a:t>
+            </a:r>
+            <a:r>
+              <a:rPr lang="en-US" sz="1000" dirty="0" err="1"/>
+              <a:t>Ryoo</a:t>
+            </a:r>
+            <a:r>
+              <a:rPr lang="en-US" sz="1000" dirty="0"/>
+              <a:t>, 2015)</a:t>
+            </a:r>
+          </a:p>
+          <a:p>
+            <a:pPr>
+              <a:lnSpc>
+                <a:spcPct val="100000"/>
+              </a:lnSpc>
+              <a:spcBef>
+                <a:spcPts val="0"/>
+              </a:spcBef>
+              <a:spcAft>
+                <a:spcPts val="0"/>
+              </a:spcAft>
+            </a:pPr>
+            <a:endParaRPr lang="en-US" sz="1000" dirty="0"/>
           </a:p>
         </p:txBody>
       </p:sp>
@@ -25035,7 +25216,7 @@
       </p:grpSpPr>
       <p:sp>
         <p:nvSpPr>
-          <p:cNvPr id="4" name="Title 3"/>
+          <p:cNvPr id="2" name="Title 1"/>
           <p:cNvSpPr>
             <a:spLocks noGrp="1"/>
           </p:cNvSpPr>
@@ -25045,12 +25226,14 @@
         </p:nvSpPr>
         <p:spPr/>
         <p:txBody>
-          <a:bodyPr/>
+          <a:bodyPr>
+            <a:normAutofit/>
+          </a:bodyPr>
           <a:lstStyle/>
           <a:p>
             <a:r>
               <a:rPr lang="en-US" dirty="0" smtClean="0"/>
-              <a:t>Applications</a:t>
+              <a:t>What about analytics in healthcare?</a:t>
             </a:r>
             <a:endParaRPr lang="en-US" dirty="0"/>
           </a:p>
@@ -25058,20 +25241,156 @@
       </p:sp>
       <p:sp>
         <p:nvSpPr>
-          <p:cNvPr id="5" name="Text Placeholder 4"/>
+          <p:cNvPr id="3" name="Content Placeholder 2"/>
           <p:cNvSpPr>
             <a:spLocks noGrp="1"/>
           </p:cNvSpPr>
           <p:nvPr>
-            <p:ph type="body" idx="1"/>
+            <p:ph idx="1"/>
           </p:nvPr>
         </p:nvSpPr>
         <p:spPr/>
+        <p:txBody>
+          <a:bodyPr>
+            <a:normAutofit/>
+          </a:bodyPr>
+          <a:lstStyle/>
+          <a:p>
+            <a:r>
+              <a:rPr lang="en-US" dirty="0" smtClean="0"/>
+              <a:t>With shift of payment from </a:t>
+            </a:r>
+            <a:r>
+              <a:rPr lang="en-US" altLang="ja-JP" dirty="0" smtClean="0"/>
+              <a:t>“</a:t>
+            </a:r>
+            <a:r>
+              <a:rPr lang="en-US" dirty="0" smtClean="0"/>
+              <a:t>volume to value,</a:t>
+            </a:r>
+            <a:r>
+              <a:rPr lang="en-US" altLang="ja-JP" dirty="0" smtClean="0"/>
+              <a:t>”</a:t>
+            </a:r>
+            <a:r>
+              <a:rPr lang="en-US" dirty="0" smtClean="0"/>
+              <a:t> healthcare organizations will need to manage information better to deliver better care </a:t>
+            </a:r>
+          </a:p>
+          <a:p>
+            <a:pPr lvl="1"/>
+            <a:r>
+              <a:rPr lang="en-US" dirty="0" smtClean="0"/>
+              <a:t>To realize this, they must achieve </a:t>
+            </a:r>
+            <a:r>
+              <a:rPr lang="en-US" altLang="ja-JP" dirty="0" smtClean="0"/>
+              <a:t>“</a:t>
+            </a:r>
+            <a:r>
+              <a:rPr lang="en-US" dirty="0" smtClean="0"/>
+              <a:t>analytic integration</a:t>
+            </a:r>
+            <a:r>
+              <a:rPr lang="en-US" altLang="ja-JP" dirty="0" smtClean="0"/>
+              <a:t>”</a:t>
+            </a:r>
+            <a:r>
+              <a:rPr lang="en-US" dirty="0" smtClean="0"/>
+              <a:t> </a:t>
+            </a:r>
+          </a:p>
+          <a:p>
+            <a:r>
+              <a:rPr lang="en-US" dirty="0" smtClean="0"/>
+              <a:t>New care delivery models (e.g., accountable care organizations) will require better access to data (e.g., health information exchange, HIE)</a:t>
+            </a:r>
+          </a:p>
+          <a:p>
+            <a:pPr lvl="1"/>
+            <a:r>
+              <a:rPr lang="en-US" dirty="0" err="1" smtClean="0"/>
+              <a:t>Halamka</a:t>
+            </a:r>
+            <a:r>
+              <a:rPr lang="en-US" dirty="0"/>
+              <a:t> </a:t>
+            </a:r>
+            <a:r>
+              <a:rPr lang="en-US" dirty="0" smtClean="0"/>
+              <a:t>(2013): ACO = HIE + analytics</a:t>
+            </a:r>
+          </a:p>
+          <a:p>
+            <a:r>
+              <a:rPr lang="en-US" dirty="0" smtClean="0"/>
+              <a:t>Recent overviews </a:t>
+            </a:r>
+            <a:endParaRPr lang="en-US" dirty="0"/>
+          </a:p>
+        </p:txBody>
+      </p:sp>
+      <p:sp>
+        <p:nvSpPr>
+          <p:cNvPr id="5" name="Content Placeholder 4"/>
+          <p:cNvSpPr>
+            <a:spLocks noGrp="1"/>
+          </p:cNvSpPr>
+          <p:nvPr>
+            <p:ph sz="quarter" idx="14"/>
+          </p:nvPr>
+        </p:nvSpPr>
+        <p:spPr>
+          <a:xfrm>
+            <a:off x="224971" y="6555553"/>
+            <a:ext cx="8694058" cy="228600"/>
+          </a:xfrm>
+        </p:spPr>
         <p:txBody>
           <a:bodyPr/>
           <a:lstStyle/>
           <a:p>
-            <a:endParaRPr lang="en-US"/>
+            <a:r>
+              <a:rPr lang="en-US" dirty="0"/>
+              <a:t>(Diamond, 2009; Horner, </a:t>
+            </a:r>
+            <a:r>
+              <a:rPr lang="en-US" dirty="0"/>
+              <a:t>2012; Burwell, 2015), </a:t>
+            </a:r>
+            <a:r>
+              <a:rPr lang="en-US" dirty="0" smtClean="0"/>
+              <a:t>(</a:t>
+            </a:r>
+            <a:r>
+              <a:rPr lang="en-US" dirty="0"/>
+              <a:t>Davenport, 2012</a:t>
+            </a:r>
+            <a:r>
+              <a:rPr lang="en-US" dirty="0" smtClean="0"/>
+              <a:t>), </a:t>
+            </a:r>
+            <a:r>
+              <a:rPr lang="en-US" dirty="0" smtClean="0"/>
+              <a:t>(</a:t>
+            </a:r>
+            <a:r>
+              <a:rPr lang="en-US" dirty="0" err="1" smtClean="0"/>
+              <a:t>Gensinger</a:t>
+            </a:r>
+            <a:r>
+              <a:rPr lang="en-US" dirty="0"/>
+              <a:t>, 2014; Marconi, </a:t>
+            </a:r>
+            <a:r>
+              <a:rPr lang="en-US" dirty="0" smtClean="0"/>
+              <a:t>2014; </a:t>
+            </a:r>
+            <a:r>
+              <a:rPr lang="en-US" dirty="0"/>
+              <a:t>Reddy, 2015)</a:t>
+            </a:r>
+            <a:endParaRPr lang="en-US" dirty="0"/>
           </a:p>
         </p:txBody>
       </p:sp>
@@ -25079,11 +25398,6 @@
     <p:custDataLst>
       <p:tags r:id="rId1"/>
     </p:custDataLst>
-    <p:extLst>
-      <p:ext uri="{BB962C8B-B14F-4D97-AF65-F5344CB8AC3E}">
-        <p14:creationId xmlns:p14="http://schemas.microsoft.com/office/powerpoint/2010/main" val="3467637702"/>
-      </p:ext>
-    </p:extLst>
   </p:cSld>
   <p:clrMapOvr>
     <a:masterClrMapping/>
@@ -25117,7 +25431,7 @@
       </p:grpSpPr>
       <p:sp>
         <p:nvSpPr>
-          <p:cNvPr id="2" name="Title 1"/>
+          <p:cNvPr id="4" name="Title 3"/>
           <p:cNvSpPr>
             <a:spLocks noGrp="1"/>
           </p:cNvSpPr>
@@ -25127,14 +25441,12 @@
         </p:nvSpPr>
         <p:spPr/>
         <p:txBody>
-          <a:bodyPr>
-            <a:normAutofit/>
-          </a:bodyPr>
+          <a:bodyPr/>
           <a:lstStyle/>
           <a:p>
             <a:r>
               <a:rPr lang="en-US" dirty="0" smtClean="0"/>
-              <a:t>Applications of analytics in healthcare</a:t>
+              <a:t>Applications</a:t>
             </a:r>
             <a:endParaRPr lang="en-US" dirty="0"/>
           </a:p>
@@ -25142,133 +25454,20 @@
       </p:sp>
       <p:sp>
         <p:nvSpPr>
-          <p:cNvPr id="5" name="Content Placeholder 4"/>
+          <p:cNvPr id="5" name="Text Placeholder 4"/>
           <p:cNvSpPr>
             <a:spLocks noGrp="1"/>
           </p:cNvSpPr>
           <p:nvPr>
-            <p:ph idx="1"/>
+            <p:ph type="body" idx="1"/>
           </p:nvPr>
         </p:nvSpPr>
         <p:spPr/>
-        <p:txBody>
-          <a:bodyPr>
-            <a:normAutofit/>
-          </a:bodyPr>
-          <a:lstStyle/>
-          <a:p>
-            <a:r>
-              <a:rPr lang="en-US" dirty="0" smtClean="0"/>
-              <a:t>Early application – identifying patients at risk for hospital readmission within 30 days of discharge</a:t>
-            </a:r>
-          </a:p>
-          <a:p>
-            <a:r>
-              <a:rPr lang="en-US" dirty="0" smtClean="0"/>
-              <a:t>Centers </a:t>
-            </a:r>
-            <a:r>
-              <a:rPr lang="en-US" dirty="0"/>
-              <a:t>for Medicare and Medicaid Services (CMS) Readmissions Reduction Program </a:t>
-            </a:r>
-            <a:r>
-              <a:rPr lang="en-US" dirty="0" smtClean="0"/>
-              <a:t>penalizes </a:t>
-            </a:r>
-            <a:r>
-              <a:rPr lang="en-US" dirty="0"/>
-              <a:t>hospitals for excessive numbers of readmissions </a:t>
-            </a:r>
-            <a:r>
-              <a:rPr lang="en-US" dirty="0" smtClean="0"/>
-              <a:t>(2013)</a:t>
-            </a:r>
-          </a:p>
-          <a:p>
-            <a:r>
-              <a:rPr lang="en-US" dirty="0"/>
-              <a:t>S</a:t>
-            </a:r>
-            <a:r>
-              <a:rPr lang="en-US" dirty="0" smtClean="0"/>
-              <a:t>everal studies have used EHR </a:t>
-            </a:r>
-            <a:r>
-              <a:rPr lang="en-US" dirty="0"/>
-              <a:t>data </a:t>
-            </a:r>
-            <a:r>
-              <a:rPr lang="en-US" dirty="0" smtClean="0"/>
-              <a:t>to </a:t>
-            </a:r>
-            <a:r>
-              <a:rPr lang="en-US" dirty="0"/>
-              <a:t>predict patients at risk for </a:t>
-            </a:r>
-            <a:r>
-              <a:rPr lang="en-US" dirty="0" smtClean="0"/>
-              <a:t>readmission</a:t>
-            </a:r>
-            <a:endParaRPr lang="en-US" dirty="0"/>
-          </a:p>
-        </p:txBody>
-      </p:sp>
-      <p:sp>
-        <p:nvSpPr>
-          <p:cNvPr id="6" name="Content Placeholder 5"/>
-          <p:cNvSpPr>
-            <a:spLocks noGrp="1"/>
-          </p:cNvSpPr>
-          <p:nvPr>
-            <p:ph sz="quarter" idx="14"/>
-          </p:nvPr>
-        </p:nvSpPr>
-        <p:spPr>
-          <a:xfrm>
-            <a:off x="224971" y="6555553"/>
-            <a:ext cx="8694058" cy="228600"/>
-          </a:xfrm>
-        </p:spPr>
         <p:txBody>
           <a:bodyPr/>
           <a:lstStyle/>
           <a:p>
-            <a:r>
-              <a:rPr lang="en-US" dirty="0"/>
-              <a:t>(</a:t>
-            </a:r>
-            <a:r>
-              <a:rPr lang="en-US" dirty="0" err="1"/>
-              <a:t>Amarasingham</a:t>
-            </a:r>
-            <a:r>
-              <a:rPr lang="en-US" dirty="0"/>
-              <a:t>, 2010; </a:t>
-            </a:r>
-            <a:r>
-              <a:rPr lang="en-US" dirty="0" err="1"/>
-              <a:t>Donzé</a:t>
-            </a:r>
-            <a:r>
-              <a:rPr lang="en-US" dirty="0"/>
-              <a:t>, 2013; </a:t>
-            </a:r>
-            <a:r>
-              <a:rPr lang="en-US" dirty="0" err="1"/>
-              <a:t>Gildersleeve</a:t>
-            </a:r>
-            <a:r>
-              <a:rPr lang="en-US" dirty="0"/>
-              <a:t>, 2013; </a:t>
-            </a:r>
-            <a:r>
-              <a:rPr lang="en-US" dirty="0" err="1"/>
-              <a:t>Shadmi</a:t>
-            </a:r>
-            <a:r>
-              <a:rPr lang="en-US" dirty="0"/>
-              <a:t>, 2015)</a:t>
-            </a:r>
+            <a:endParaRPr lang="en-US"/>
           </a:p>
         </p:txBody>
       </p:sp>
@@ -25278,7 +25477,7 @@
     </p:custDataLst>
     <p:extLst>
       <p:ext uri="{BB962C8B-B14F-4D97-AF65-F5344CB8AC3E}">
-        <p14:creationId xmlns:p14="http://schemas.microsoft.com/office/powerpoint/2010/main" val="378153365"/>
+        <p14:creationId xmlns:p14="http://schemas.microsoft.com/office/powerpoint/2010/main" val="3467637702"/>
       </p:ext>
     </p:extLst>
   </p:cSld>
@@ -25325,13 +25524,13 @@
         <p:spPr/>
         <p:txBody>
           <a:bodyPr>
-            <a:normAutofit fontScale="90000"/>
+            <a:normAutofit/>
           </a:bodyPr>
           <a:lstStyle/>
           <a:p>
             <a:r>
               <a:rPr lang="en-US" dirty="0" smtClean="0"/>
-              <a:t>Applications of analytics – identifying other clinical situations</a:t>
+              <a:t>Applications of analytics in healthcare</a:t>
             </a:r>
             <a:endParaRPr lang="en-US" dirty="0"/>
           </a:p>
@@ -25339,7 +25538,7 @@
       </p:sp>
       <p:sp>
         <p:nvSpPr>
-          <p:cNvPr id="3" name="Content Placeholder 2"/>
+          <p:cNvPr id="5" name="Content Placeholder 4"/>
           <p:cNvSpPr>
             <a:spLocks noGrp="1"/>
           </p:cNvSpPr>
@@ -25350,102 +25549,70 @@
         <p:spPr/>
         <p:txBody>
           <a:bodyPr>
-            <a:normAutofit lnSpcReduction="10000"/>
+            <a:normAutofit/>
           </a:bodyPr>
           <a:lstStyle/>
           <a:p>
             <a:r>
               <a:rPr lang="en-US" dirty="0" smtClean="0"/>
-              <a:t>Predicting </a:t>
+              <a:t>Early application – identifying patients at risk for hospital readmission within 30 days of discharge</a:t>
+            </a:r>
+          </a:p>
+          <a:p>
+            <a:r>
+              <a:rPr lang="en-US" dirty="0" smtClean="0"/>
+              <a:t>Centers </a:t>
             </a:r>
             <a:r>
               <a:rPr lang="en-US" dirty="0"/>
-              <a:t>30-day risk of readmission and death among HIV-infected inpatients </a:t>
-            </a:r>
-            <a:endParaRPr lang="en-US" dirty="0" smtClean="0"/>
-          </a:p>
-          <a:p>
+              <a:t>for Medicare and Medicaid Services (CMS) Readmissions Reduction Program </a:t>
+            </a:r>
             <a:r>
               <a:rPr lang="en-US" dirty="0" smtClean="0"/>
-              <a:t>Identification </a:t>
+              <a:t>penalizes </a:t>
             </a:r>
             <a:r>
               <a:rPr lang="en-US" dirty="0"/>
-              <a:t>of children with asthma </a:t>
-            </a:r>
-          </a:p>
-          <a:p>
+              <a:t>hospitals for excessive numbers of readmissions </a:t>
+            </a:r>
             <a:r>
               <a:rPr lang="en-US" dirty="0" smtClean="0"/>
-              <a:t>Detecting </a:t>
-            </a:r>
+              <a:t>(2013)</a:t>
+            </a:r>
+          </a:p>
+          <a:p>
             <a:r>
               <a:rPr lang="en-US" dirty="0"/>
-              <a:t>postoperative complications </a:t>
-            </a:r>
-          </a:p>
-          <a:p>
+              <a:t>S</a:t>
+            </a:r>
             <a:r>
               <a:rPr lang="en-US" dirty="0" smtClean="0"/>
-              <a:t>Measuring </a:t>
+              <a:t>everal studies have used EHR </a:t>
             </a:r>
             <a:r>
               <a:rPr lang="en-US" dirty="0"/>
-              <a:t>processes of care </a:t>
-            </a:r>
-          </a:p>
-          <a:p>
+              <a:t>data </a:t>
+            </a:r>
             <a:r>
               <a:rPr lang="en-US" dirty="0" smtClean="0"/>
-              <a:t>Determining </a:t>
+              <a:t>to </a:t>
             </a:r>
             <a:r>
               <a:rPr lang="en-US" dirty="0"/>
-              <a:t>five-year life expectancy </a:t>
-            </a:r>
-          </a:p>
-          <a:p>
+              <a:t>predict patients at risk for </a:t>
+            </a:r>
             <a:r>
               <a:rPr lang="en-US" dirty="0" smtClean="0"/>
-              <a:t>Detecting </a:t>
-            </a:r>
+              <a:t>readmission</a:t>
+            </a:r>
+          </a:p>
+          <a:p>
             <a:r>
               <a:rPr lang="en-US" dirty="0"/>
-              <a:t>potential delays in cancer diagnosis </a:t>
-            </a:r>
-          </a:p>
-          <a:p>
-            <a:r>
-              <a:rPr lang="en-US" dirty="0" smtClean="0"/>
-              <a:t>Identifying </a:t>
-            </a:r>
-            <a:r>
-              <a:rPr lang="en-US" dirty="0"/>
-              <a:t>patients with cirrhosis at high risk for readmission </a:t>
-            </a:r>
-          </a:p>
-          <a:p>
-            <a:r>
-              <a:rPr lang="en-US" dirty="0" smtClean="0"/>
-              <a:t>Predicting </a:t>
-            </a:r>
-            <a:r>
-              <a:rPr lang="en-US" dirty="0"/>
-              <a:t>out of intensive care unit cardiopulmonary arrest or death </a:t>
-            </a:r>
-            <a:endParaRPr lang="en-US" dirty="0" smtClean="0"/>
-          </a:p>
-          <a:p>
-            <a:r>
-              <a:rPr lang="en-US" dirty="0" smtClean="0"/>
-              <a:t>Predicting hospital death by day or time of day </a:t>
-            </a:r>
-          </a:p>
-          <a:p>
-            <a:r>
-              <a:rPr lang="en-US" dirty="0" smtClean="0"/>
-              <a:t>Predicting future patient costs </a:t>
-            </a:r>
+              <a:t>Many other applications that identify or predict using EHR data; fewer actually applied to achieve improved outcomes</a:t>
+            </a:r>
+          </a:p>
+          <a:p>
             <a:endParaRPr lang="en-US" dirty="0"/>
           </a:p>
         </p:txBody>
@@ -25462,8 +25629,8 @@
         </p:nvSpPr>
         <p:spPr>
           <a:xfrm>
-            <a:off x="224971" y="6439437"/>
-            <a:ext cx="8694058" cy="344716"/>
+            <a:off x="224971" y="6555553"/>
+            <a:ext cx="8694058" cy="228600"/>
           </a:xfrm>
         </p:spPr>
         <p:txBody>
@@ -25476,100 +25643,45 @@
             </a:r>
             <a:r>
               <a:rPr lang="en-US" dirty="0" err="1"/>
-              <a:t>Nijhawan</a:t>
+              <a:t>Amarasingham</a:t>
             </a:r>
             <a:r>
               <a:rPr lang="en-US" dirty="0"/>
-              <a:t>, 2012</a:t>
-            </a:r>
-            <a:r>
-              <a:rPr lang="en-US" dirty="0" smtClean="0"/>
-              <a:t>), (</a:t>
+              <a:t>, 2010; </a:t>
+            </a:r>
+            <a:r>
+              <a:rPr lang="en-US" dirty="0" err="1"/>
+              <a:t>Donzé</a:t>
             </a:r>
             <a:r>
               <a:rPr lang="en-US" dirty="0"/>
-              <a:t>Afzal, 2013</a:t>
-            </a:r>
-            <a:r>
-              <a:rPr lang="en-US" dirty="0" smtClean="0"/>
-              <a:t>), (</a:t>
+              <a:t>, 2013; </a:t>
             </a:r>
             <a:r>
               <a:rPr lang="en-US" dirty="0" err="1"/>
-              <a:t>FitzHenry</a:t>
+              <a:t>Gildersleeve</a:t>
             </a:r>
             <a:r>
               <a:rPr lang="en-US" dirty="0"/>
-              <a:t>, 2013</a:t>
-            </a:r>
-            <a:r>
-              <a:rPr lang="en-US" dirty="0" smtClean="0"/>
-              <a:t>), (</a:t>
+              <a:t>, 2013; Hebert, 2014; </a:t>
+            </a:r>
+            <a:r>
+              <a:rPr lang="en-US" dirty="0" err="1"/>
+              <a:t>Shadmi</a:t>
             </a:r>
             <a:r>
               <a:rPr lang="en-US" dirty="0"/>
-              <a:t>Tai-Seale, 2013</a:t>
-            </a:r>
-            <a:r>
-              <a:rPr lang="en-US" dirty="0" smtClean="0"/>
-              <a:t>), (</a:t>
+              <a:t>, 2015; </a:t>
+            </a:r>
+            <a:r>
+              <a:rPr lang="en-US" dirty="0" err="1"/>
+              <a:t>Tabak</a:t>
             </a:r>
             <a:r>
               <a:rPr lang="en-US" dirty="0"/>
-              <a:t>Mathias, 2013</a:t>
-            </a:r>
-            <a:r>
-              <a:rPr lang="en-US" dirty="0" smtClean="0"/>
-              <a:t>), (</a:t>
-            </a:r>
-            <a:r>
-              <a:rPr lang="en-US" dirty="0"/>
-              <a:t>Murphy, 2014</a:t>
-            </a:r>
-            <a:r>
-              <a:rPr lang="en-US" dirty="0" smtClean="0"/>
-              <a:t>), (</a:t>
-            </a:r>
-            <a:r>
-              <a:rPr lang="en-US" dirty="0" err="1"/>
-              <a:t>Singal</a:t>
-            </a:r>
-            <a:r>
-              <a:rPr lang="en-US" dirty="0"/>
-              <a:t>, 2013</a:t>
-            </a:r>
-            <a:r>
-              <a:rPr lang="en-US" dirty="0" smtClean="0"/>
-              <a:t>), (</a:t>
-            </a:r>
-            <a:r>
-              <a:rPr lang="en-US" dirty="0"/>
-              <a:t>Alvarez, 2013</a:t>
-            </a:r>
-            <a:r>
-              <a:rPr lang="en-US" dirty="0" smtClean="0"/>
-              <a:t>), (</a:t>
-            </a:r>
-            <a:r>
-              <a:rPr lang="en-US" dirty="0" err="1"/>
-              <a:t>Coiera</a:t>
-            </a:r>
-            <a:r>
-              <a:rPr lang="en-US" dirty="0"/>
-              <a:t>, 2014</a:t>
-            </a:r>
-            <a:r>
-              <a:rPr lang="en-US" dirty="0" smtClean="0"/>
-              <a:t>), (</a:t>
-            </a:r>
-            <a:r>
-              <a:rPr lang="en-US" dirty="0" err="1"/>
-              <a:t>Charlson</a:t>
-            </a:r>
-            <a:r>
-              <a:rPr lang="en-US" dirty="0"/>
-              <a:t>, 2014)</a:t>
-            </a:r>
+              <a:t>, 2015)</a:t>
+            </a:r>
+            <a:endParaRPr lang="en-US" dirty="0"/>
           </a:p>
         </p:txBody>
       </p:sp>
@@ -25579,7 +25691,7 @@
     </p:custDataLst>
     <p:extLst>
       <p:ext uri="{BB962C8B-B14F-4D97-AF65-F5344CB8AC3E}">
-        <p14:creationId xmlns:p14="http://schemas.microsoft.com/office/powerpoint/2010/main" val="1992564199"/>
+        <p14:creationId xmlns:p14="http://schemas.microsoft.com/office/powerpoint/2010/main" val="378153365"/>
       </p:ext>
     </p:extLst>
   </p:cSld>
@@ -25631,8 +25743,8 @@
           <a:lstStyle/>
           <a:p>
             <a:r>
-              <a:rPr lang="en-US" dirty="0" smtClean="0"/>
-              <a:t>Applications of analytics – patient identification and diagnosis</a:t>
+              <a:rPr lang="en-US" dirty="0"/>
+              <a:t>Other applications of analytics – identifying cases</a:t>
             </a:r>
             <a:endParaRPr lang="en-US" dirty="0"/>
           </a:p>
@@ -25656,43 +25768,100 @@
           <a:lstStyle/>
           <a:p>
             <a:r>
+              <a:rPr lang="en-US" dirty="0"/>
+              <a:t>Identifying patients who might be eligible for participation in clinical studies </a:t>
+            </a:r>
+            <a:endParaRPr lang="en-US" dirty="0" smtClean="0"/>
+          </a:p>
+          <a:p>
+            <a:r>
               <a:rPr lang="en-US" dirty="0" smtClean="0"/>
-              <a:t>Identifying </a:t>
+              <a:t>Identification </a:t>
             </a:r>
             <a:r>
               <a:rPr lang="en-US" dirty="0"/>
-              <a:t>patients who might be eligible for participation in clinical studies </a:t>
-            </a:r>
-          </a:p>
-          <a:p>
+              <a:t>of children with </a:t>
+            </a:r>
             <a:r>
               <a:rPr lang="en-US" dirty="0" smtClean="0"/>
-              <a:t>Determining </a:t>
-            </a:r>
+              <a:t>asthma</a:t>
+            </a:r>
+            <a:endParaRPr lang="en-US" dirty="0"/>
+          </a:p>
+          <a:p>
             <a:r>
               <a:rPr lang="en-US" dirty="0"/>
-              <a:t>eligibility for clinical trials </a:t>
-            </a:r>
-          </a:p>
-          <a:p>
+              <a:t>Detecting postoperative </a:t>
+            </a:r>
             <a:r>
               <a:rPr lang="en-US" dirty="0" smtClean="0"/>
-              <a:t>Identifying </a:t>
-            </a:r>
+              <a:t>complications</a:t>
+            </a:r>
+            <a:endParaRPr lang="en-US" dirty="0"/>
+          </a:p>
+          <a:p>
             <a:r>
               <a:rPr lang="en-US" dirty="0"/>
-              <a:t>patients with diabetes and the earliest date of diagnosis </a:t>
-            </a:r>
-          </a:p>
-          <a:p>
+              <a:t>Identifying patients with diabetes</a:t>
+            </a:r>
+          </a:p>
+          <a:p>
+            <a:pPr lvl="1"/>
+            <a:r>
+              <a:rPr lang="en-US" dirty="0"/>
+              <a:t>Including earliest date of </a:t>
+            </a:r>
             <a:r>
               <a:rPr lang="en-US" dirty="0" smtClean="0"/>
-              <a:t>Predicting </a:t>
-            </a:r>
+              <a:t>diagnosis</a:t>
+            </a:r>
+            <a:endParaRPr lang="en-US" dirty="0"/>
+          </a:p>
+          <a:p>
+            <a:pPr lvl="1"/>
             <a:r>
               <a:rPr lang="en-US" dirty="0"/>
-              <a:t>diagnosis in new patients </a:t>
-            </a:r>
+              <a:t>Using ontology-based </a:t>
+            </a:r>
+            <a:r>
+              <a:rPr lang="en-US" dirty="0" smtClean="0"/>
+              <a:t>algorithm</a:t>
+            </a:r>
+            <a:endParaRPr lang="en-US" dirty="0"/>
+          </a:p>
+          <a:p>
+            <a:pPr lvl="1"/>
+            <a:r>
+              <a:rPr lang="en-US" dirty="0"/>
+              <a:t>Using NLP-based case-finding algorithm of HIE </a:t>
+            </a:r>
+            <a:r>
+              <a:rPr lang="en-US" dirty="0" smtClean="0"/>
+              <a:t>data</a:t>
+            </a:r>
+            <a:endParaRPr lang="en-US" dirty="0"/>
+          </a:p>
+          <a:p>
+            <a:r>
+              <a:rPr lang="en-US" dirty="0"/>
+              <a:t>Improving on ICD-9 to identify patients with hepatocellular </a:t>
+            </a:r>
+            <a:r>
+              <a:rPr lang="en-US" dirty="0" smtClean="0"/>
+              <a:t>carcinoma</a:t>
+            </a:r>
+            <a:endParaRPr lang="en-US" dirty="0"/>
+          </a:p>
+          <a:p>
+            <a:r>
+              <a:rPr lang="en-US" dirty="0"/>
+              <a:t>Automated phenotyping using EHR data and machine </a:t>
+            </a:r>
+            <a:r>
+              <a:rPr lang="en-US" dirty="0" smtClean="0"/>
+              <a:t>learning</a:t>
+            </a:r>
+            <a:endParaRPr lang="en-US" dirty="0"/>
           </a:p>
         </p:txBody>
       </p:sp>
@@ -25708,8 +25877,8 @@
         </p:nvSpPr>
         <p:spPr>
           <a:xfrm>
-            <a:off x="224971" y="6555553"/>
-            <a:ext cx="8694058" cy="228600"/>
+            <a:off x="224971" y="6439437"/>
+            <a:ext cx="8694058" cy="344716"/>
           </a:xfrm>
         </p:spPr>
         <p:txBody>
@@ -25717,41 +25886,98 @@
           <a:lstStyle/>
           <a:p>
             <a:r>
-              <a:rPr lang="en-US" dirty="0"/>
-              <a:t>(Voorhees, 2012</a:t>
-            </a:r>
-            <a:r>
-              <a:rPr lang="en-US" dirty="0" smtClean="0"/>
-              <a:t>), (</a:t>
-            </a:r>
-            <a:r>
-              <a:rPr lang="en-US" dirty="0" err="1"/>
-              <a:t>Köpcke</a:t>
-            </a:r>
-            <a:r>
-              <a:rPr lang="en-US" dirty="0"/>
+              <a:rPr lang="en-US" sz="900" dirty="0"/>
+              <a:t>(Voorhees, 2012; Wu, 2017</a:t>
+            </a:r>
+            <a:r>
+              <a:rPr lang="en-US" sz="900" dirty="0" smtClean="0"/>
+              <a:t>), </a:t>
+            </a:r>
+            <a:r>
+              <a:rPr lang="en-US" sz="900" dirty="0"/>
+              <a:t>(Afzal, 2013</a:t>
+            </a:r>
+            <a:r>
+              <a:rPr lang="en-US" sz="900" dirty="0" smtClean="0"/>
+              <a:t>), </a:t>
+            </a:r>
+            <a:r>
+              <a:rPr lang="en-US" sz="900" dirty="0"/>
+              <a:t>(</a:t>
+            </a:r>
+            <a:r>
+              <a:rPr lang="en-US" sz="900" dirty="0" err="1"/>
+              <a:t>FitzHenry</a:t>
+            </a:r>
+            <a:r>
+              <a:rPr lang="en-US" sz="900" dirty="0"/>
+              <a:t>, 2013; Tien, 2015</a:t>
+            </a:r>
+            <a:r>
+              <a:rPr lang="en-US" sz="900" dirty="0" smtClean="0"/>
+              <a:t>), </a:t>
+            </a:r>
+            <a:r>
+              <a:rPr lang="en-US" sz="900" dirty="0"/>
+              <a:t>(</a:t>
+            </a:r>
+            <a:r>
+              <a:rPr lang="en-US" sz="900" dirty="0" err="1"/>
+              <a:t>Makam</a:t>
+            </a:r>
+            <a:r>
+              <a:rPr lang="en-US" sz="900" dirty="0"/>
               <a:t>, 2013</a:t>
             </a:r>
             <a:r>
-              <a:rPr lang="en-US" dirty="0" smtClean="0"/>
-              <a:t>), (</a:t>
-            </a:r>
-            <a:r>
-              <a:rPr lang="en-US" dirty="0" err="1"/>
-              <a:t>Makam</a:t>
-            </a:r>
-            <a:r>
-              <a:rPr lang="en-US" dirty="0"/>
-              <a:t>, 2013</a:t>
-            </a:r>
-            <a:r>
-              <a:rPr lang="en-US" dirty="0" smtClean="0"/>
-              <a:t>), (</a:t>
-            </a:r>
-            <a:r>
-              <a:rPr lang="en-US" dirty="0"/>
-              <a:t>Gottlieb, 2013)</a:t>
-            </a:r>
+              <a:rPr lang="en-US" sz="900" dirty="0" smtClean="0"/>
+              <a:t>), </a:t>
+            </a:r>
+            <a:r>
+              <a:rPr lang="en-US" sz="900" dirty="0"/>
+              <a:t>(</a:t>
+            </a:r>
+            <a:r>
+              <a:rPr lang="en-US" sz="900" dirty="0" err="1"/>
+              <a:t>Rahimi</a:t>
+            </a:r>
+            <a:r>
+              <a:rPr lang="en-US" sz="900" dirty="0"/>
+              <a:t>, 2014</a:t>
+            </a:r>
+            <a:r>
+              <a:rPr lang="en-US" sz="900" dirty="0" smtClean="0"/>
+              <a:t>), </a:t>
+            </a:r>
+            <a:r>
+              <a:rPr lang="en-US" sz="900" dirty="0"/>
+              <a:t>(Zheng, 2016</a:t>
+            </a:r>
+            <a:r>
+              <a:rPr lang="en-US" sz="900" dirty="0" smtClean="0"/>
+              <a:t>), </a:t>
+            </a:r>
+            <a:r>
+              <a:rPr lang="en-US" sz="900" dirty="0"/>
+              <a:t>(</a:t>
+            </a:r>
+            <a:r>
+              <a:rPr lang="en-US" sz="900" dirty="0" err="1"/>
+              <a:t>Sada</a:t>
+            </a:r>
+            <a:r>
+              <a:rPr lang="en-US" sz="900" dirty="0"/>
+              <a:t>, 2016</a:t>
+            </a:r>
+            <a:r>
+              <a:rPr lang="en-US" sz="900" dirty="0" smtClean="0"/>
+              <a:t>), </a:t>
+            </a:r>
+            <a:r>
+              <a:rPr lang="en-US" sz="900" dirty="0"/>
+              <a:t>(Halpern, 2016)</a:t>
+            </a:r>
+            <a:endParaRPr lang="en-US" sz="900" dirty="0"/>
           </a:p>
         </p:txBody>
       </p:sp>
@@ -25761,7 +25987,7 @@
     </p:custDataLst>
     <p:extLst>
       <p:ext uri="{BB962C8B-B14F-4D97-AF65-F5344CB8AC3E}">
-        <p14:creationId xmlns:p14="http://schemas.microsoft.com/office/powerpoint/2010/main" val="53275151"/>
+        <p14:creationId xmlns:p14="http://schemas.microsoft.com/office/powerpoint/2010/main" val="1992564199"/>
       </p:ext>
     </p:extLst>
   </p:cSld>
@@ -25808,13 +26034,13 @@
         <p:spPr/>
         <p:txBody>
           <a:bodyPr>
-            <a:normAutofit/>
+            <a:normAutofit fontScale="90000"/>
           </a:bodyPr>
           <a:lstStyle/>
           <a:p>
             <a:r>
-              <a:rPr lang="en-US" dirty="0" smtClean="0"/>
-              <a:t>Results</a:t>
+              <a:rPr lang="en-US" dirty="0"/>
+              <a:t>Other applications of analytics – predicting utilization and outcomes</a:t>
             </a:r>
             <a:endParaRPr lang="en-US" dirty="0"/>
           </a:p>
@@ -25822,20 +26048,326 @@
       </p:sp>
       <p:sp>
         <p:nvSpPr>
-          <p:cNvPr id="3" name="Text Placeholder 2"/>
+          <p:cNvPr id="3" name="Content Placeholder 2"/>
           <p:cNvSpPr>
             <a:spLocks noGrp="1"/>
           </p:cNvSpPr>
           <p:nvPr>
-            <p:ph type="body" idx="1"/>
+            <p:ph idx="1"/>
           </p:nvPr>
         </p:nvSpPr>
         <p:spPr/>
+        <p:txBody>
+          <a:bodyPr>
+            <a:normAutofit fontScale="85000" lnSpcReduction="20000"/>
+          </a:bodyPr>
+          <a:lstStyle/>
+          <a:p>
+            <a:r>
+              <a:rPr lang="en-US" dirty="0"/>
+              <a:t>Predicting</a:t>
+            </a:r>
+          </a:p>
+          <a:p>
+            <a:pPr lvl="1"/>
+            <a:r>
+              <a:rPr lang="en-US" dirty="0"/>
+              <a:t>Healthcare </a:t>
+            </a:r>
+            <a:r>
+              <a:rPr lang="en-US" dirty="0" smtClean="0"/>
+              <a:t>utilization</a:t>
+            </a:r>
+            <a:endParaRPr lang="en-US" dirty="0"/>
+          </a:p>
+          <a:p>
+            <a:pPr lvl="1"/>
+            <a:r>
+              <a:rPr lang="en-US" dirty="0"/>
+              <a:t>Primary care panel </a:t>
+            </a:r>
+            <a:r>
+              <a:rPr lang="en-US" dirty="0" smtClean="0"/>
+              <a:t>size</a:t>
+            </a:r>
+            <a:endParaRPr lang="en-US" dirty="0"/>
+          </a:p>
+          <a:p>
+            <a:r>
+              <a:rPr lang="en-US" dirty="0"/>
+              <a:t>Predicting risk of suicide better than </a:t>
+            </a:r>
+            <a:r>
+              <a:rPr lang="en-US" dirty="0" smtClean="0"/>
+              <a:t>clinicians</a:t>
+            </a:r>
+            <a:endParaRPr lang="en-US" dirty="0"/>
+          </a:p>
+          <a:p>
+            <a:r>
+              <a:rPr lang="en-US" dirty="0"/>
+              <a:t>Predicting mortality with EHR data</a:t>
+            </a:r>
+          </a:p>
+          <a:p>
+            <a:pPr lvl="1"/>
+            <a:r>
+              <a:rPr lang="en-US" dirty="0"/>
+              <a:t>Risk-standardized mortality after acute </a:t>
+            </a:r>
+            <a:r>
+              <a:rPr lang="en-US" dirty="0" smtClean="0"/>
+              <a:t>MI</a:t>
+            </a:r>
+            <a:endParaRPr lang="en-US" dirty="0"/>
+          </a:p>
+          <a:p>
+            <a:pPr lvl="1"/>
+            <a:r>
+              <a:rPr lang="en-US" dirty="0"/>
+              <a:t>In ICU, augmented with patient similarity </a:t>
+            </a:r>
+            <a:r>
+              <a:rPr lang="en-US" dirty="0" smtClean="0"/>
+              <a:t>data</a:t>
+            </a:r>
+            <a:endParaRPr lang="en-US" dirty="0"/>
+          </a:p>
+          <a:p>
+            <a:pPr lvl="1"/>
+            <a:r>
+              <a:rPr lang="en-US" dirty="0"/>
+              <a:t>During </a:t>
+            </a:r>
+            <a:r>
+              <a:rPr lang="en-US" dirty="0" smtClean="0"/>
+              <a:t>hospitalization</a:t>
+            </a:r>
+            <a:endParaRPr lang="en-US" dirty="0"/>
+          </a:p>
+          <a:p>
+            <a:pPr lvl="1"/>
+            <a:r>
+              <a:rPr lang="en-US" dirty="0"/>
+              <a:t>One-year death risk when </a:t>
+            </a:r>
+            <a:r>
+              <a:rPr lang="en-US" dirty="0" smtClean="0"/>
+              <a:t>hospitalized</a:t>
+            </a:r>
+            <a:endParaRPr lang="en-US" dirty="0"/>
+          </a:p>
+          <a:p>
+            <a:r>
+              <a:rPr lang="en-US" dirty="0"/>
+              <a:t>Cancer</a:t>
+            </a:r>
+          </a:p>
+          <a:p>
+            <a:pPr lvl="1"/>
+            <a:r>
+              <a:rPr lang="en-US" dirty="0"/>
+              <a:t>Detecting potential delays in cancer </a:t>
+            </a:r>
+            <a:r>
+              <a:rPr lang="en-US" dirty="0" smtClean="0"/>
+              <a:t>diagnosis</a:t>
+            </a:r>
+            <a:endParaRPr lang="en-US" dirty="0"/>
+          </a:p>
+          <a:p>
+            <a:pPr lvl="1"/>
+            <a:r>
+              <a:rPr lang="en-US" dirty="0"/>
+              <a:t>Predicting trajectory of disease using </a:t>
+            </a:r>
+            <a:r>
+              <a:rPr lang="en-US" dirty="0" smtClean="0"/>
+              <a:t>NLP</a:t>
+            </a:r>
+            <a:endParaRPr lang="en-US" dirty="0"/>
+          </a:p>
+          <a:p>
+            <a:r>
+              <a:rPr lang="en-US" dirty="0"/>
+              <a:t>Improving prediction of conventional approaches</a:t>
+            </a:r>
+          </a:p>
+          <a:p>
+            <a:pPr lvl="1"/>
+            <a:r>
+              <a:rPr lang="en-US" dirty="0"/>
+              <a:t>Severity of illness in ICU based on usual physiological models </a:t>
+            </a:r>
+            <a:endParaRPr lang="en-US" dirty="0" smtClean="0"/>
+          </a:p>
+          <a:p>
+            <a:pPr lvl="1"/>
+            <a:r>
+              <a:rPr lang="en-US" dirty="0" smtClean="0"/>
+              <a:t>Cardiovascular </a:t>
+            </a:r>
+            <a:r>
+              <a:rPr lang="en-US" dirty="0"/>
+              <a:t>event risk prediction (</a:t>
+            </a:r>
+            <a:r>
+              <a:rPr lang="en-US" dirty="0" err="1"/>
+              <a:t>Weng</a:t>
+            </a:r>
+            <a:r>
+              <a:rPr lang="en-US" dirty="0"/>
+              <a:t>, 2017)</a:t>
+            </a:r>
+            <a:endParaRPr lang="en-US" dirty="0"/>
+          </a:p>
+        </p:txBody>
+      </p:sp>
+      <p:sp>
+        <p:nvSpPr>
+          <p:cNvPr id="6" name="Content Placeholder 5"/>
+          <p:cNvSpPr>
+            <a:spLocks noGrp="1"/>
+          </p:cNvSpPr>
+          <p:nvPr>
+            <p:ph sz="quarter" idx="14"/>
+          </p:nvPr>
+        </p:nvSpPr>
+        <p:spPr>
+          <a:xfrm>
+            <a:off x="224971" y="6439437"/>
+            <a:ext cx="8694058" cy="344716"/>
+          </a:xfrm>
+        </p:spPr>
         <p:txBody>
           <a:bodyPr/>
           <a:lstStyle/>
           <a:p>
-            <a:endParaRPr lang="en-US"/>
+            <a:pPr algn="l"/>
+            <a:r>
+              <a:rPr lang="en-US" dirty="0"/>
+              <a:t>(Haas, 2013; </a:t>
+            </a:r>
+            <a:r>
+              <a:rPr lang="en-US" dirty="0" err="1"/>
+              <a:t>Charlson</a:t>
+            </a:r>
+            <a:r>
+              <a:rPr lang="en-US" dirty="0"/>
+              <a:t>, 2014</a:t>
+            </a:r>
+            <a:r>
+              <a:rPr lang="en-US" dirty="0" smtClean="0"/>
+              <a:t>), </a:t>
+            </a:r>
+            <a:r>
+              <a:rPr lang="en-US" dirty="0"/>
+              <a:t>(</a:t>
+            </a:r>
+            <a:r>
+              <a:rPr lang="en-US" dirty="0" err="1"/>
+              <a:t>Rajkomar</a:t>
+            </a:r>
+            <a:r>
+              <a:rPr lang="en-US" dirty="0"/>
+              <a:t>, 2016</a:t>
+            </a:r>
+            <a:r>
+              <a:rPr lang="en-US" dirty="0" smtClean="0"/>
+              <a:t>), </a:t>
+            </a:r>
+            <a:r>
+              <a:rPr lang="en-US" dirty="0"/>
+              <a:t>(Tran, 2014</a:t>
+            </a:r>
+            <a:r>
+              <a:rPr lang="en-US" dirty="0" smtClean="0"/>
+              <a:t>), </a:t>
+            </a:r>
+            <a:r>
+              <a:rPr lang="en-US" dirty="0"/>
+              <a:t>(McNamara, 2015</a:t>
+            </a:r>
+            <a:r>
+              <a:rPr lang="en-US" dirty="0" smtClean="0"/>
+              <a:t>), </a:t>
+            </a:r>
+            <a:r>
+              <a:rPr lang="en-US" dirty="0"/>
+              <a:t>(Lee, 2015</a:t>
+            </a:r>
+            <a:r>
+              <a:rPr lang="en-US" dirty="0" smtClean="0"/>
+              <a:t>), </a:t>
+            </a:r>
+            <a:r>
+              <a:rPr lang="en-US" dirty="0"/>
+              <a:t>(</a:t>
+            </a:r>
+            <a:r>
+              <a:rPr lang="en-US" dirty="0" err="1"/>
+              <a:t>Khurana</a:t>
+            </a:r>
+            <a:r>
+              <a:rPr lang="en-US" dirty="0"/>
+              <a:t>, 2016</a:t>
+            </a:r>
+            <a:r>
+              <a:rPr lang="en-US" dirty="0" smtClean="0"/>
+              <a:t>), </a:t>
+            </a:r>
+            <a:r>
+              <a:rPr lang="en-US" dirty="0"/>
+              <a:t>(van </a:t>
+            </a:r>
+            <a:r>
+              <a:rPr lang="en-US" dirty="0" err="1"/>
+              <a:t>Walraven</a:t>
+            </a:r>
+            <a:r>
+              <a:rPr lang="en-US" dirty="0"/>
+              <a:t>, 2017</a:t>
+            </a:r>
+            <a:r>
+              <a:rPr lang="en-US" dirty="0" smtClean="0"/>
+              <a:t>), </a:t>
+            </a:r>
+            <a:r>
+              <a:rPr lang="en-US" dirty="0"/>
+              <a:t>(Murphy, 2014</a:t>
+            </a:r>
+            <a:r>
+              <a:rPr lang="en-US" dirty="0" smtClean="0"/>
+              <a:t>), </a:t>
+            </a:r>
+            <a:r>
+              <a:rPr lang="en-US" dirty="0"/>
+              <a:t>(Jensen, 2017</a:t>
+            </a:r>
+            <a:r>
+              <a:rPr lang="en-US" dirty="0" smtClean="0"/>
+              <a:t>), </a:t>
+            </a:r>
+            <a:r>
+              <a:rPr lang="en-US" dirty="0"/>
+              <a:t>(Lee, 2017</a:t>
+            </a:r>
+            <a:r>
+              <a:rPr lang="en-US" dirty="0" smtClean="0"/>
+              <a:t>), </a:t>
+            </a:r>
+            <a:r>
+              <a:rPr lang="en-US" dirty="0"/>
+              <a:t>(</a:t>
+            </a:r>
+            <a:r>
+              <a:rPr lang="en-US" dirty="0" err="1"/>
+              <a:t>Weng</a:t>
+            </a:r>
+            <a:r>
+              <a:rPr lang="en-US" dirty="0"/>
+              <a:t>, 2017)</a:t>
+            </a:r>
           </a:p>
         </p:txBody>
       </p:sp>
@@ -25845,7 +26377,7 @@
     </p:custDataLst>
     <p:extLst>
       <p:ext uri="{BB962C8B-B14F-4D97-AF65-F5344CB8AC3E}">
-        <p14:creationId xmlns:p14="http://schemas.microsoft.com/office/powerpoint/2010/main" val="3613123404"/>
+        <p14:creationId xmlns:p14="http://schemas.microsoft.com/office/powerpoint/2010/main" val="53275151"/>
       </p:ext>
     </p:extLst>
   </p:cSld>
@@ -25898,7 +26430,7 @@
           <a:p>
             <a:r>
               <a:rPr lang="en-US" dirty="0" smtClean="0"/>
-              <a:t>Most important use cases for data analytics</a:t>
+              <a:t>Results</a:t>
             </a:r>
             <a:endParaRPr lang="en-US" dirty="0"/>
           </a:p>
@@ -25906,83 +26438,12 @@
       </p:sp>
       <p:sp>
         <p:nvSpPr>
-          <p:cNvPr id="3" name="Content Placeholder 2"/>
+          <p:cNvPr id="3" name="Text Placeholder 2"/>
           <p:cNvSpPr>
             <a:spLocks noGrp="1"/>
           </p:cNvSpPr>
           <p:nvPr>
-            <p:ph idx="1"/>
-          </p:nvPr>
-        </p:nvSpPr>
-        <p:spPr/>
-        <p:txBody>
-          <a:bodyPr>
-            <a:normAutofit/>
-          </a:bodyPr>
-          <a:lstStyle/>
-          <a:p>
-            <a:r>
-              <a:rPr lang="en-US" dirty="0" smtClean="0"/>
-              <a:t>High-cost patients – looking for ways to intervene early</a:t>
-            </a:r>
-            <a:endParaRPr lang="en-US" dirty="0"/>
-          </a:p>
-          <a:p>
-            <a:r>
-              <a:rPr lang="en-US" dirty="0" smtClean="0"/>
-              <a:t>Readmissions – preventing</a:t>
-            </a:r>
-          </a:p>
-          <a:p>
-            <a:r>
-              <a:rPr lang="en-US" dirty="0" smtClean="0"/>
-              <a:t>Triage – appropriate level of care</a:t>
-            </a:r>
-          </a:p>
-          <a:p>
-            <a:r>
-              <a:rPr lang="en-US" dirty="0"/>
-              <a:t>D</a:t>
-            </a:r>
-            <a:r>
-              <a:rPr lang="en-US" dirty="0" smtClean="0"/>
-              <a:t>ecompensation – when patient’s condition worsens</a:t>
-            </a:r>
-          </a:p>
-          <a:p>
-            <a:r>
-              <a:rPr lang="en-US" dirty="0"/>
-              <a:t>A</a:t>
-            </a:r>
-            <a:r>
-              <a:rPr lang="en-US" dirty="0" smtClean="0"/>
-              <a:t>dverse events – awareness</a:t>
-            </a:r>
-          </a:p>
-          <a:p>
-            <a:r>
-              <a:rPr lang="en-US" dirty="0"/>
-              <a:t>T</a:t>
-            </a:r>
-            <a:r>
-              <a:rPr lang="en-US" dirty="0" smtClean="0"/>
-              <a:t>reatment optimization – especially for diseases </a:t>
-            </a:r>
-            <a:r>
-              <a:rPr lang="en-US" dirty="0"/>
-              <a:t>affecting multiple organ systems</a:t>
-            </a:r>
-          </a:p>
-        </p:txBody>
-      </p:sp>
-      <p:sp>
-        <p:nvSpPr>
-          <p:cNvPr id="6" name="Content Placeholder 5"/>
-          <p:cNvSpPr>
-            <a:spLocks noGrp="1"/>
-          </p:cNvSpPr>
-          <p:nvPr>
-            <p:ph sz="quarter" idx="14"/>
+            <p:ph type="body" idx="1"/>
           </p:nvPr>
         </p:nvSpPr>
         <p:spPr/>
@@ -25990,10 +26451,7 @@
           <a:bodyPr/>
           <a:lstStyle/>
           <a:p>
-            <a:r>
-              <a:rPr lang="en-US" dirty="0"/>
-              <a:t>(Bates, 2014)</a:t>
-            </a:r>
+            <a:endParaRPr lang="en-US"/>
           </a:p>
         </p:txBody>
       </p:sp>
@@ -26003,7 +26461,7 @@
     </p:custDataLst>
     <p:extLst>
       <p:ext uri="{BB962C8B-B14F-4D97-AF65-F5344CB8AC3E}">
-        <p14:creationId xmlns:p14="http://schemas.microsoft.com/office/powerpoint/2010/main" val="615920943"/>
+        <p14:creationId xmlns:p14="http://schemas.microsoft.com/office/powerpoint/2010/main" val="3613123404"/>
       </p:ext>
     </p:extLst>
   </p:cSld>
@@ -26056,7 +26514,7 @@
           <a:p>
             <a:r>
               <a:rPr lang="en-US" dirty="0" smtClean="0"/>
-              <a:t>Requirements for data analytics in healthcare</a:t>
+              <a:t>Most important use cases for data analytics</a:t>
             </a:r>
             <a:endParaRPr lang="en-US" dirty="0"/>
           </a:p>
@@ -26080,89 +26538,56 @@
           <a:lstStyle/>
           <a:p>
             <a:r>
+              <a:rPr lang="en-US" dirty="0" smtClean="0"/>
+              <a:t>High-cost patients – looking for ways to intervene early</a:t>
+            </a:r>
+            <a:endParaRPr lang="en-US" dirty="0"/>
+          </a:p>
+          <a:p>
+            <a:r>
+              <a:rPr lang="en-US" dirty="0" smtClean="0"/>
+              <a:t>Readmissions – preventing</a:t>
+            </a:r>
+          </a:p>
+          <a:p>
+            <a:r>
+              <a:rPr lang="en-US" dirty="0" smtClean="0"/>
+              <a:t>Triage – appropriate level of care</a:t>
+            </a:r>
+          </a:p>
+          <a:p>
+            <a:r>
               <a:rPr lang="en-US" dirty="0"/>
-              <a:t>Infrastructure </a:t>
-            </a:r>
-            <a:endParaRPr lang="en-US" dirty="0" smtClean="0"/>
-          </a:p>
-          <a:p>
-            <a:pPr lvl="1"/>
+              <a:t>D</a:t>
+            </a:r>
+            <a:r>
+              <a:rPr lang="en-US" dirty="0" smtClean="0"/>
+              <a:t>ecompensation – when patient’s condition worsens</a:t>
+            </a:r>
+          </a:p>
+          <a:p>
             <a:r>
               <a:rPr lang="en-US" dirty="0"/>
-              <a:t>Stakeholder engagement</a:t>
-            </a:r>
-          </a:p>
-          <a:p>
-            <a:pPr lvl="1"/>
+              <a:t>A</a:t>
+            </a:r>
+            <a:r>
+              <a:rPr lang="en-US" dirty="0" smtClean="0"/>
+              <a:t>dverse events – awareness</a:t>
+            </a:r>
+          </a:p>
+          <a:p>
             <a:r>
               <a:rPr lang="en-US" dirty="0"/>
-              <a:t>Human subjects research protection</a:t>
-            </a:r>
-          </a:p>
-          <a:p>
-            <a:pPr lvl="1"/>
+              <a:t>T</a:t>
+            </a:r>
+            <a:r>
+              <a:rPr lang="en-US" dirty="0" smtClean="0"/>
+              <a:t>reatment optimization – especially for diseases </a:t>
+            </a:r>
             <a:r>
               <a:rPr lang="en-US" dirty="0"/>
-              <a:t>Protection of </a:t>
-            </a:r>
-            <a:r>
-              <a:rPr lang="en-US" dirty="0" smtClean="0"/>
-              <a:t>patient </a:t>
-            </a:r>
-            <a:r>
-              <a:rPr lang="en-US" dirty="0"/>
-              <a:t>privacy</a:t>
-            </a:r>
-          </a:p>
-          <a:p>
-            <a:pPr lvl="1"/>
-            <a:r>
-              <a:rPr lang="en-US" dirty="0"/>
-              <a:t>Data </a:t>
-            </a:r>
-            <a:r>
-              <a:rPr lang="en-US" dirty="0" smtClean="0"/>
-              <a:t>assurance and quality</a:t>
-            </a:r>
-          </a:p>
-          <a:p>
-            <a:pPr lvl="1"/>
-            <a:r>
-              <a:rPr lang="en-US" dirty="0"/>
-              <a:t>Interoperability of health </a:t>
-            </a:r>
-            <a:r>
-              <a:rPr lang="en-US" dirty="0" smtClean="0"/>
-              <a:t>information systems</a:t>
-            </a:r>
-            <a:endParaRPr lang="en-US" dirty="0"/>
-          </a:p>
-          <a:p>
-            <a:pPr lvl="1"/>
-            <a:r>
-              <a:rPr lang="en-US" dirty="0" smtClean="0"/>
-              <a:t>Transparency</a:t>
-            </a:r>
-          </a:p>
-          <a:p>
-            <a:pPr lvl="1"/>
-            <a:r>
-              <a:rPr lang="en-US" dirty="0" smtClean="0"/>
-              <a:t>Sustainability</a:t>
-            </a:r>
-          </a:p>
-          <a:p>
-            <a:r>
-              <a:rPr lang="en-US" dirty="0" smtClean="0"/>
-              <a:t>New models of thinking and training </a:t>
-            </a:r>
-          </a:p>
-          <a:p>
-            <a:r>
-              <a:rPr lang="en-US" dirty="0" smtClean="0"/>
-              <a:t>New tools, e.g., “green button” to help clinicians aggregate data in local EHR </a:t>
-            </a:r>
-            <a:endParaRPr lang="en-US" dirty="0"/>
+              <a:t>affecting multiple organ systems</a:t>
+            </a:r>
           </a:p>
         </p:txBody>
       </p:sp>
@@ -26176,51 +26601,14 @@
             <p:ph sz="quarter" idx="14"/>
           </p:nvPr>
         </p:nvSpPr>
-        <p:spPr>
-          <a:xfrm>
-            <a:off x="224971" y="6555553"/>
-            <a:ext cx="8694058" cy="228600"/>
-          </a:xfrm>
-        </p:spPr>
+        <p:spPr/>
         <p:txBody>
           <a:bodyPr/>
           <a:lstStyle/>
           <a:p>
             <a:r>
               <a:rPr lang="en-US" dirty="0"/>
-              <a:t>(</a:t>
-            </a:r>
-            <a:r>
-              <a:rPr lang="en-US" dirty="0" err="1"/>
-              <a:t>Amarasingham</a:t>
-            </a:r>
-            <a:r>
-              <a:rPr lang="en-US" dirty="0"/>
-              <a:t>, 2014</a:t>
-            </a:r>
-            <a:r>
-              <a:rPr lang="en-US" dirty="0" smtClean="0"/>
-              <a:t>), (</a:t>
-            </a:r>
-            <a:r>
-              <a:rPr lang="en-US" dirty="0" err="1"/>
-              <a:t>Krumholz</a:t>
-            </a:r>
-            <a:r>
-              <a:rPr lang="en-US" dirty="0"/>
-              <a:t>, 2014</a:t>
-            </a:r>
-            <a:r>
-              <a:rPr lang="en-US" dirty="0" smtClean="0"/>
-              <a:t>), (</a:t>
-            </a:r>
-            <a:r>
-              <a:rPr lang="en-US" dirty="0" err="1"/>
-              <a:t>Longhurst</a:t>
-            </a:r>
-            <a:r>
-              <a:rPr lang="en-US" dirty="0"/>
-              <a:t>, 2014)</a:t>
+              <a:t>(Bates, 2014)</a:t>
             </a:r>
           </a:p>
         </p:txBody>
@@ -26231,7 +26619,7 @@
     </p:custDataLst>
     <p:extLst>
       <p:ext uri="{BB962C8B-B14F-4D97-AF65-F5344CB8AC3E}">
-        <p14:creationId xmlns:p14="http://schemas.microsoft.com/office/powerpoint/2010/main" val="1511450932"/>
+        <p14:creationId xmlns:p14="http://schemas.microsoft.com/office/powerpoint/2010/main" val="615920943"/>
       </p:ext>
     </p:extLst>
   </p:cSld>
@@ -26389,13 +26777,13 @@
         <p:spPr/>
         <p:txBody>
           <a:bodyPr>
-            <a:normAutofit fontScale="90000"/>
+            <a:normAutofit/>
           </a:bodyPr>
           <a:lstStyle/>
           <a:p>
             <a:r>
               <a:rPr lang="en-US" dirty="0" smtClean="0"/>
-              <a:t>Does application of analytics improve patient outcomes?</a:t>
+              <a:t>Requirements for data analytics in healthcare</a:t>
             </a:r>
             <a:endParaRPr lang="en-US" dirty="0"/>
           </a:p>
@@ -26419,129 +26807,87 @@
           <a:lstStyle/>
           <a:p>
             <a:r>
+              <a:rPr lang="en-US" dirty="0"/>
+              <a:t>Infrastructure </a:t>
+            </a:r>
+            <a:endParaRPr lang="en-US" dirty="0" smtClean="0"/>
+          </a:p>
+          <a:p>
+            <a:pPr lvl="1"/>
+            <a:r>
+              <a:rPr lang="en-US" dirty="0"/>
+              <a:t>Stakeholder engagement</a:t>
+            </a:r>
+          </a:p>
+          <a:p>
+            <a:pPr lvl="1"/>
+            <a:r>
+              <a:rPr lang="en-US" dirty="0"/>
+              <a:t>Human subjects research protection</a:t>
+            </a:r>
+          </a:p>
+          <a:p>
+            <a:pPr lvl="1"/>
+            <a:r>
+              <a:rPr lang="en-US" dirty="0"/>
+              <a:t>Protection of </a:t>
+            </a:r>
+            <a:r>
               <a:rPr lang="en-US" dirty="0" smtClean="0"/>
-              <a:t>Readmission </a:t>
+              <a:t>patient </a:t>
             </a:r>
             <a:r>
               <a:rPr lang="en-US" dirty="0"/>
-              <a:t>tool applied to </a:t>
+              <a:t>privacy</a:t>
+            </a:r>
+          </a:p>
+          <a:p>
+            <a:pPr lvl="1"/>
+            <a:r>
+              <a:rPr lang="en-US" dirty="0"/>
+              <a:t>Data </a:t>
             </a:r>
             <a:r>
               <a:rPr lang="en-US" dirty="0" smtClean="0"/>
-              <a:t>case </a:t>
-            </a:r>
+              <a:t>assurance and quality</a:t>
+            </a:r>
+          </a:p>
+          <a:p>
+            <a:pPr lvl="1"/>
             <a:r>
               <a:rPr lang="en-US" dirty="0"/>
-              <a:t>management approach helped reduce readmissions </a:t>
-            </a:r>
-            <a:endParaRPr lang="en-US" dirty="0" smtClean="0"/>
-          </a:p>
-          <a:p>
+              <a:t>Interoperability of health </a:t>
+            </a:r>
             <a:r>
               <a:rPr lang="en-US" dirty="0" smtClean="0"/>
-              <a:t>Bayesian </a:t>
-            </a:r>
-            <a:r>
-              <a:rPr lang="en-US" dirty="0"/>
-              <a:t>network model embedded in EHR to predict hospital-acquired pressure ulcers led to </a:t>
-            </a:r>
+              <a:t>information systems</a:t>
+            </a:r>
+            <a:endParaRPr lang="en-US" dirty="0"/>
+          </a:p>
+          <a:p>
+            <a:pPr lvl="1"/>
             <a:r>
               <a:rPr lang="en-US" dirty="0" smtClean="0"/>
-              <a:t>tenfold </a:t>
-            </a:r>
-            <a:r>
-              <a:rPr lang="en-US" dirty="0"/>
-              <a:t>reduction in </a:t>
-            </a:r>
+              <a:t>Transparency</a:t>
+            </a:r>
+          </a:p>
+          <a:p>
+            <a:pPr lvl="1"/>
             <a:r>
               <a:rPr lang="en-US" dirty="0" smtClean="0"/>
-              <a:t>ulcers and one</a:t>
-            </a:r>
-            <a:r>
-              <a:rPr lang="en-US" dirty="0"/>
-              <a:t>-third </a:t>
-            </a:r>
+              <a:t>Sustainability</a:t>
+            </a:r>
+          </a:p>
+          <a:p>
             <a:r>
               <a:rPr lang="en-US" dirty="0" smtClean="0"/>
-              <a:t>reduction in </a:t>
-            </a:r>
-            <a:r>
-              <a:rPr lang="en-US" dirty="0"/>
-              <a:t>intensive care unit length of stay </a:t>
-            </a:r>
-            <a:endParaRPr lang="en-US" dirty="0" smtClean="0"/>
-          </a:p>
-          <a:p>
-            <a:r>
-              <a:rPr lang="en-US" dirty="0"/>
-              <a:t>R</a:t>
-            </a:r>
+              <a:t>New models of thinking and training </a:t>
+            </a:r>
+          </a:p>
+          <a:p>
             <a:r>
               <a:rPr lang="en-US" dirty="0" smtClean="0"/>
-              <a:t>eadmission </a:t>
-            </a:r>
-            <a:r>
-              <a:rPr lang="en-US" dirty="0"/>
-              <a:t>risk tool intervention reduced risk of readmission for patients with congestive heart failure but not those with acute myocardial infarction or pneumonia </a:t>
-            </a:r>
-            <a:endParaRPr lang="en-US" dirty="0" smtClean="0"/>
-          </a:p>
-          <a:p>
-            <a:r>
-              <a:rPr lang="en-US" dirty="0"/>
-              <a:t>A</a:t>
-            </a:r>
-            <a:r>
-              <a:rPr lang="en-US" dirty="0" smtClean="0"/>
-              <a:t>utomated </a:t>
-            </a:r>
-            <a:r>
-              <a:rPr lang="en-US" dirty="0"/>
-              <a:t>prediction model integrated into </a:t>
-            </a:r>
-            <a:r>
-              <a:rPr lang="en-US" dirty="0" smtClean="0"/>
-              <a:t>existing </a:t>
-            </a:r>
-            <a:r>
-              <a:rPr lang="en-US" dirty="0"/>
-              <a:t>EHR </a:t>
-            </a:r>
-            <a:r>
-              <a:rPr lang="en-US" dirty="0" smtClean="0"/>
-              <a:t>successfully identified </a:t>
-            </a:r>
-            <a:r>
-              <a:rPr lang="en-US" dirty="0"/>
-              <a:t>patients on admission who were at risk for readmission within 30 days of </a:t>
-            </a:r>
-            <a:r>
-              <a:rPr lang="en-US" dirty="0" smtClean="0"/>
-              <a:t>discharge </a:t>
-            </a:r>
-            <a:r>
-              <a:rPr lang="en-US" dirty="0"/>
-              <a:t>but </a:t>
-            </a:r>
-            <a:r>
-              <a:rPr lang="en-US" dirty="0" smtClean="0"/>
-              <a:t>had </a:t>
-            </a:r>
-            <a:r>
-              <a:rPr lang="en-US" dirty="0"/>
-              <a:t>no effect on 30-day all-cause and 7-day unplanned readmission rates </a:t>
-            </a:r>
-            <a:r>
-              <a:rPr lang="en-US" dirty="0" smtClean="0"/>
-              <a:t>over 12</a:t>
-            </a:r>
-            <a:r>
-              <a:rPr lang="en-US" dirty="0"/>
-              <a:t> </a:t>
-            </a:r>
-            <a:r>
-              <a:rPr lang="en-US" dirty="0" smtClean="0"/>
-              <a:t>months </a:t>
+              <a:t>New tools, e.g., “green button” to help clinicians aggregate data in local EHR </a:t>
             </a:r>
             <a:endParaRPr lang="en-US" dirty="0"/>
           </a:p>
@@ -26568,34 +26914,41 @@
           <a:lstStyle/>
           <a:p>
             <a:r>
-              <a:rPr lang="pt-BR" dirty="0"/>
-              <a:t>(Gilbert, 2013</a:t>
-            </a:r>
-            <a:r>
-              <a:rPr lang="pt-BR" dirty="0" smtClean="0"/>
+              <a:rPr lang="en-US" dirty="0"/>
+              <a:t>(</a:t>
+            </a:r>
+            <a:r>
+              <a:rPr lang="en-US" dirty="0" err="1"/>
+              <a:t>Amarasingham</a:t>
+            </a:r>
+            <a:r>
+              <a:rPr lang="en-US" dirty="0"/>
+              <a:t>, 2014</a:t>
+            </a:r>
+            <a:r>
+              <a:rPr lang="en-US" dirty="0" smtClean="0"/>
               <a:t>), (</a:t>
             </a:r>
             <a:r>
-              <a:rPr lang="pt-BR" dirty="0"/>
-              <a:t>Cho, 2013</a:t>
-            </a:r>
-            <a:r>
-              <a:rPr lang="pt-BR" dirty="0" smtClean="0"/>
+              <a:rPr lang="en-US" dirty="0" err="1"/>
+              <a:t>Krumholz</a:t>
+            </a:r>
+            <a:r>
+              <a:rPr lang="en-US" dirty="0"/>
+              <a:t>, 2014</a:t>
+            </a:r>
+            <a:r>
+              <a:rPr lang="en-US" dirty="0" smtClean="0"/>
               <a:t>), (</a:t>
             </a:r>
             <a:r>
-              <a:rPr lang="pt-BR" dirty="0"/>
-              <a:t>Amarasingham, 2013</a:t>
-            </a:r>
-            <a:r>
-              <a:rPr lang="pt-BR" dirty="0" smtClean="0"/>
-              <a:t>), (</a:t>
-            </a:r>
-            <a:r>
-              <a:rPr lang="pt-BR" dirty="0"/>
-              <a:t>Baillie, 2013)</a:t>
-            </a:r>
-            <a:endParaRPr lang="en-US" dirty="0"/>
+              <a:rPr lang="en-US" dirty="0" err="1"/>
+              <a:t>Longhurst</a:t>
+            </a:r>
+            <a:r>
+              <a:rPr lang="en-US" dirty="0"/>
+              <a:t>, 2014)</a:t>
+            </a:r>
           </a:p>
         </p:txBody>
       </p:sp>
@@ -26605,7 +26958,7 @@
     </p:custDataLst>
     <p:extLst>
       <p:ext uri="{BB962C8B-B14F-4D97-AF65-F5344CB8AC3E}">
-        <p14:creationId xmlns:p14="http://schemas.microsoft.com/office/powerpoint/2010/main" val="1248755823"/>
+        <p14:creationId xmlns:p14="http://schemas.microsoft.com/office/powerpoint/2010/main" val="1511450932"/>
       </p:ext>
     </p:extLst>
   </p:cSld>
@@ -26641,7 +26994,7 @@
       </p:grpSpPr>
       <p:sp>
         <p:nvSpPr>
-          <p:cNvPr id="5" name="Title 4"/>
+          <p:cNvPr id="2" name="Title 1"/>
           <p:cNvSpPr>
             <a:spLocks noGrp="1"/>
           </p:cNvSpPr>
@@ -26651,12 +27004,14 @@
         </p:nvSpPr>
         <p:spPr/>
         <p:txBody>
-          <a:bodyPr/>
+          <a:bodyPr>
+            <a:normAutofit fontScale="90000"/>
+          </a:bodyPr>
           <a:lstStyle/>
           <a:p>
             <a:r>
               <a:rPr lang="en-US" dirty="0" smtClean="0"/>
-              <a:t>Challenges</a:t>
+              <a:t>Does application of analytics improve patient outcomes?</a:t>
             </a:r>
             <a:endParaRPr lang="en-US" dirty="0"/>
           </a:p>
@@ -26664,20 +27019,183 @@
       </p:sp>
       <p:sp>
         <p:nvSpPr>
-          <p:cNvPr id="7" name="Text Placeholder 6"/>
+          <p:cNvPr id="3" name="Content Placeholder 2"/>
           <p:cNvSpPr>
             <a:spLocks noGrp="1"/>
           </p:cNvSpPr>
           <p:nvPr>
-            <p:ph type="body" idx="1"/>
+            <p:ph idx="1"/>
           </p:nvPr>
         </p:nvSpPr>
         <p:spPr/>
+        <p:txBody>
+          <a:bodyPr>
+            <a:normAutofit lnSpcReduction="10000"/>
+          </a:bodyPr>
+          <a:lstStyle/>
+          <a:p>
+            <a:r>
+              <a:rPr lang="en-US" dirty="0" smtClean="0"/>
+              <a:t>Readmission </a:t>
+            </a:r>
+            <a:r>
+              <a:rPr lang="en-US" dirty="0"/>
+              <a:t>tool applied to </a:t>
+            </a:r>
+            <a:r>
+              <a:rPr lang="en-US" dirty="0" smtClean="0"/>
+              <a:t>case </a:t>
+            </a:r>
+            <a:r>
+              <a:rPr lang="en-US" dirty="0"/>
+              <a:t>management approach helped reduce readmissions </a:t>
+            </a:r>
+            <a:endParaRPr lang="en-US" dirty="0" smtClean="0"/>
+          </a:p>
+          <a:p>
+            <a:r>
+              <a:rPr lang="en-US" dirty="0" smtClean="0"/>
+              <a:t>Bayesian </a:t>
+            </a:r>
+            <a:r>
+              <a:rPr lang="en-US" dirty="0"/>
+              <a:t>network model embedded in EHR to predict hospital-acquired pressure ulcers led to </a:t>
+            </a:r>
+            <a:r>
+              <a:rPr lang="en-US" dirty="0" smtClean="0"/>
+              <a:t>tenfold </a:t>
+            </a:r>
+            <a:r>
+              <a:rPr lang="en-US" dirty="0"/>
+              <a:t>reduction in </a:t>
+            </a:r>
+            <a:r>
+              <a:rPr lang="en-US" dirty="0" smtClean="0"/>
+              <a:t>ulcers and one</a:t>
+            </a:r>
+            <a:r>
+              <a:rPr lang="en-US" dirty="0"/>
+              <a:t>-third </a:t>
+            </a:r>
+            <a:r>
+              <a:rPr lang="en-US" dirty="0" smtClean="0"/>
+              <a:t>reduction in </a:t>
+            </a:r>
+            <a:r>
+              <a:rPr lang="en-US" dirty="0"/>
+              <a:t>intensive care unit length of stay </a:t>
+            </a:r>
+            <a:endParaRPr lang="en-US" dirty="0" smtClean="0"/>
+          </a:p>
+          <a:p>
+            <a:r>
+              <a:rPr lang="en-US" dirty="0"/>
+              <a:t>R</a:t>
+            </a:r>
+            <a:r>
+              <a:rPr lang="en-US" dirty="0" smtClean="0"/>
+              <a:t>eadmission </a:t>
+            </a:r>
+            <a:r>
+              <a:rPr lang="en-US" dirty="0"/>
+              <a:t>risk tool intervention reduced risk of readmission for patients with congestive heart failure but not those with acute myocardial infarction or pneumonia </a:t>
+            </a:r>
+            <a:endParaRPr lang="en-US" dirty="0" smtClean="0"/>
+          </a:p>
+          <a:p>
+            <a:r>
+              <a:rPr lang="en-US" dirty="0"/>
+              <a:t>Use of EHR-based acuity score allowed intervention that reduced in-hospital mortality from 1.9% to 1.3</a:t>
+            </a:r>
+            <a:r>
+              <a:rPr lang="en-US" dirty="0" smtClean="0"/>
+              <a:t>%</a:t>
+            </a:r>
+          </a:p>
+          <a:p>
+            <a:r>
+              <a:rPr lang="en-US" dirty="0"/>
+              <a:t>Randomized controlled trial of tool to reduce delay in cancer diagnosis led to earlier diagnosis for colorectal and prostate </a:t>
+            </a:r>
+            <a:r>
+              <a:rPr lang="en-US" dirty="0" smtClean="0"/>
+              <a:t>cancer</a:t>
+            </a:r>
+          </a:p>
+          <a:p>
+            <a:r>
+              <a:rPr lang="en-US" dirty="0"/>
+              <a:t>Use of predictive report based on NLP tool reduced time in discharge planning meetings and 30-day all-cause mortality although not cost or readmissions</a:t>
+            </a:r>
+            <a:endParaRPr lang="en-US" dirty="0"/>
+          </a:p>
+        </p:txBody>
+      </p:sp>
+      <p:sp>
+        <p:nvSpPr>
+          <p:cNvPr id="6" name="Content Placeholder 5"/>
+          <p:cNvSpPr>
+            <a:spLocks noGrp="1"/>
+          </p:cNvSpPr>
+          <p:nvPr>
+            <p:ph sz="quarter" idx="14"/>
+          </p:nvPr>
+        </p:nvSpPr>
+        <p:spPr>
+          <a:xfrm>
+            <a:off x="224971" y="6555553"/>
+            <a:ext cx="8694058" cy="228600"/>
+          </a:xfrm>
+        </p:spPr>
         <p:txBody>
           <a:bodyPr/>
           <a:lstStyle/>
           <a:p>
-            <a:endParaRPr lang="en-US"/>
+            <a:r>
+              <a:rPr lang="pt-BR" dirty="0"/>
+              <a:t>(Gilbert, 2013</a:t>
+            </a:r>
+            <a:r>
+              <a:rPr lang="pt-BR" dirty="0" smtClean="0"/>
+              <a:t>), (</a:t>
+            </a:r>
+            <a:r>
+              <a:rPr lang="pt-BR" dirty="0"/>
+              <a:t>Cho, 2013</a:t>
+            </a:r>
+            <a:r>
+              <a:rPr lang="pt-BR" dirty="0" smtClean="0"/>
+              <a:t>), (</a:t>
+            </a:r>
+            <a:r>
+              <a:rPr lang="pt-BR" dirty="0"/>
+              <a:t>Amarasingham, 2013</a:t>
+            </a:r>
+            <a:r>
+              <a:rPr lang="pt-BR" dirty="0" smtClean="0"/>
+              <a:t>), </a:t>
+            </a:r>
+            <a:r>
+              <a:rPr lang="en-US" dirty="0"/>
+              <a:t>(Rothman, 2015</a:t>
+            </a:r>
+            <a:r>
+              <a:rPr lang="en-US" dirty="0" smtClean="0"/>
+              <a:t>), </a:t>
+            </a:r>
+            <a:r>
+              <a:rPr lang="en-US" dirty="0"/>
+              <a:t>(Murphy, 2015</a:t>
+            </a:r>
+            <a:r>
+              <a:rPr lang="en-US" dirty="0" smtClean="0"/>
+              <a:t>), </a:t>
+            </a:r>
+            <a:r>
+              <a:rPr lang="en-US" dirty="0"/>
+              <a:t>(Evans, 2016)</a:t>
+            </a:r>
+            <a:endParaRPr lang="en-US" dirty="0"/>
           </a:p>
         </p:txBody>
       </p:sp>
@@ -26687,7 +27205,7 @@
     </p:custDataLst>
     <p:extLst>
       <p:ext uri="{BB962C8B-B14F-4D97-AF65-F5344CB8AC3E}">
-        <p14:creationId xmlns:p14="http://schemas.microsoft.com/office/powerpoint/2010/main" val="864027149"/>
+        <p14:creationId xmlns:p14="http://schemas.microsoft.com/office/powerpoint/2010/main" val="1248755823"/>
       </p:ext>
     </p:extLst>
   </p:cSld>
@@ -26734,26 +27252,15 @@
         <p:spPr/>
         <p:txBody>
           <a:bodyPr>
-            <a:normAutofit fontScale="90000"/>
+            <a:normAutofit/>
           </a:bodyPr>
           <a:lstStyle/>
           <a:p>
             <a:r>
-              <a:rPr lang="en-US" dirty="0" smtClean="0"/>
-              <a:t>Some challenges </a:t>
-            </a:r>
-            <a:r>
               <a:rPr lang="en-US" dirty="0"/>
-              <a:t>for </a:t>
-            </a:r>
-            <a:r>
-              <a:rPr lang="en-US" dirty="0" smtClean="0"/>
-              <a:t>analytical use </a:t>
-            </a:r>
-            <a:r>
-              <a:rPr lang="en-US" dirty="0"/>
-              <a:t>of clinical data</a:t>
-            </a:r>
+              <a:t>Studies of outcomes (cont.)</a:t>
+            </a:r>
+            <a:endParaRPr lang="en-US" dirty="0"/>
           </a:p>
         </p:txBody>
       </p:sp>
@@ -26775,39 +27282,87 @@
           <a:lstStyle/>
           <a:p>
             <a:r>
+              <a:rPr lang="en-US" dirty="0"/>
+              <a:t>Development and use of a universal data architecture at </a:t>
+            </a:r>
+            <a:r>
+              <a:rPr lang="en-US" dirty="0" err="1"/>
+              <a:t>Geisinger</a:t>
+            </a:r>
+            <a:r>
+              <a:rPr lang="en-US" dirty="0"/>
+              <a:t> has led to successes </a:t>
+            </a:r>
+            <a:r>
               <a:rPr lang="en-US" dirty="0" smtClean="0"/>
-              <a:t>Data quality and accuracy is not a top priority for busy clinicians </a:t>
-            </a:r>
-          </a:p>
-          <a:p>
+              <a:t>in</a:t>
+            </a:r>
+            <a:endParaRPr lang="en-US" dirty="0"/>
+          </a:p>
+          <a:p>
+            <a:pPr lvl="1"/>
+            <a:r>
+              <a:rPr lang="en-US" dirty="0"/>
+              <a:t>Closing loop on appropriate treatment and lack of </a:t>
+            </a:r>
             <a:r>
               <a:rPr lang="en-US" dirty="0" smtClean="0"/>
-              <a:t>Patients get care at different places </a:t>
-            </a:r>
-          </a:p>
-          <a:p>
+              <a:t>follow-up</a:t>
+            </a:r>
+            <a:endParaRPr lang="en-US" dirty="0"/>
+          </a:p>
+          <a:p>
+            <a:pPr lvl="1"/>
+            <a:r>
+              <a:rPr lang="en-US" dirty="0"/>
+              <a:t>Early detection and treatment of sepsis</a:t>
+            </a:r>
+          </a:p>
+          <a:p>
+            <a:pPr lvl="1"/>
+            <a:r>
+              <a:rPr lang="en-US" dirty="0"/>
+              <a:t>Monitoring and control of surgery costs and outcomes</a:t>
+            </a:r>
+          </a:p>
+          <a:p>
+            <a:r>
+              <a:rPr lang="en-US" dirty="0"/>
+              <a:t>In children with cerebral palsy, implementation of a learning health system led </a:t>
+            </a:r>
             <a:r>
               <a:rPr lang="en-US" dirty="0" smtClean="0"/>
-              <a:t>Standards and interoperability – mature approaches but lack of widespread adoption </a:t>
-            </a:r>
-          </a:p>
-          <a:p>
-            <a:r>
-              <a:rPr lang="en-US" dirty="0" smtClean="0"/>
-              <a:t>Much data is “locked” in text </a:t>
-            </a:r>
-          </a:p>
-          <a:p>
+              <a:t>to</a:t>
+            </a:r>
+            <a:endParaRPr lang="en-US" dirty="0"/>
+          </a:p>
+          <a:p>
+            <a:pPr lvl="1"/>
             <a:r>
               <a:rPr lang="en-US" dirty="0"/>
-              <a:t>Average pediatric ICU patient generates 1348 information items per 24 hours </a:t>
-            </a:r>
+              <a:t>43% reduced hospital days</a:t>
+            </a:r>
+          </a:p>
+          <a:p>
+            <a:pPr lvl="1"/>
+            <a:r>
+              <a:rPr lang="en-US" dirty="0"/>
+              <a:t>30% reduction in emergency department visits</a:t>
+            </a:r>
+          </a:p>
+          <a:p>
+            <a:pPr lvl="1"/>
+            <a:r>
+              <a:rPr lang="en-US" dirty="0"/>
+              <a:t>210% reduction in healthcare costs</a:t>
+            </a:r>
+            <a:endParaRPr lang="en-US" dirty="0"/>
           </a:p>
         </p:txBody>
       </p:sp>
       <p:sp>
         <p:nvSpPr>
-          <p:cNvPr id="4" name="Content Placeholder 3"/>
+          <p:cNvPr id="6" name="Content Placeholder 5"/>
           <p:cNvSpPr>
             <a:spLocks noGrp="1"/>
           </p:cNvSpPr>
@@ -26827,64 +27382,25 @@
           <a:p>
             <a:r>
               <a:rPr lang="en-US" dirty="0"/>
-              <a:t>(de </a:t>
-            </a:r>
-            <a:r>
-              <a:rPr lang="en-US" dirty="0" err="1"/>
-              <a:t>Lusignan</a:t>
+              <a:t>(Erskine, 2016</a:t>
+            </a:r>
+            <a:r>
+              <a:rPr lang="en-US" dirty="0" smtClean="0"/>
+              <a:t>), </a:t>
             </a:r>
             <a:r>
               <a:rPr lang="en-US" dirty="0"/>
-              <a:t>, 2005</a:t>
+              <a:t>(Graf, 2014</a:t>
             </a:r>
             <a:r>
               <a:rPr lang="en-US" dirty="0" smtClean="0"/>
-              <a:t>), (</a:t>
+              <a:t>), </a:t>
             </a:r>
             <a:r>
               <a:rPr lang="en-US" dirty="0"/>
-              <a:t>Bourgeois, 2010; </a:t>
-            </a:r>
-            <a:r>
-              <a:rPr lang="en-US" dirty="0" err="1"/>
-              <a:t>Finnell</a:t>
-            </a:r>
-            <a:r>
-              <a:rPr lang="en-US" dirty="0"/>
-              <a:t>, 2011</a:t>
-            </a:r>
-            <a:r>
-              <a:rPr lang="en-US" dirty="0" smtClean="0"/>
-              <a:t>), (</a:t>
-            </a:r>
-            <a:r>
-              <a:rPr lang="en-US" dirty="0" err="1"/>
-              <a:t>Kellermann</a:t>
-            </a:r>
-            <a:r>
-              <a:rPr lang="en-US" dirty="0"/>
-              <a:t>, 2013</a:t>
-            </a:r>
-            <a:r>
-              <a:rPr lang="en-US" dirty="0" smtClean="0"/>
-              <a:t>), (</a:t>
-            </a:r>
-            <a:r>
-              <a:rPr lang="en-US" dirty="0" err="1"/>
-              <a:t>Hripcsak</a:t>
-            </a:r>
-            <a:r>
-              <a:rPr lang="en-US" dirty="0"/>
-              <a:t>, 2012</a:t>
-            </a:r>
-            <a:r>
-              <a:rPr lang="en-US" dirty="0" smtClean="0"/>
-              <a:t>), (</a:t>
-            </a:r>
-            <a:r>
-              <a:rPr lang="en-US" dirty="0"/>
-              <a:t>Manor-Shulman, 2008)</a:t>
-            </a:r>
+              <a:t>(Lowes, 2017)</a:t>
+            </a:r>
+            <a:endParaRPr lang="en-US" dirty="0"/>
           </a:p>
         </p:txBody>
       </p:sp>
@@ -26894,21 +27410,13 @@
     </p:custDataLst>
     <p:extLst>
       <p:ext uri="{BB962C8B-B14F-4D97-AF65-F5344CB8AC3E}">
-        <p14:creationId xmlns:p14="http://schemas.microsoft.com/office/powerpoint/2010/main" val="1255376777"/>
+        <p14:creationId xmlns:p14="http://schemas.microsoft.com/office/powerpoint/2010/main" val="3997517685"/>
       </p:ext>
     </p:extLst>
   </p:cSld>
   <p:clrMapOvr>
     <a:masterClrMapping/>
   </p:clrMapOvr>
-  <mc:AlternateContent xmlns:mc="http://schemas.openxmlformats.org/markup-compatibility/2006" xmlns:p14="http://schemas.microsoft.com/office/powerpoint/2010/main">
-    <mc:Choice Requires="p14">
-      <p:transition spd="slow" p14:dur="2000"/>
-    </mc:Choice>
-    <mc:Fallback xmlns="">
-      <p:transition xmlns:p14="http://schemas.microsoft.com/office/powerpoint/2010/main" spd="slow"/>
-    </mc:Fallback>
-  </mc:AlternateContent>
   <p:timing>
     <p:tnLst>
       <p:par>
@@ -26938,7 +27446,7 @@
       </p:grpSpPr>
       <p:sp>
         <p:nvSpPr>
-          <p:cNvPr id="2" name="Title 1"/>
+          <p:cNvPr id="5" name="Title 4"/>
           <p:cNvSpPr>
             <a:spLocks noGrp="1"/>
           </p:cNvSpPr>
@@ -26948,14 +27456,12 @@
         </p:nvSpPr>
         <p:spPr/>
         <p:txBody>
-          <a:bodyPr>
-            <a:normAutofit fontScale="90000"/>
-          </a:bodyPr>
+          <a:bodyPr/>
           <a:lstStyle/>
           <a:p>
             <a:r>
               <a:rPr lang="en-US" dirty="0" smtClean="0"/>
-              <a:t>Caveats for use of operational EHR data – may be</a:t>
+              <a:t>Challenges</a:t>
             </a:r>
             <a:endParaRPr lang="en-US" dirty="0"/>
           </a:p>
@@ -26963,120 +27469,12 @@
       </p:sp>
       <p:sp>
         <p:nvSpPr>
-          <p:cNvPr id="3" name="Content Placeholder 2"/>
+          <p:cNvPr id="7" name="Text Placeholder 6"/>
           <p:cNvSpPr>
             <a:spLocks noGrp="1"/>
           </p:cNvSpPr>
           <p:nvPr>
-            <p:ph idx="1"/>
-          </p:nvPr>
-        </p:nvSpPr>
-        <p:spPr/>
-        <p:txBody>
-          <a:bodyPr>
-            <a:normAutofit/>
-          </a:bodyPr>
-          <a:lstStyle/>
-          <a:p>
-            <a:r>
-              <a:rPr lang="en-US" dirty="0"/>
-              <a:t>I</a:t>
-            </a:r>
-            <a:r>
-              <a:rPr lang="en-US" dirty="0" smtClean="0"/>
-              <a:t>naccurate</a:t>
-            </a:r>
-          </a:p>
-          <a:p>
-            <a:r>
-              <a:rPr lang="en-US" dirty="0" smtClean="0"/>
-              <a:t>Incomplete</a:t>
-            </a:r>
-          </a:p>
-          <a:p>
-            <a:r>
-              <a:rPr lang="en-US" dirty="0"/>
-              <a:t>T</a:t>
-            </a:r>
-            <a:r>
-              <a:rPr lang="en-US" dirty="0" smtClean="0"/>
-              <a:t>ransformed in ways that undermine meaning</a:t>
-            </a:r>
-          </a:p>
-          <a:p>
-            <a:r>
-              <a:rPr lang="en-US" dirty="0" smtClean="0"/>
-              <a:t>Unrecoverable</a:t>
-            </a:r>
-          </a:p>
-          <a:p>
-            <a:r>
-              <a:rPr lang="en-US" dirty="0"/>
-              <a:t>O</a:t>
-            </a:r>
-            <a:r>
-              <a:rPr lang="en-US" dirty="0" smtClean="0"/>
-              <a:t>f unknown provenance</a:t>
-            </a:r>
-          </a:p>
-          <a:p>
-            <a:r>
-              <a:rPr lang="en-US" dirty="0"/>
-              <a:t>O</a:t>
-            </a:r>
-            <a:r>
-              <a:rPr lang="en-US" dirty="0" smtClean="0"/>
-              <a:t>f insufficient granularity</a:t>
-            </a:r>
-          </a:p>
-          <a:p>
-            <a:r>
-              <a:rPr lang="en-US" dirty="0"/>
-              <a:t>I</a:t>
-            </a:r>
-            <a:r>
-              <a:rPr lang="en-US" dirty="0" smtClean="0"/>
-              <a:t>ncompatible with research protocols</a:t>
-            </a:r>
-          </a:p>
-          <a:p>
-            <a:endParaRPr lang="en-US" dirty="0"/>
-          </a:p>
-          <a:p>
-            <a:pPr marL="0" indent="0">
-              <a:buNone/>
-            </a:pPr>
-            <a:r>
-              <a:rPr lang="en-US" dirty="0"/>
-              <a:t>Figure from </a:t>
-            </a:r>
-            <a:r>
-              <a:rPr lang="en-US" dirty="0" err="1"/>
-              <a:t>Hersh</a:t>
-            </a:r>
-            <a:r>
-              <a:rPr lang="en-US" dirty="0"/>
-              <a:t>, WR, Weiner, MG, et al. (2013). Caveats for the use of operational electronic health record data in comparative effectiveness research. Medical Care. 51(</a:t>
-            </a:r>
-            <a:r>
-              <a:rPr lang="en-US" dirty="0" err="1"/>
-              <a:t>Suppl</a:t>
-            </a:r>
-            <a:r>
-              <a:rPr lang="en-US" dirty="0"/>
-              <a:t> 3): S30-S37.</a:t>
-            </a:r>
-          </a:p>
-        </p:txBody>
-      </p:sp>
-      <p:sp>
-        <p:nvSpPr>
-          <p:cNvPr id="7" name="Content Placeholder 6"/>
-          <p:cNvSpPr>
-            <a:spLocks noGrp="1"/>
-          </p:cNvSpPr>
-          <p:nvPr>
-            <p:ph sz="quarter" idx="14"/>
+            <p:ph type="body" idx="1"/>
           </p:nvPr>
         </p:nvSpPr>
         <p:spPr/>
@@ -27084,56 +27482,17 @@
           <a:bodyPr/>
           <a:lstStyle/>
           <a:p>
-            <a:r>
-              <a:rPr lang="en-US" dirty="0"/>
-              <a:t>(</a:t>
-            </a:r>
-            <a:r>
-              <a:rPr lang="en-US" dirty="0" err="1"/>
-              <a:t>Hersh</a:t>
-            </a:r>
-            <a:r>
-              <a:rPr lang="en-US" dirty="0"/>
-              <a:t>, 2013) </a:t>
-            </a:r>
+            <a:endParaRPr lang="en-US"/>
           </a:p>
         </p:txBody>
       </p:sp>
-      <p:pic>
-        <p:nvPicPr>
-          <p:cNvPr id="8" name="Picture 7"/>
-          <p:cNvPicPr/>
-          <p:nvPr/>
-        </p:nvPicPr>
-        <p:blipFill>
-          <a:blip r:embed="rId4" cstate="email">
-            <a:extLst>
-              <a:ext uri="{28A0092B-C50C-407E-A947-70E740481C1C}">
-                <a14:useLocalDpi xmlns:a14="http://schemas.microsoft.com/office/drawing/2010/main" val="0"/>
-              </a:ext>
-            </a:extLst>
-          </a:blip>
-          <a:stretch>
-            <a:fillRect/>
-          </a:stretch>
-        </p:blipFill>
-        <p:spPr>
-          <a:xfrm>
-            <a:off x="5867400" y="5828249"/>
-            <a:ext cx="761463" cy="761463"/>
-          </a:xfrm>
-          <a:prstGeom prst="rect">
-            <a:avLst/>
-          </a:prstGeom>
-        </p:spPr>
-      </p:pic>
     </p:spTree>
     <p:custDataLst>
       <p:tags r:id="rId1"/>
     </p:custDataLst>
     <p:extLst>
       <p:ext uri="{BB962C8B-B14F-4D97-AF65-F5344CB8AC3E}">
-        <p14:creationId xmlns:p14="http://schemas.microsoft.com/office/powerpoint/2010/main" val="3025236689"/>
+        <p14:creationId xmlns:p14="http://schemas.microsoft.com/office/powerpoint/2010/main" val="864027149"/>
       </p:ext>
     </p:extLst>
   </p:cSld>
@@ -27180,27 +27539,26 @@
         <p:spPr/>
         <p:txBody>
           <a:bodyPr>
-            <a:normAutofit/>
+            <a:normAutofit fontScale="90000"/>
           </a:bodyPr>
           <a:lstStyle/>
           <a:p>
             <a:r>
+              <a:rPr lang="en-US" dirty="0" smtClean="0"/>
+              <a:t>Some challenges </a:t>
+            </a:r>
+            <a:r>
               <a:rPr lang="en-US" dirty="0"/>
-              <a:t>Many </a:t>
+              <a:t>for </a:t>
             </a:r>
             <a:r>
               <a:rPr lang="en-US" dirty="0" smtClean="0"/>
-              <a:t>“</a:t>
+              <a:t>analytical use </a:t>
             </a:r>
             <a:r>
               <a:rPr lang="en-US" dirty="0"/>
-              <a:t>idiosyncrasies</a:t>
-            </a:r>
-            <a:r>
-              <a:rPr lang="en-US" dirty="0" smtClean="0"/>
-              <a:t>” of clinical data</a:t>
-            </a:r>
-            <a:endParaRPr lang="en-US" dirty="0"/>
+              <a:t>of clinical data</a:t>
+            </a:r>
           </a:p>
         </p:txBody>
       </p:sp>
@@ -27223,64 +27581,66 @@
           <a:p>
             <a:r>
               <a:rPr lang="en-US" dirty="0" smtClean="0"/>
-              <a:t>“Left censoring” – First instance of disease in record may not be when first manifested</a:t>
+              <a:t>Data quality and accuracy is not a top priority for busy clinicians </a:t>
+            </a:r>
+          </a:p>
+          <a:p>
+            <a:r>
+              <a:rPr lang="en-US" dirty="0"/>
+              <a:t>Average pediatric ICU patient generates 1348 information items per 24 hours </a:t>
             </a:r>
           </a:p>
           <a:p>
             <a:r>
               <a:rPr lang="en-US" dirty="0" smtClean="0"/>
-              <a:t>“</a:t>
-            </a:r>
+              <a:t>Patients </a:t>
+            </a:r>
+            <a:r>
+              <a:rPr lang="en-US" dirty="0" smtClean="0"/>
+              <a:t>get care at different places </a:t>
+            </a:r>
+          </a:p>
+          <a:p>
+            <a:r>
+              <a:rPr lang="en-US" dirty="0" smtClean="0"/>
+              <a:t>Much </a:t>
+            </a:r>
+            <a:r>
+              <a:rPr lang="en-US" dirty="0" smtClean="0"/>
+              <a:t>data is “locked” in text </a:t>
+            </a:r>
+            <a:endParaRPr lang="en-US" dirty="0" smtClean="0"/>
+          </a:p>
+          <a:p>
             <a:r>
               <a:rPr lang="en-US" dirty="0"/>
-              <a:t>Right censoring</a:t>
+              <a:t>Electronic records of patients at academic medical centers not easy to combine for </a:t>
             </a:r>
             <a:r>
               <a:rPr lang="en-US" dirty="0" smtClean="0"/>
-              <a:t>”</a:t>
-            </a:r>
+              <a:t>aggregation</a:t>
+            </a:r>
+            <a:endParaRPr lang="en-US" dirty="0"/>
+          </a:p>
+          <a:p>
             <a:r>
               <a:rPr lang="en-US" dirty="0"/>
-              <a:t> </a:t>
+              <a:t>Even structured data not usable purely automated for clinical score </a:t>
             </a:r>
             <a:r>
               <a:rPr lang="en-US" dirty="0" smtClean="0"/>
-              <a:t>– Data </a:t>
-            </a:r>
-            <a:r>
-              <a:rPr lang="en-US" dirty="0"/>
-              <a:t>source may not cover long enough time interval</a:t>
-            </a:r>
-          </a:p>
-          <a:p>
-            <a:r>
-              <a:rPr lang="en-US" dirty="0"/>
-              <a:t>Data might not be captured from other clinical (other hospitals or health systems) or non-clinical (OTC drugs) settings</a:t>
-            </a:r>
-          </a:p>
-          <a:p>
-            <a:r>
-              <a:rPr lang="en-US" dirty="0"/>
-              <a:t>Bias in testing or treatment</a:t>
-            </a:r>
-          </a:p>
-          <a:p>
-            <a:r>
-              <a:rPr lang="en-US" dirty="0"/>
-              <a:t>Institutional or personal variation in practice or documentation styles</a:t>
-            </a:r>
-          </a:p>
-          <a:p>
-            <a:r>
-              <a:rPr lang="en-US" dirty="0"/>
-              <a:t>Inconsistent use of coding or standards</a:t>
-            </a:r>
+              <a:t>calculation</a:t>
+            </a:r>
+            <a:endParaRPr lang="en-US" dirty="0"/>
+          </a:p>
+          <a:p>
+            <a:endParaRPr lang="en-US" dirty="0" smtClean="0"/>
           </a:p>
         </p:txBody>
       </p:sp>
       <p:sp>
         <p:nvSpPr>
-          <p:cNvPr id="6" name="Content Placeholder 5"/>
+          <p:cNvPr id="4" name="Content Placeholder 3"/>
           <p:cNvSpPr>
             <a:spLocks noGrp="1"/>
           </p:cNvSpPr>
@@ -27288,23 +27648,105 @@
             <p:ph sz="quarter" idx="14"/>
           </p:nvPr>
         </p:nvSpPr>
-        <p:spPr/>
+        <p:spPr>
+          <a:xfrm>
+            <a:off x="224971" y="6555553"/>
+            <a:ext cx="8694058" cy="228600"/>
+          </a:xfrm>
+        </p:spPr>
         <p:txBody>
           <a:bodyPr/>
           <a:lstStyle/>
           <a:p>
             <a:r>
               <a:rPr lang="en-US" dirty="0"/>
+              <a:t>(de </a:t>
+            </a:r>
+            <a:r>
+              <a:rPr lang="en-US" dirty="0" err="1"/>
+              <a:t>Lusignan</a:t>
+            </a:r>
+            <a:r>
+              <a:rPr lang="en-US" dirty="0"/>
+              <a:t>, 2005</a:t>
+            </a:r>
+            <a:r>
+              <a:rPr lang="en-US" dirty="0" smtClean="0"/>
+              <a:t>), </a:t>
+            </a:r>
+            <a:r>
+              <a:rPr lang="en-US" dirty="0"/>
+              <a:t>(Manor-Shulman, 2008</a:t>
+            </a:r>
+            <a:r>
+              <a:rPr lang="en-US" dirty="0" smtClean="0"/>
+              <a:t>), </a:t>
+            </a:r>
+            <a:r>
+              <a:rPr lang="en-US" dirty="0" smtClean="0"/>
               <a:t>(</a:t>
             </a:r>
             <a:r>
+              <a:rPr lang="en-US" dirty="0"/>
+              <a:t>Bourgeois, 2010; </a:t>
+            </a:r>
+            <a:r>
               <a:rPr lang="en-US" dirty="0" err="1"/>
-              <a:t>Hersh</a:t>
+              <a:t>Finnell</a:t>
             </a:r>
             <a:r>
               <a:rPr lang="en-US" dirty="0"/>
-              <a:t>, 2013)</a:t>
-            </a:r>
+              <a:t>, 2011</a:t>
+            </a:r>
+            <a:r>
+              <a:rPr lang="en-US" dirty="0" smtClean="0"/>
+              <a:t>), </a:t>
+            </a:r>
+            <a:r>
+              <a:rPr lang="en-US" dirty="0" smtClean="0"/>
+              <a:t>(</a:t>
+            </a:r>
+            <a:r>
+              <a:rPr lang="en-US" dirty="0" err="1"/>
+              <a:t>Hripcsak</a:t>
+            </a:r>
+            <a:r>
+              <a:rPr lang="en-US" dirty="0"/>
+              <a:t>, 2012</a:t>
+            </a:r>
+            <a:r>
+              <a:rPr lang="en-US" dirty="0" smtClean="0"/>
+              <a:t>), </a:t>
+            </a:r>
+            <a:r>
+              <a:rPr lang="en-US" dirty="0"/>
+              <a:t>(</a:t>
+            </a:r>
+            <a:r>
+              <a:rPr lang="en-US" dirty="0" err="1"/>
+              <a:t>Broberg</a:t>
+            </a:r>
+            <a:r>
+              <a:rPr lang="en-US" dirty="0"/>
+              <a:t>, 2015</a:t>
+            </a:r>
+            <a:r>
+              <a:rPr lang="en-US" dirty="0" smtClean="0"/>
+              <a:t>), </a:t>
+            </a:r>
+            <a:r>
+              <a:rPr lang="en-US" dirty="0"/>
+              <a:t>(</a:t>
+            </a:r>
+            <a:r>
+              <a:rPr lang="en-US" dirty="0" err="1"/>
+              <a:t>Aakre</a:t>
+            </a:r>
+            <a:r>
+              <a:rPr lang="en-US" dirty="0"/>
+              <a:t>, 2017)</a:t>
+            </a:r>
+            <a:endParaRPr lang="en-US" dirty="0"/>
           </a:p>
         </p:txBody>
       </p:sp>
@@ -27314,13 +27756,21 @@
     </p:custDataLst>
     <p:extLst>
       <p:ext uri="{BB962C8B-B14F-4D97-AF65-F5344CB8AC3E}">
-        <p14:creationId xmlns:p14="http://schemas.microsoft.com/office/powerpoint/2010/main" val="1328259374"/>
+        <p14:creationId xmlns:p14="http://schemas.microsoft.com/office/powerpoint/2010/main" val="1255376777"/>
       </p:ext>
     </p:extLst>
   </p:cSld>
   <p:clrMapOvr>
     <a:masterClrMapping/>
   </p:clrMapOvr>
+  <mc:AlternateContent xmlns:mc="http://schemas.openxmlformats.org/markup-compatibility/2006" xmlns:p14="http://schemas.microsoft.com/office/powerpoint/2010/main">
+    <mc:Choice Requires="p14">
+      <p:transition spd="slow" p14:dur="2000"/>
+    </mc:Choice>
+    <mc:Fallback xmlns="">
+      <p:transition xmlns:p14="http://schemas.microsoft.com/office/powerpoint/2010/main" spd="slow"/>
+    </mc:Fallback>
+  </mc:AlternateContent>
   <p:timing>
     <p:tnLst>
       <p:par>
@@ -27367,7 +27817,7 @@
           <a:p>
             <a:r>
               <a:rPr lang="en-US" dirty="0" smtClean="0"/>
-              <a:t>Recommendations for use of operational EHR data</a:t>
+              <a:t>Caveats for use of operational EHR data – may be</a:t>
             </a:r>
             <a:endParaRPr lang="en-US" dirty="0"/>
           </a:p>
@@ -27385,15 +27835,82 @@
         </p:nvSpPr>
         <p:spPr/>
         <p:txBody>
-          <a:bodyPr/>
+          <a:bodyPr>
+            <a:normAutofit/>
+          </a:bodyPr>
           <a:lstStyle/>
           <a:p>
+            <a:r>
+              <a:rPr lang="en-US" dirty="0"/>
+              <a:t>I</a:t>
+            </a:r>
+            <a:r>
+              <a:rPr lang="en-US" dirty="0" smtClean="0"/>
+              <a:t>naccurate</a:t>
+            </a:r>
+          </a:p>
+          <a:p>
+            <a:r>
+              <a:rPr lang="en-US" dirty="0" smtClean="0"/>
+              <a:t>Incomplete</a:t>
+            </a:r>
+          </a:p>
+          <a:p>
+            <a:r>
+              <a:rPr lang="en-US" dirty="0"/>
+              <a:t>T</a:t>
+            </a:r>
+            <a:r>
+              <a:rPr lang="en-US" dirty="0" smtClean="0"/>
+              <a:t>ransformed in ways that undermine meaning</a:t>
+            </a:r>
+          </a:p>
+          <a:p>
+            <a:r>
+              <a:rPr lang="en-US" dirty="0" smtClean="0"/>
+              <a:t>Unrecoverable</a:t>
+            </a:r>
+          </a:p>
+          <a:p>
+            <a:r>
+              <a:rPr lang="en-US" dirty="0"/>
+              <a:t>O</a:t>
+            </a:r>
+            <a:r>
+              <a:rPr lang="en-US" dirty="0" smtClean="0"/>
+              <a:t>f unknown provenance</a:t>
+            </a:r>
+          </a:p>
+          <a:p>
+            <a:r>
+              <a:rPr lang="en-US" dirty="0"/>
+              <a:t>O</a:t>
+            </a:r>
+            <a:r>
+              <a:rPr lang="en-US" dirty="0" smtClean="0"/>
+              <a:t>f insufficient granularity</a:t>
+            </a:r>
+          </a:p>
+          <a:p>
+            <a:r>
+              <a:rPr lang="en-US" dirty="0"/>
+              <a:t>I</a:t>
+            </a:r>
+            <a:r>
+              <a:rPr lang="en-US" dirty="0" smtClean="0"/>
+              <a:t>ncompatible with research protocols</a:t>
+            </a:r>
+          </a:p>
+          <a:p>
+            <a:endParaRPr lang="en-US" dirty="0"/>
+          </a:p>
+          <a:p>
             <a:pPr marL="0" indent="0">
               <a:buNone/>
             </a:pPr>
             <a:r>
               <a:rPr lang="en-US" dirty="0"/>
-              <a:t>Table from </a:t>
+              <a:t>Figure from </a:t>
             </a:r>
             <a:r>
               <a:rPr lang="en-US" dirty="0" err="1"/>
@@ -27401,30 +27918,22 @@
             </a:r>
             <a:r>
               <a:rPr lang="en-US" dirty="0"/>
-              <a:t>, WR, </a:t>
+              <a:t>, WR, Weiner, MG, et al. (2013). Caveats for the use of operational electronic health record data in comparative effectiveness research. Medical Care. 51(</a:t>
             </a:r>
             <a:r>
               <a:rPr lang="en-US" dirty="0" err="1"/>
-              <a:t>Cimino</a:t>
+              <a:t>Suppl</a:t>
             </a:r>
             <a:r>
               <a:rPr lang="en-US" dirty="0"/>
-              <a:t>, JJ, et al. (2013). Recommendations for the use of operational electronic health record data in comparative effectiveness research. </a:t>
-            </a:r>
-            <a:r>
-              <a:rPr lang="en-US" dirty="0" err="1"/>
-              <a:t>eGEMs</a:t>
-            </a:r>
-            <a:r>
-              <a:rPr lang="en-US" dirty="0"/>
-              <a:t> (Generating Evidence &amp; Methods to improve patient outcomes). 1: 14. </a:t>
+              <a:t> 3): S30-S37.</a:t>
             </a:r>
           </a:p>
         </p:txBody>
       </p:sp>
       <p:sp>
         <p:nvSpPr>
-          <p:cNvPr id="4" name="Content Placeholder 3"/>
+          <p:cNvPr id="7" name="Content Placeholder 6"/>
           <p:cNvSpPr>
             <a:spLocks noGrp="1"/>
           </p:cNvSpPr>
@@ -27447,7 +27956,7 @@
             </a:r>
             <a:r>
               <a:rPr lang="en-US" dirty="0"/>
-              <a:t>, 2013)</a:t>
+              <a:t>, 2013) </a:t>
             </a:r>
           </a:p>
         </p:txBody>
@@ -27472,8 +27981,8 @@
         </p:blipFill>
         <p:spPr>
           <a:xfrm>
-            <a:off x="3943350" y="2800350"/>
-            <a:ext cx="1257300" cy="1257300"/>
+            <a:off x="5867400" y="5828249"/>
+            <a:ext cx="761463" cy="761463"/>
           </a:xfrm>
           <a:prstGeom prst="rect">
             <a:avLst/>
@@ -27486,7 +27995,7 @@
     </p:custDataLst>
     <p:extLst>
       <p:ext uri="{BB962C8B-B14F-4D97-AF65-F5344CB8AC3E}">
-        <p14:creationId xmlns:p14="http://schemas.microsoft.com/office/powerpoint/2010/main" val="3485531583"/>
+        <p14:creationId xmlns:p14="http://schemas.microsoft.com/office/powerpoint/2010/main" val="3025236689"/>
       </p:ext>
     </p:extLst>
   </p:cSld>
@@ -27538,8 +28047,20 @@
           <a:lstStyle/>
           <a:p>
             <a:r>
+              <a:rPr lang="en-US" dirty="0"/>
+              <a:t>Many </a:t>
+            </a:r>
+            <a:r>
               <a:rPr lang="en-US" dirty="0" smtClean="0"/>
-              <a:t>Apply an evidence-based medicine approach?</a:t>
+              <a:t>“</a:t>
+            </a:r>
+            <a:r>
+              <a:rPr lang="en-US" dirty="0"/>
+              <a:t>idiosyncrasies</a:t>
+            </a:r>
+            <a:r>
+              <a:rPr lang="en-US" dirty="0" smtClean="0"/>
+              <a:t>” of clinical data</a:t>
             </a:r>
             <a:endParaRPr lang="en-US" dirty="0"/>
           </a:p>
@@ -27564,154 +28085,58 @@
           <a:p>
             <a:r>
               <a:rPr lang="en-US" dirty="0" smtClean="0"/>
-              <a:t>Ask </a:t>
+              <a:t>“Left censoring” – First instance of disease in record may not be when first manifested</a:t>
+            </a:r>
+          </a:p>
+          <a:p>
+            <a:r>
+              <a:rPr lang="en-US" dirty="0" smtClean="0"/>
+              <a:t>“</a:t>
             </a:r>
             <a:r>
               <a:rPr lang="en-US" dirty="0"/>
-              <a:t>an answerable </a:t>
+              <a:t>Right censoring</a:t>
             </a:r>
             <a:r>
               <a:rPr lang="en-US" dirty="0" smtClean="0"/>
-              <a:t>question</a:t>
-            </a:r>
-          </a:p>
-          <a:p>
-            <a:pPr lvl="1"/>
+              <a:t>”</a:t>
+            </a:r>
             <a:r>
               <a:rPr lang="en-US" dirty="0"/>
-              <a:t>C</a:t>
+              <a:t> </a:t>
             </a:r>
             <a:r>
               <a:rPr lang="en-US" dirty="0" smtClean="0"/>
-              <a:t>an </a:t>
+              <a:t>– Data </a:t>
             </a:r>
             <a:r>
               <a:rPr lang="en-US" dirty="0"/>
-              <a:t>question be answered by the data we have?</a:t>
-            </a:r>
-          </a:p>
-          <a:p>
-            <a:r>
-              <a:rPr lang="en-US" dirty="0" smtClean="0"/>
-              <a:t>Find </a:t>
-            </a:r>
+              <a:t>source may not cover long enough time interval</a:t>
+            </a:r>
+          </a:p>
+          <a:p>
             <a:r>
               <a:rPr lang="en-US" dirty="0"/>
-              <a:t>the best </a:t>
-            </a:r>
-            <a:r>
-              <a:rPr lang="en-US" dirty="0" smtClean="0"/>
-              <a:t>evidence</a:t>
-            </a:r>
-          </a:p>
-          <a:p>
-            <a:pPr lvl="1"/>
+              <a:t>Data might not be captured from other clinical (other hospitals or health systems) or non-clinical (OTC drugs) settings</a:t>
+            </a:r>
+          </a:p>
+          <a:p>
             <a:r>
               <a:rPr lang="en-US" dirty="0"/>
-              <a:t>I</a:t>
-            </a:r>
-            <a:r>
-              <a:rPr lang="en-US" dirty="0" smtClean="0"/>
-              <a:t>n </a:t>
-            </a:r>
+              <a:t>Bias in testing or treatment</a:t>
+            </a:r>
+          </a:p>
+          <a:p>
             <a:r>
               <a:rPr lang="en-US" dirty="0"/>
-              <a:t>this case, </a:t>
-            </a:r>
-            <a:r>
-              <a:rPr lang="en-US" dirty="0" smtClean="0"/>
-              <a:t>best </a:t>
-            </a:r>
+              <a:t>Institutional or personal variation in practice or documentation styles</a:t>
+            </a:r>
+          </a:p>
+          <a:p>
             <a:r>
               <a:rPr lang="en-US" dirty="0"/>
-              <a:t>evidence is </a:t>
-            </a:r>
-            <a:r>
-              <a:rPr lang="en-US" dirty="0" smtClean="0"/>
-              <a:t>EHR </a:t>
-            </a:r>
-            <a:r>
-              <a:rPr lang="en-US" dirty="0"/>
-              <a:t>data needed to answer the question</a:t>
-            </a:r>
-          </a:p>
-          <a:p>
-            <a:r>
-              <a:rPr lang="en-US" dirty="0" smtClean="0"/>
-              <a:t>Critically </a:t>
-            </a:r>
-            <a:r>
-              <a:rPr lang="en-US" dirty="0"/>
-              <a:t>appraise the </a:t>
-            </a:r>
-            <a:r>
-              <a:rPr lang="en-US" dirty="0" smtClean="0"/>
-              <a:t>evidence</a:t>
-            </a:r>
-          </a:p>
-          <a:p>
-            <a:pPr lvl="1"/>
-            <a:r>
-              <a:rPr lang="en-US" dirty="0"/>
-              <a:t>D</a:t>
-            </a:r>
-            <a:r>
-              <a:rPr lang="en-US" dirty="0" smtClean="0"/>
-              <a:t>oes </a:t>
-            </a:r>
-            <a:r>
-              <a:rPr lang="en-US" dirty="0"/>
-              <a:t>the data answer the question</a:t>
-            </a:r>
-            <a:r>
-              <a:rPr lang="en-US" dirty="0" smtClean="0"/>
-              <a:t>?</a:t>
-            </a:r>
-          </a:p>
-          <a:p>
-            <a:pPr lvl="1"/>
-            <a:r>
-              <a:rPr lang="en-US" dirty="0" smtClean="0"/>
-              <a:t>Are </a:t>
-            </a:r>
-            <a:r>
-              <a:rPr lang="en-US" dirty="0"/>
-              <a:t>there confounders?</a:t>
-            </a:r>
-          </a:p>
-          <a:p>
-            <a:r>
-              <a:rPr lang="en-US" dirty="0" smtClean="0"/>
-              <a:t>Apply </a:t>
-            </a:r>
-            <a:r>
-              <a:rPr lang="en-US" dirty="0"/>
-              <a:t>it to the patient </a:t>
-            </a:r>
-            <a:r>
-              <a:rPr lang="en-US" dirty="0" smtClean="0"/>
-              <a:t>situation</a:t>
-            </a:r>
-          </a:p>
-          <a:p>
-            <a:pPr lvl="1"/>
-            <a:r>
-              <a:rPr lang="en-US" dirty="0"/>
-              <a:t>C</a:t>
-            </a:r>
-            <a:r>
-              <a:rPr lang="en-US" dirty="0" smtClean="0"/>
-              <a:t>an </a:t>
-            </a:r>
-            <a:r>
-              <a:rPr lang="en-US" dirty="0"/>
-              <a:t>the data be applied to this setting</a:t>
-            </a:r>
-            <a:r>
-              <a:rPr lang="en-US" dirty="0" smtClean="0"/>
-              <a:t>?</a:t>
-            </a:r>
-            <a:endParaRPr lang="en-US" dirty="0"/>
+              <a:t>Inconsistent use of coding or standards</a:t>
+            </a:r>
           </a:p>
         </p:txBody>
       </p:sp>
@@ -27740,13 +28165,8 @@
             </a:r>
             <a:r>
               <a:rPr lang="en-US" dirty="0"/>
-              <a:t>, 2013</a:t>
-            </a:r>
-            <a:r>
-              <a:rPr lang="en-US" dirty="0" smtClean="0"/>
-              <a:t>)</a:t>
-            </a:r>
-            <a:endParaRPr lang="en-US" dirty="0"/>
+              <a:t>, 2013)</a:t>
+            </a:r>
           </a:p>
         </p:txBody>
       </p:sp>
@@ -27756,7 +28176,7 @@
     </p:custDataLst>
     <p:extLst>
       <p:ext uri="{BB962C8B-B14F-4D97-AF65-F5344CB8AC3E}">
-        <p14:creationId xmlns:p14="http://schemas.microsoft.com/office/powerpoint/2010/main" val="3429659624"/>
+        <p14:creationId xmlns:p14="http://schemas.microsoft.com/office/powerpoint/2010/main" val="1328259374"/>
       </p:ext>
     </p:extLst>
   </p:cSld>
@@ -27802,12 +28222,14 @@
         </p:nvSpPr>
         <p:spPr/>
         <p:txBody>
-          <a:bodyPr/>
+          <a:bodyPr>
+            <a:normAutofit fontScale="90000"/>
+          </a:bodyPr>
           <a:lstStyle/>
           <a:p>
             <a:r>
               <a:rPr lang="en-US" dirty="0" smtClean="0"/>
-              <a:t>Who does/should do data analytics?</a:t>
+              <a:t>Recommendations for use of operational EHR data</a:t>
             </a:r>
             <a:endParaRPr lang="en-US" dirty="0"/>
           </a:p>
@@ -27825,109 +28247,46 @@
         </p:nvSpPr>
         <p:spPr/>
         <p:txBody>
-          <a:bodyPr>
-            <a:normAutofit/>
-          </a:bodyPr>
+          <a:bodyPr/>
           <a:lstStyle/>
           <a:p>
-            <a:r>
-              <a:rPr lang="en-US" dirty="0" smtClean="0"/>
-              <a:t>Data scientists – the “sexiest profession of the 21</a:t>
-            </a:r>
-            <a:r>
-              <a:rPr lang="en-US" baseline="30000" dirty="0" smtClean="0"/>
-              <a:t>st</a:t>
-            </a:r>
-            <a:r>
-              <a:rPr lang="en-US" dirty="0" smtClean="0"/>
-              <a:t> century” </a:t>
-            </a:r>
-          </a:p>
-          <a:p>
-            <a:r>
-              <a:rPr lang="en-US" dirty="0" smtClean="0"/>
-              <a:t>Key skill sets include</a:t>
-            </a:r>
-          </a:p>
-          <a:p>
-            <a:pPr lvl="1"/>
+            <a:pPr marL="0" indent="0">
+              <a:buNone/>
+            </a:pPr>
             <a:r>
               <a:rPr lang="en-US" dirty="0"/>
-              <a:t>M</a:t>
-            </a:r>
-            <a:r>
-              <a:rPr lang="en-US" dirty="0" smtClean="0"/>
-              <a:t>achine learning, </a:t>
+              <a:t>Table from </a:t>
+            </a:r>
+            <a:r>
+              <a:rPr lang="en-US" dirty="0" err="1"/>
+              <a:t>Hersh</a:t>
             </a:r>
             <a:r>
               <a:rPr lang="en-US" dirty="0"/>
-              <a:t>based upon a foundation of statistics (especially Bayesian), computer science (representation and manipulation of data), and knowledge of correlation and causation (modeling</a:t>
-            </a:r>
-            <a:r>
-              <a:rPr lang="en-US" dirty="0" smtClean="0"/>
-              <a:t>) </a:t>
-            </a:r>
-          </a:p>
-          <a:p>
-            <a:pPr lvl="1"/>
+              <a:t>, WR, </a:t>
+            </a:r>
+            <a:r>
+              <a:rPr lang="en-US" dirty="0" err="1"/>
+              <a:t>Cimino</a:t>
+            </a:r>
             <a:r>
               <a:rPr lang="en-US" dirty="0"/>
-              <a:t>IBM </a:t>
-            </a:r>
-            <a:r>
-              <a:rPr lang="en-US" dirty="0" smtClean="0"/>
-              <a:t>– both </a:t>
+              <a:t>, JJ, et al. (2013). Recommendations for the use of operational electronic health record data in comparative effectiveness research. </a:t>
+            </a:r>
+            <a:r>
+              <a:rPr lang="en-US" dirty="0" err="1"/>
+              <a:t>eGEMs</a:t>
             </a:r>
             <a:r>
               <a:rPr lang="en-US" dirty="0"/>
-              <a:t>“numerate” and business-oriented </a:t>
-            </a:r>
-            <a:r>
-              <a:rPr lang="en-US" dirty="0" smtClean="0"/>
-              <a:t>skills </a:t>
-            </a:r>
-          </a:p>
-          <a:p>
-            <a:pPr lvl="1"/>
-            <a:r>
-              <a:rPr lang="en-US" dirty="0"/>
-              <a:t>NIH </a:t>
-            </a:r>
-            <a:r>
-              <a:rPr lang="en-US" dirty="0" smtClean="0"/>
-              <a:t>– big data researchers need training in quantitative </a:t>
-            </a:r>
-            <a:r>
-              <a:rPr lang="en-US" dirty="0"/>
-              <a:t>sciences, domain expertise, </a:t>
-            </a:r>
-            <a:r>
-              <a:rPr lang="en-US" dirty="0" smtClean="0"/>
-              <a:t>ability </a:t>
-            </a:r>
-            <a:r>
-              <a:rPr lang="en-US" dirty="0"/>
-              <a:t>to work in diverse </a:t>
-            </a:r>
-            <a:r>
-              <a:rPr lang="en-US" dirty="0" smtClean="0"/>
-              <a:t>teams, and understanding </a:t>
-            </a:r>
-            <a:r>
-              <a:rPr lang="en-US" dirty="0"/>
-              <a:t>concepts of managing and sharing </a:t>
-            </a:r>
-            <a:r>
-              <a:rPr lang="en-US" dirty="0" smtClean="0"/>
-              <a:t>data </a:t>
-            </a:r>
-            <a:endParaRPr lang="en-US" dirty="0"/>
+              <a:t> (Generating Evidence &amp; Methods to improve patient outcomes). 1: 14. </a:t>
+            </a:r>
           </a:p>
         </p:txBody>
       </p:sp>
       <p:sp>
         <p:nvSpPr>
-          <p:cNvPr id="6" name="Content Placeholder 5"/>
+          <p:cNvPr id="4" name="Content Placeholder 3"/>
           <p:cNvSpPr>
             <a:spLocks noGrp="1"/>
           </p:cNvSpPr>
@@ -27935,58 +28294,61 @@
             <p:ph sz="quarter" idx="14"/>
           </p:nvPr>
         </p:nvSpPr>
-        <p:spPr>
-          <a:xfrm>
-            <a:off x="2286000" y="6555553"/>
-            <a:ext cx="6633029" cy="228600"/>
-          </a:xfrm>
-        </p:spPr>
+        <p:spPr/>
         <p:txBody>
           <a:bodyPr/>
           <a:lstStyle/>
           <a:p>
             <a:r>
               <a:rPr lang="en-US" dirty="0"/>
-              <a:t>(Davenport, 2012</a:t>
-            </a:r>
-            <a:r>
-              <a:rPr lang="en-US" dirty="0" smtClean="0"/>
-              <a:t>), (</a:t>
+              <a:t>(</a:t>
             </a:r>
             <a:r>
               <a:rPr lang="en-US" dirty="0" err="1"/>
-              <a:t>Dhar</a:t>
+              <a:t>Hersh</a:t>
             </a:r>
             <a:r>
               <a:rPr lang="en-US" dirty="0"/>
-              <a:t>, 2013</a:t>
-            </a:r>
-            <a:r>
-              <a:rPr lang="en-US" dirty="0" smtClean="0"/>
-              <a:t>), (</a:t>
-            </a:r>
-            <a:r>
-              <a:rPr lang="en-US" dirty="0"/>
-              <a:t>Fraser, 2013</a:t>
-            </a:r>
-            <a:r>
-              <a:rPr lang="en-US" dirty="0" smtClean="0"/>
-              <a:t>), (</a:t>
-            </a:r>
-            <a:r>
-              <a:rPr lang="en-US" dirty="0"/>
-              <a:t>NIH, 2013)</a:t>
+              <a:t>, 2013)</a:t>
             </a:r>
           </a:p>
         </p:txBody>
       </p:sp>
+      <p:pic>
+        <p:nvPicPr>
+          <p:cNvPr id="8" name="Picture 7"/>
+          <p:cNvPicPr/>
+          <p:nvPr/>
+        </p:nvPicPr>
+        <p:blipFill>
+          <a:blip r:embed="rId4" cstate="email">
+            <a:extLst>
+              <a:ext uri="{28A0092B-C50C-407E-A947-70E740481C1C}">
+                <a14:useLocalDpi xmlns:a14="http://schemas.microsoft.com/office/drawing/2010/main" val="0"/>
+              </a:ext>
+            </a:extLst>
+          </a:blip>
+          <a:stretch>
+            <a:fillRect/>
+          </a:stretch>
+        </p:blipFill>
+        <p:spPr>
+          <a:xfrm>
+            <a:off x="3943350" y="2800350"/>
+            <a:ext cx="1257300" cy="1257300"/>
+          </a:xfrm>
+          <a:prstGeom prst="rect">
+            <a:avLst/>
+          </a:prstGeom>
+        </p:spPr>
+      </p:pic>
     </p:spTree>
     <p:custDataLst>
       <p:tags r:id="rId1"/>
     </p:custDataLst>
     <p:extLst>
       <p:ext uri="{BB962C8B-B14F-4D97-AF65-F5344CB8AC3E}">
-        <p14:creationId xmlns:p14="http://schemas.microsoft.com/office/powerpoint/2010/main" val="358303801"/>
+        <p14:creationId xmlns:p14="http://schemas.microsoft.com/office/powerpoint/2010/main" val="3485531583"/>
       </p:ext>
     </p:extLst>
   </p:cSld>
@@ -28032,12 +28394,14 @@
         </p:nvSpPr>
         <p:spPr/>
         <p:txBody>
-          <a:bodyPr/>
+          <a:bodyPr>
+            <a:normAutofit/>
+          </a:bodyPr>
           <a:lstStyle/>
           <a:p>
             <a:r>
               <a:rPr lang="en-US" dirty="0" smtClean="0"/>
-              <a:t>How many are needed?</a:t>
+              <a:t>Apply an evidence-based medicine approach?</a:t>
             </a:r>
             <a:endParaRPr lang="en-US" dirty="0"/>
           </a:p>
@@ -28061,58 +28425,155 @@
           <a:lstStyle/>
           <a:p>
             <a:r>
+              <a:rPr lang="en-US" dirty="0" smtClean="0"/>
+              <a:t>Ask </a:t>
+            </a:r>
+            <a:r>
               <a:rPr lang="en-US" dirty="0"/>
-              <a:t>McKinsey </a:t>
+              <a:t>an answerable </a:t>
             </a:r>
             <a:r>
               <a:rPr lang="en-US" dirty="0" smtClean="0"/>
-              <a:t>– need in US in all industries (not just healthcare) for</a:t>
+              <a:t>question</a:t>
             </a:r>
           </a:p>
           <a:p>
             <a:pPr lvl="1"/>
             <a:r>
+              <a:rPr lang="en-US" dirty="0"/>
+              <a:t>C</a:t>
+            </a:r>
+            <a:r>
               <a:rPr lang="en-US" dirty="0" smtClean="0"/>
-              <a:t>140,000</a:t>
+              <a:t>an </a:t>
             </a:r>
             <a:r>
               <a:rPr lang="en-US" dirty="0"/>
-              <a:t>-190,000 individuals who have “deep analytical talent</a:t>
-            </a:r>
+              <a:t>question be answered by the data we have?</a:t>
+            </a:r>
+          </a:p>
+          <a:p>
             <a:r>
               <a:rPr lang="en-US" dirty="0" smtClean="0"/>
-              <a:t>”</a:t>
+              <a:t>Find </a:t>
+            </a:r>
+            <a:r>
+              <a:rPr lang="en-US" dirty="0"/>
+              <a:t>the best </a:t>
+            </a:r>
+            <a:r>
+              <a:rPr lang="en-US" dirty="0" smtClean="0"/>
+              <a:t>evidence</a:t>
             </a:r>
           </a:p>
           <a:p>
             <a:pPr lvl="1"/>
             <a:r>
+              <a:rPr lang="en-US" dirty="0"/>
+              <a:t>I</a:t>
+            </a:r>
+            <a:r>
               <a:rPr lang="en-US" dirty="0" smtClean="0"/>
-              <a:t>1.5 </a:t>
+              <a:t>n </a:t>
             </a:r>
             <a:r>
               <a:rPr lang="en-US" dirty="0"/>
-              <a:t>million “data-savvy managers needed to take full advantage of big data” </a:t>
-            </a:r>
-            <a:endParaRPr lang="en-US" dirty="0" smtClean="0"/>
-          </a:p>
-          <a:p>
+              <a:t>this case, </a:t>
+            </a:r>
             <a:r>
               <a:rPr lang="en-US" dirty="0" smtClean="0"/>
-              <a:t>In UK, estimated by 2018</a:t>
+              <a:t>best </a:t>
             </a:r>
             <a:r>
               <a:rPr lang="en-US" dirty="0"/>
-              <a:t> </a:t>
+              <a:t>evidence is </a:t>
             </a:r>
             <a:r>
               <a:rPr lang="en-US" dirty="0" smtClean="0"/>
-              <a:t>will </a:t>
+              <a:t>EHR </a:t>
             </a:r>
             <a:r>
               <a:rPr lang="en-US" dirty="0"/>
-              <a:t>be over 6400 organizations that will hire 100 or more analytics staff </a:t>
-            </a:r>
+              <a:t>data needed to answer the question</a:t>
+            </a:r>
+          </a:p>
+          <a:p>
+            <a:r>
+              <a:rPr lang="en-US" dirty="0" smtClean="0"/>
+              <a:t>Critically </a:t>
+            </a:r>
+            <a:r>
+              <a:rPr lang="en-US" dirty="0"/>
+              <a:t>appraise the </a:t>
+            </a:r>
+            <a:r>
+              <a:rPr lang="en-US" dirty="0" smtClean="0"/>
+              <a:t>evidence</a:t>
+            </a:r>
+          </a:p>
+          <a:p>
+            <a:pPr lvl="1"/>
+            <a:r>
+              <a:rPr lang="en-US" dirty="0"/>
+              <a:t>D</a:t>
+            </a:r>
+            <a:r>
+              <a:rPr lang="en-US" dirty="0" smtClean="0"/>
+              <a:t>oes </a:t>
+            </a:r>
+            <a:r>
+              <a:rPr lang="en-US" dirty="0"/>
+              <a:t>the data answer the question</a:t>
+            </a:r>
+            <a:r>
+              <a:rPr lang="en-US" dirty="0" smtClean="0"/>
+              <a:t>?</a:t>
+            </a:r>
+          </a:p>
+          <a:p>
+            <a:pPr lvl="1"/>
+            <a:r>
+              <a:rPr lang="en-US" dirty="0" smtClean="0"/>
+              <a:t>Are </a:t>
+            </a:r>
+            <a:r>
+              <a:rPr lang="en-US" dirty="0"/>
+              <a:t>there confounders?</a:t>
+            </a:r>
+          </a:p>
+          <a:p>
+            <a:r>
+              <a:rPr lang="en-US" dirty="0" smtClean="0"/>
+              <a:t>Apply </a:t>
+            </a:r>
+            <a:r>
+              <a:rPr lang="en-US" dirty="0"/>
+              <a:t>it to the patient </a:t>
+            </a:r>
+            <a:r>
+              <a:rPr lang="en-US" dirty="0" smtClean="0"/>
+              <a:t>situation</a:t>
+            </a:r>
+          </a:p>
+          <a:p>
+            <a:pPr lvl="1"/>
+            <a:r>
+              <a:rPr lang="en-US" dirty="0"/>
+              <a:t>C</a:t>
+            </a:r>
+            <a:r>
+              <a:rPr lang="en-US" dirty="0" smtClean="0"/>
+              <a:t>an </a:t>
+            </a:r>
+            <a:r>
+              <a:rPr lang="en-US" dirty="0"/>
+              <a:t>the data be applied to this setting</a:t>
+            </a:r>
+            <a:r>
+              <a:rPr lang="en-US" dirty="0" smtClean="0"/>
+              <a:t>?</a:t>
+            </a:r>
+            <a:endParaRPr lang="en-US" dirty="0"/>
           </a:p>
         </p:txBody>
       </p:sp>
@@ -28126,12 +28587,7 @@
             <p:ph sz="quarter" idx="14"/>
           </p:nvPr>
         </p:nvSpPr>
-        <p:spPr>
-          <a:xfrm>
-            <a:off x="2209800" y="6555553"/>
-            <a:ext cx="6709229" cy="228600"/>
-          </a:xfrm>
-        </p:spPr>
+        <p:spPr/>
         <p:txBody>
           <a:bodyPr/>
           <a:lstStyle/>
@@ -28142,22 +28598,16 @@
             </a:r>
             <a:r>
               <a:rPr lang="en-US" dirty="0" err="1"/>
-              <a:t>Manyika</a:t>
+              <a:t>Hersh</a:t>
             </a:r>
             <a:r>
               <a:rPr lang="en-US" dirty="0"/>
-              <a:t>, 2011</a:t>
+              <a:t>, 2013</a:t>
             </a:r>
             <a:r>
               <a:rPr lang="en-US" dirty="0" smtClean="0"/>
-              <a:t>), (</a:t>
-            </a:r>
-            <a:r>
-              <a:rPr lang="en-US" dirty="0"/>
-              <a:t>SAS, 2013)</a:t>
-            </a:r>
-          </a:p>
-          <a:p>
+              <a:t>)</a:t>
+            </a:r>
             <a:endParaRPr lang="en-US" dirty="0"/>
           </a:p>
         </p:txBody>
@@ -28168,7 +28618,7 @@
     </p:custDataLst>
     <p:extLst>
       <p:ext uri="{BB962C8B-B14F-4D97-AF65-F5344CB8AC3E}">
-        <p14:creationId xmlns:p14="http://schemas.microsoft.com/office/powerpoint/2010/main" val="1662425968"/>
+        <p14:creationId xmlns:p14="http://schemas.microsoft.com/office/powerpoint/2010/main" val="3429659624"/>
       </p:ext>
     </p:extLst>
   </p:cSld>
@@ -28214,14 +28664,12 @@
         </p:nvSpPr>
         <p:spPr/>
         <p:txBody>
-          <a:bodyPr>
-            <a:normAutofit/>
-          </a:bodyPr>
+          <a:bodyPr/>
           <a:lstStyle/>
           <a:p>
             <a:r>
               <a:rPr lang="en-US" dirty="0" smtClean="0"/>
-              <a:t>What skills are needed?</a:t>
+              <a:t>Who does/should do data analytics?</a:t>
             </a:r>
             <a:endParaRPr lang="en-US" dirty="0"/>
           </a:p>
@@ -28246,55 +28694,94 @@
           <a:p>
             <a:r>
               <a:rPr lang="en-US" dirty="0" smtClean="0"/>
-              <a:t>Programming – especially </a:t>
-            </a:r>
+              <a:t>Data scientists – the “sexiest profession of the 21</a:t>
+            </a:r>
+            <a:r>
+              <a:rPr lang="en-US" baseline="30000" dirty="0" smtClean="0"/>
+              <a:t>st</a:t>
+            </a:r>
+            <a:r>
+              <a:rPr lang="en-US" dirty="0" smtClean="0"/>
+              <a:t> century” </a:t>
+            </a:r>
+          </a:p>
+          <a:p>
+            <a:r>
+              <a:rPr lang="en-US" dirty="0" smtClean="0"/>
+              <a:t>Key skill sets include</a:t>
+            </a:r>
+          </a:p>
+          <a:p>
+            <a:pPr lvl="1"/>
             <a:r>
               <a:rPr lang="en-US" dirty="0"/>
-              <a:t>with data-oriented tools, such as SQL and statistical </a:t>
+              <a:t>M</a:t>
             </a:r>
             <a:r>
               <a:rPr lang="en-US" dirty="0" smtClean="0"/>
-              <a:t>packages</a:t>
-            </a:r>
-            <a:endParaRPr lang="en-US" dirty="0"/>
-          </a:p>
-          <a:p>
+              <a:t>achine learning, </a:t>
+            </a:r>
+            <a:r>
+              <a:rPr lang="en-US" dirty="0"/>
+              <a:t>based upon a foundation of statistics (especially Bayesian), computer science (representation and manipulation of data), and knowledge of correlation and causation (modeling</a:t>
+            </a:r>
             <a:r>
               <a:rPr lang="en-US" dirty="0" smtClean="0"/>
-              <a:t>Statistics – working </a:t>
-            </a:r>
+              <a:t>) </a:t>
+            </a:r>
+          </a:p>
+          <a:p>
+            <a:pPr lvl="1"/>
             <a:r>
               <a:rPr lang="en-US" dirty="0"/>
-              <a:t>knowledge to apply tools and techniques</a:t>
-            </a:r>
-          </a:p>
-          <a:p>
+              <a:t>IBM </a:t>
+            </a:r>
             <a:r>
               <a:rPr lang="en-US" dirty="0" smtClean="0"/>
-              <a:t>Domain knowledge</a:t>
-            </a:r>
-            <a:endParaRPr lang="en-US" dirty="0"/>
-          </a:p>
-          <a:p>
+              <a:t>– both </a:t>
+            </a:r>
+            <a:r>
+              <a:rPr lang="en-US" dirty="0"/>
+              <a:t>“numerate” and business-oriented </a:t>
+            </a:r>
             <a:r>
               <a:rPr lang="en-US" dirty="0" smtClean="0"/>
-              <a:t>Communication – ability to </a:t>
-            </a:r>
+              <a:t>skills </a:t>
+            </a:r>
+          </a:p>
+          <a:p>
+            <a:pPr lvl="1"/>
             <a:r>
               <a:rPr lang="en-US" dirty="0"/>
-              <a:t>understand needs of people and organizations and articulate results back to them</a:t>
-            </a:r>
-          </a:p>
-          <a:p>
-            <a:pPr marL="0" indent="0">
-              <a:buNone/>
-            </a:pPr>
-            <a:endParaRPr lang="en-US" dirty="0" smtClean="0"/>
-          </a:p>
-          <a:p>
+              <a:t>NIH </a:t>
+            </a:r>
             <a:r>
               <a:rPr lang="en-US" dirty="0" smtClean="0"/>
-              <a:t>Is this informatics? Or a specialization of informatics? Or something totally different?</a:t>
+              <a:t>– big data researchers need training in quantitative </a:t>
+            </a:r>
+            <a:r>
+              <a:rPr lang="en-US" dirty="0"/>
+              <a:t>sciences, domain expertise, </a:t>
+            </a:r>
+            <a:r>
+              <a:rPr lang="en-US" dirty="0" smtClean="0"/>
+              <a:t>ability </a:t>
+            </a:r>
+            <a:r>
+              <a:rPr lang="en-US" dirty="0"/>
+              <a:t>to work in diverse </a:t>
+            </a:r>
+            <a:r>
+              <a:rPr lang="en-US" dirty="0" smtClean="0"/>
+              <a:t>teams, and understanding </a:t>
+            </a:r>
+            <a:r>
+              <a:rPr lang="en-US" dirty="0"/>
+              <a:t>concepts of managing and sharing </a:t>
+            </a:r>
+            <a:r>
+              <a:rPr lang="en-US" dirty="0" smtClean="0"/>
+              <a:t>data </a:t>
             </a:r>
             <a:endParaRPr lang="en-US" dirty="0"/>
           </a:p>
@@ -28310,22 +28797,47 @@
             <p:ph sz="quarter" idx="14"/>
           </p:nvPr>
         </p:nvSpPr>
-        <p:spPr/>
+        <p:spPr>
+          <a:xfrm>
+            <a:off x="2286000" y="6555553"/>
+            <a:ext cx="6633029" cy="228600"/>
+          </a:xfrm>
+        </p:spPr>
         <p:txBody>
           <a:bodyPr/>
           <a:lstStyle/>
           <a:p>
             <a:r>
               <a:rPr lang="en-US" dirty="0"/>
-              <a:t>(</a:t>
+              <a:t>(Davenport, 2012</a:t>
+            </a:r>
+            <a:r>
+              <a:rPr lang="en-US" dirty="0" smtClean="0"/>
+              <a:t>), (</a:t>
             </a:r>
             <a:r>
               <a:rPr lang="en-US" dirty="0" err="1"/>
-              <a:t>Hersh</a:t>
+              <a:t>Dhar</a:t>
             </a:r>
             <a:r>
               <a:rPr lang="en-US" dirty="0"/>
-              <a:t>, 2014)</a:t>
+              <a:t>, 2013</a:t>
+            </a:r>
+            <a:r>
+              <a:rPr lang="en-US" dirty="0" smtClean="0"/>
+              <a:t>), (</a:t>
+            </a:r>
+            <a:r>
+              <a:rPr lang="en-US" dirty="0"/>
+              <a:t>Fraser, 2013</a:t>
+            </a:r>
+            <a:r>
+              <a:rPr lang="en-US" dirty="0" smtClean="0"/>
+              <a:t>), (</a:t>
+            </a:r>
+            <a:r>
+              <a:rPr lang="en-US" dirty="0"/>
+              <a:t>NIH, 2013)</a:t>
             </a:r>
           </a:p>
         </p:txBody>
@@ -28336,7 +28848,7 @@
     </p:custDataLst>
     <p:extLst>
       <p:ext uri="{BB962C8B-B14F-4D97-AF65-F5344CB8AC3E}">
-        <p14:creationId xmlns:p14="http://schemas.microsoft.com/office/powerpoint/2010/main" val="2443675644"/>
+        <p14:creationId xmlns:p14="http://schemas.microsoft.com/office/powerpoint/2010/main" val="358303801"/>
       </p:ext>
     </p:extLst>
   </p:cSld>
@@ -28464,6 +28976,340 @@
         </p:nvSpPr>
         <p:spPr/>
         <p:txBody>
+          <a:bodyPr/>
+          <a:lstStyle/>
+          <a:p>
+            <a:r>
+              <a:rPr lang="en-US" dirty="0" smtClean="0"/>
+              <a:t>How many are needed?</a:t>
+            </a:r>
+            <a:endParaRPr lang="en-US" dirty="0"/>
+          </a:p>
+        </p:txBody>
+      </p:sp>
+      <p:sp>
+        <p:nvSpPr>
+          <p:cNvPr id="3" name="Content Placeholder 2"/>
+          <p:cNvSpPr>
+            <a:spLocks noGrp="1"/>
+          </p:cNvSpPr>
+          <p:nvPr>
+            <p:ph idx="1"/>
+          </p:nvPr>
+        </p:nvSpPr>
+        <p:spPr/>
+        <p:txBody>
+          <a:bodyPr>
+            <a:normAutofit/>
+          </a:bodyPr>
+          <a:lstStyle/>
+          <a:p>
+            <a:r>
+              <a:rPr lang="en-US" dirty="0"/>
+              <a:t>McKinsey </a:t>
+            </a:r>
+            <a:r>
+              <a:rPr lang="en-US" dirty="0" smtClean="0"/>
+              <a:t>– need in US in all industries (not just healthcare) for</a:t>
+            </a:r>
+          </a:p>
+          <a:p>
+            <a:pPr lvl="1"/>
+            <a:r>
+              <a:rPr lang="en-US" dirty="0" smtClean="0"/>
+              <a:t>140,000</a:t>
+            </a:r>
+            <a:r>
+              <a:rPr lang="en-US" dirty="0"/>
+              <a:t>-190,000 individuals who have “deep analytical talent</a:t>
+            </a:r>
+            <a:r>
+              <a:rPr lang="en-US" dirty="0" smtClean="0"/>
+              <a:t>”</a:t>
+            </a:r>
+          </a:p>
+          <a:p>
+            <a:pPr lvl="1"/>
+            <a:r>
+              <a:rPr lang="en-US" dirty="0" smtClean="0"/>
+              <a:t>1.5 </a:t>
+            </a:r>
+            <a:r>
+              <a:rPr lang="en-US" dirty="0"/>
+              <a:t>million “data-savvy managers needed to take full advantage of big data” </a:t>
+            </a:r>
+            <a:endParaRPr lang="en-US" dirty="0" smtClean="0"/>
+          </a:p>
+          <a:p>
+            <a:r>
+              <a:rPr lang="en-US" dirty="0"/>
+              <a:t>Similar analysis by IDC (2014) of need for 180,000 with “deep” talent and 5-fold around with skills in data management and interpretation</a:t>
+            </a:r>
+            <a:endParaRPr lang="en-US" dirty="0"/>
+          </a:p>
+        </p:txBody>
+      </p:sp>
+      <p:sp>
+        <p:nvSpPr>
+          <p:cNvPr id="6" name="Content Placeholder 5"/>
+          <p:cNvSpPr>
+            <a:spLocks noGrp="1"/>
+          </p:cNvSpPr>
+          <p:nvPr>
+            <p:ph sz="quarter" idx="14"/>
+          </p:nvPr>
+        </p:nvSpPr>
+        <p:spPr>
+          <a:xfrm>
+            <a:off x="2209800" y="6555553"/>
+            <a:ext cx="6709229" cy="228600"/>
+          </a:xfrm>
+        </p:spPr>
+        <p:txBody>
+          <a:bodyPr/>
+          <a:lstStyle/>
+          <a:p>
+            <a:r>
+              <a:rPr lang="en-US" dirty="0"/>
+              <a:t>(</a:t>
+            </a:r>
+            <a:r>
+              <a:rPr lang="en-US" dirty="0" err="1"/>
+              <a:t>Manyika</a:t>
+            </a:r>
+            <a:r>
+              <a:rPr lang="en-US" dirty="0"/>
+              <a:t>, </a:t>
+            </a:r>
+            <a:r>
+              <a:rPr lang="en-US" dirty="0" smtClean="0"/>
+              <a:t>2011)</a:t>
+            </a:r>
+            <a:endParaRPr lang="en-US" dirty="0"/>
+          </a:p>
+          <a:p>
+            <a:endParaRPr lang="en-US" dirty="0"/>
+          </a:p>
+        </p:txBody>
+      </p:sp>
+    </p:spTree>
+    <p:custDataLst>
+      <p:tags r:id="rId1"/>
+    </p:custDataLst>
+    <p:extLst>
+      <p:ext uri="{BB962C8B-B14F-4D97-AF65-F5344CB8AC3E}">
+        <p14:creationId xmlns:p14="http://schemas.microsoft.com/office/powerpoint/2010/main" val="1662425968"/>
+      </p:ext>
+    </p:extLst>
+  </p:cSld>
+  <p:clrMapOvr>
+    <a:masterClrMapping/>
+  </p:clrMapOvr>
+  <p:timing>
+    <p:tnLst>
+      <p:par>
+        <p:cTn id="1" dur="indefinite" restart="never" nodeType="tmRoot"/>
+      </p:par>
+    </p:tnLst>
+  </p:timing>
+</p:sld>
+</file>
+
+<file path=ppt/slides/slide31.xml><?xml version="1.0" encoding="utf-8"?>
+<p:sld xmlns:a="http://schemas.openxmlformats.org/drawingml/2006/main" xmlns:r="http://schemas.openxmlformats.org/officeDocument/2006/relationships" xmlns:p="http://schemas.openxmlformats.org/presentationml/2006/main">
+  <p:cSld>
+    <p:spTree>
+      <p:nvGrpSpPr>
+        <p:cNvPr id="1" name=""/>
+        <p:cNvGrpSpPr/>
+        <p:nvPr/>
+      </p:nvGrpSpPr>
+      <p:grpSpPr>
+        <a:xfrm>
+          <a:off x="0" y="0"/>
+          <a:ext cx="0" cy="0"/>
+          <a:chOff x="0" y="0"/>
+          <a:chExt cx="0" cy="0"/>
+        </a:xfrm>
+      </p:grpSpPr>
+      <p:sp>
+        <p:nvSpPr>
+          <p:cNvPr id="2" name="Title 1"/>
+          <p:cNvSpPr>
+            <a:spLocks noGrp="1"/>
+          </p:cNvSpPr>
+          <p:nvPr>
+            <p:ph type="title"/>
+          </p:nvPr>
+        </p:nvSpPr>
+        <p:spPr/>
+        <p:txBody>
+          <a:bodyPr>
+            <a:normAutofit/>
+          </a:bodyPr>
+          <a:lstStyle/>
+          <a:p>
+            <a:r>
+              <a:rPr lang="en-US" dirty="0" smtClean="0"/>
+              <a:t>What skills are needed?</a:t>
+            </a:r>
+            <a:endParaRPr lang="en-US" dirty="0"/>
+          </a:p>
+        </p:txBody>
+      </p:sp>
+      <p:sp>
+        <p:nvSpPr>
+          <p:cNvPr id="3" name="Content Placeholder 2"/>
+          <p:cNvSpPr>
+            <a:spLocks noGrp="1"/>
+          </p:cNvSpPr>
+          <p:nvPr>
+            <p:ph idx="1"/>
+          </p:nvPr>
+        </p:nvSpPr>
+        <p:spPr/>
+        <p:txBody>
+          <a:bodyPr>
+            <a:normAutofit/>
+          </a:bodyPr>
+          <a:lstStyle/>
+          <a:p>
+            <a:r>
+              <a:rPr lang="en-US" dirty="0" smtClean="0"/>
+              <a:t>Programming – especially </a:t>
+            </a:r>
+            <a:r>
+              <a:rPr lang="en-US" dirty="0"/>
+              <a:t>with data-oriented tools, such as SQL and statistical </a:t>
+            </a:r>
+            <a:r>
+              <a:rPr lang="en-US" dirty="0" smtClean="0"/>
+              <a:t>packages</a:t>
+            </a:r>
+            <a:endParaRPr lang="en-US" dirty="0"/>
+          </a:p>
+          <a:p>
+            <a:r>
+              <a:rPr lang="en-US" dirty="0" smtClean="0"/>
+              <a:t>Statistics – working </a:t>
+            </a:r>
+            <a:r>
+              <a:rPr lang="en-US" dirty="0"/>
+              <a:t>knowledge to apply tools and techniques</a:t>
+            </a:r>
+          </a:p>
+          <a:p>
+            <a:r>
+              <a:rPr lang="en-US" dirty="0" smtClean="0"/>
+              <a:t>Domain knowledge</a:t>
+            </a:r>
+            <a:endParaRPr lang="en-US" dirty="0"/>
+          </a:p>
+          <a:p>
+            <a:r>
+              <a:rPr lang="en-US" dirty="0" smtClean="0"/>
+              <a:t>Communication – ability to </a:t>
+            </a:r>
+            <a:r>
+              <a:rPr lang="en-US" dirty="0"/>
+              <a:t>understand needs of people and organizations and articulate results back to them</a:t>
+            </a:r>
+          </a:p>
+          <a:p>
+            <a:pPr marL="0" indent="0">
+              <a:buNone/>
+            </a:pPr>
+            <a:endParaRPr lang="en-US" dirty="0" smtClean="0"/>
+          </a:p>
+          <a:p>
+            <a:r>
+              <a:rPr lang="en-US" dirty="0" smtClean="0"/>
+              <a:t>Is this informatics? Or a specialization of informatics? Or something totally different?</a:t>
+            </a:r>
+            <a:endParaRPr lang="en-US" dirty="0"/>
+          </a:p>
+        </p:txBody>
+      </p:sp>
+      <p:sp>
+        <p:nvSpPr>
+          <p:cNvPr id="6" name="Content Placeholder 5"/>
+          <p:cNvSpPr>
+            <a:spLocks noGrp="1"/>
+          </p:cNvSpPr>
+          <p:nvPr>
+            <p:ph sz="quarter" idx="14"/>
+          </p:nvPr>
+        </p:nvSpPr>
+        <p:spPr>
+          <a:xfrm>
+            <a:off x="5486400" y="6555553"/>
+            <a:ext cx="3432629" cy="228600"/>
+          </a:xfrm>
+        </p:spPr>
+        <p:txBody>
+          <a:bodyPr/>
+          <a:lstStyle/>
+          <a:p>
+            <a:r>
+              <a:rPr lang="en-US" dirty="0"/>
+              <a:t>(Otero, 2014; Garfield, 2017)</a:t>
+            </a:r>
+            <a:endParaRPr lang="en-US" dirty="0"/>
+          </a:p>
+        </p:txBody>
+      </p:sp>
+    </p:spTree>
+    <p:custDataLst>
+      <p:tags r:id="rId1"/>
+    </p:custDataLst>
+    <p:extLst>
+      <p:ext uri="{BB962C8B-B14F-4D97-AF65-F5344CB8AC3E}">
+        <p14:creationId xmlns:p14="http://schemas.microsoft.com/office/powerpoint/2010/main" val="2443675644"/>
+      </p:ext>
+    </p:extLst>
+  </p:cSld>
+  <p:clrMapOvr>
+    <a:masterClrMapping/>
+  </p:clrMapOvr>
+  <p:timing>
+    <p:tnLst>
+      <p:par>
+        <p:cTn id="1" dur="indefinite" restart="never" nodeType="tmRoot"/>
+      </p:par>
+    </p:tnLst>
+  </p:timing>
+</p:sld>
+</file>
+
+<file path=ppt/slides/slide32.xml><?xml version="1.0" encoding="utf-8"?>
+<p:sld xmlns:a="http://schemas.openxmlformats.org/drawingml/2006/main" xmlns:r="http://schemas.openxmlformats.org/officeDocument/2006/relationships" xmlns:p="http://schemas.openxmlformats.org/presentationml/2006/main">
+  <p:cSld>
+    <p:spTree>
+      <p:nvGrpSpPr>
+        <p:cNvPr id="1" name=""/>
+        <p:cNvGrpSpPr/>
+        <p:nvPr/>
+      </p:nvGrpSpPr>
+      <p:grpSpPr>
+        <a:xfrm>
+          <a:off x="0" y="0"/>
+          <a:ext cx="0" cy="0"/>
+          <a:chOff x="0" y="0"/>
+          <a:chExt cx="0" cy="0"/>
+        </a:xfrm>
+      </p:grpSpPr>
+      <p:sp>
+        <p:nvSpPr>
+          <p:cNvPr id="2" name="Title 1"/>
+          <p:cNvSpPr>
+            <a:spLocks noGrp="1"/>
+          </p:cNvSpPr>
+          <p:nvPr>
+            <p:ph type="title"/>
+          </p:nvPr>
+        </p:nvSpPr>
+        <p:spPr/>
+        <p:txBody>
           <a:bodyPr>
             <a:normAutofit fontScale="90000"/>
           </a:bodyPr>
@@ -28589,7 +29435,7 @@
 </p:sld>
 </file>
 
-<file path=ppt/slides/slide31.xml><?xml version="1.0" encoding="utf-8"?>
+<file path=ppt/slides/slide33.xml><?xml version="1.0" encoding="utf-8"?>
 <p:sld xmlns:a="http://schemas.openxmlformats.org/drawingml/2006/main" xmlns:r="http://schemas.openxmlformats.org/officeDocument/2006/relationships" xmlns:p="http://schemas.openxmlformats.org/presentationml/2006/main">
   <p:cSld>
     <p:spTree>
@@ -28824,7 +29670,17 @@
             </a:r>
             <a:r>
               <a:rPr lang="en-US" dirty="0" smtClean="0"/>
-              <a:t> complexity of healthcare data grow through EHR capture, genomics, and other sources, the number of facts per clinical decision will increase, requiring increasing help for decision-makers</a:t>
+              <a:t> complexity of healthcare data grow through EHR capture, genomics, and other sources, the number of facts per clinical decision will increase, requiring increasing help for </a:t>
+            </a:r>
+            <a:r>
+              <a:rPr lang="en-US" dirty="0" smtClean="0"/>
+              <a:t>decision-makers</a:t>
+            </a:r>
+          </a:p>
+          <a:p>
+            <a:r>
+              <a:rPr lang="en-US" dirty="0"/>
+              <a:t>Physicians and others can leverage this data to improve care </a:t>
             </a:r>
             <a:endParaRPr lang="en-US" dirty="0"/>
           </a:p>
@@ -28842,8 +29698,8 @@
         </p:nvSpPr>
         <p:spPr>
           <a:xfrm>
-            <a:off x="4267200" y="6555553"/>
-            <a:ext cx="4651829" cy="228600"/>
+            <a:off x="1981200" y="6555553"/>
+            <a:ext cx="6937829" cy="228600"/>
           </a:xfrm>
         </p:spPr>
         <p:txBody>
@@ -28852,24 +29708,33 @@
           <a:p>
             <a:r>
               <a:rPr lang="en-US" dirty="0"/>
+              <a:t>(Hersh, </a:t>
+            </a:r>
+            <a:r>
+              <a:rPr lang="en-US" dirty="0"/>
+              <a:t>2012; MIT Critical Data, 2016 ), </a:t>
+            </a:r>
+            <a:r>
+              <a:rPr lang="en-US" dirty="0" smtClean="0"/>
               <a:t>(</a:t>
             </a:r>
             <a:r>
+              <a:rPr lang="en-US" dirty="0"/>
+              <a:t>Stead, 2011</a:t>
+            </a:r>
+            <a:r>
+              <a:rPr lang="en-US" dirty="0"/>
+              <a:t>), (</a:t>
+            </a:r>
+            <a:r>
               <a:rPr lang="en-US" dirty="0" err="1"/>
-              <a:t>Hersh</a:t>
+              <a:t>Sniderman</a:t>
             </a:r>
             <a:r>
               <a:rPr lang="en-US" dirty="0"/>
-              <a:t>, 2012</a:t>
-            </a:r>
-            <a:r>
-              <a:rPr lang="en-US" dirty="0" smtClean="0"/>
-              <a:t>), (</a:t>
-            </a:r>
-            <a:r>
-              <a:rPr lang="en-US" dirty="0"/>
-              <a:t>Stead, 2011)</a:t>
-            </a:r>
+              <a:t>, 2015; Parikh, 2016; Rumsfeld, 2016)</a:t>
+            </a:r>
+            <a:endParaRPr lang="en-US" dirty="0"/>
           </a:p>
           <a:p>
             <a:endParaRPr lang="en-US" dirty="0"/>
@@ -29147,14 +30012,11 @@
               <a:rPr lang="en-US" dirty="0" smtClean="0">
                 <a:latin typeface="Calibri" charset="0"/>
               </a:rPr>
-              <a:t>analytics (</a:t>
-            </a:r>
-            <a:r>
-              <a:rPr lang="en-US" dirty="0">
-                <a:latin typeface="Calibri" charset="0"/>
-              </a:rPr>
-              <a:t>Adams, 2011)</a:t>
-            </a:r>
+              <a:t>analytics</a:t>
+            </a:r>
+            <a:endParaRPr lang="en-US" dirty="0">
+              <a:latin typeface="Calibri" charset="0"/>
+            </a:endParaRPr>
           </a:p>
         </p:txBody>
       </p:sp>
@@ -29309,37 +30171,52 @@
           <a:lstStyle/>
           <a:p>
             <a:r>
+              <a:rPr lang="en-US" dirty="0"/>
+              <a:t>Big data – 4 Vs of </a:t>
+            </a:r>
+          </a:p>
+          <a:p>
+            <a:pPr lvl="1"/>
+            <a:r>
+              <a:rPr lang="en-US" dirty="0"/>
+              <a:t>Volume </a:t>
+            </a:r>
+          </a:p>
+          <a:p>
+            <a:pPr lvl="1"/>
+            <a:r>
+              <a:rPr lang="en-US" dirty="0"/>
+              <a:t>Velocity </a:t>
+            </a:r>
+          </a:p>
+          <a:p>
+            <a:pPr lvl="1"/>
+            <a:r>
+              <a:rPr lang="en-US" dirty="0"/>
+              <a:t>Variety </a:t>
+            </a:r>
+          </a:p>
+          <a:p>
+            <a:pPr lvl="1"/>
+            <a:r>
+              <a:rPr lang="en-US" dirty="0"/>
+              <a:t>Veracity </a:t>
+            </a:r>
+          </a:p>
+          <a:p>
+            <a:r>
               <a:rPr lang="en-US" dirty="0" smtClean="0"/>
-              <a:t>Machine learning – area of computer science focused on systems and algorithms that learn from data </a:t>
-            </a:r>
-          </a:p>
-          <a:p>
+              <a:t>Data </a:t>
+            </a:r>
             <a:r>
               <a:rPr lang="en-US" dirty="0" smtClean="0"/>
-              <a:t>Data mining – processing and modeling of data to discover previously unknown patterns or relationships </a:t>
+              <a:t>mining – processing and modeling of data to discover previously unknown patterns or relationships </a:t>
             </a:r>
           </a:p>
           <a:p>
             <a:r>
               <a:rPr lang="en-US" dirty="0" smtClean="0"/>
               <a:t>Text mining – applying data mining to unstructured textual data </a:t>
-            </a:r>
-          </a:p>
-          <a:p>
-            <a:r>
-              <a:rPr lang="en-US" dirty="0" smtClean="0"/>
-              <a:t>Big data – data of growing volume, velocity, variety, and veracity </a:t>
-            </a:r>
-          </a:p>
-          <a:p>
-            <a:pPr lvl="1"/>
-            <a:r>
-              <a:rPr lang="en-US" dirty="0"/>
-              <a:t>e</a:t>
-            </a:r>
-            <a:r>
-              <a:rPr lang="en-US" dirty="0" smtClean="0"/>
-              <a:t>.g., ~9 petabytes of data of Kaiser-Permanente </a:t>
             </a:r>
           </a:p>
         </p:txBody>
@@ -29365,65 +30242,50 @@
           <a:lstStyle/>
           <a:p>
             <a:r>
+              <a:rPr lang="en-US" dirty="0" smtClean="0"/>
+              <a:t>(</a:t>
+            </a:r>
+            <a:r>
+              <a:rPr lang="en-US" dirty="0" err="1"/>
+              <a:t>Bellazzi</a:t>
+            </a:r>
+            <a:r>
               <a:rPr lang="en-US" dirty="0"/>
-              <a:t>(</a:t>
+              <a:t>, 2008; </a:t>
             </a:r>
             <a:r>
               <a:rPr lang="en-US" dirty="0" err="1"/>
-              <a:t>Flach</a:t>
+              <a:t>Zaki</a:t>
             </a:r>
             <a:r>
               <a:rPr lang="en-US" dirty="0"/>
-              <a:t>, 2012; Crown, 2015</a:t>
+              <a:t>, 2014</a:t>
             </a:r>
             <a:r>
               <a:rPr lang="en-US" dirty="0" smtClean="0"/>
               <a:t>), (</a:t>
             </a:r>
             <a:r>
-              <a:rPr lang="en-US" dirty="0" err="1"/>
-              <a:t>Bellazzi</a:t>
-            </a:r>
-            <a:r>
               <a:rPr lang="en-US" dirty="0"/>
-              <a:t>, 2008; </a:t>
-            </a:r>
-            <a:r>
-              <a:rPr lang="en-US" dirty="0" err="1"/>
-              <a:t>Zaki</a:t>
-            </a:r>
-            <a:r>
-              <a:rPr lang="en-US" dirty="0"/>
-              <a:t>, 2014</a:t>
+              <a:t>Aggarwal, 2012</a:t>
             </a:r>
             <a:r>
               <a:rPr lang="en-US" dirty="0" smtClean="0"/>
               <a:t>), (</a:t>
             </a:r>
             <a:r>
-              <a:rPr lang="en-US" dirty="0"/>
-              <a:t>Aggarwal, 2012</a:t>
-            </a:r>
-            <a:r>
-              <a:rPr lang="en-US" dirty="0" smtClean="0"/>
-              <a:t>), (</a:t>
-            </a:r>
-            <a:r>
               <a:rPr lang="en-US" dirty="0" err="1"/>
               <a:t>Zikopolous</a:t>
             </a:r>
             <a:r>
               <a:rPr lang="en-US" dirty="0"/>
-              <a:t>, 2011; O’Reilly, 2015</a:t>
+              <a:t>, 2011; O’Reilly, </a:t>
             </a:r>
             <a:r>
               <a:rPr lang="en-US" dirty="0" smtClean="0"/>
-              <a:t>), (</a:t>
-            </a:r>
-            <a:r>
-              <a:rPr lang="en-US" dirty="0"/>
-              <a:t>Gardner, 2013)</a:t>
-            </a:r>
+              <a:t>2015)</a:t>
+            </a:r>
+            <a:endParaRPr lang="en-US" dirty="0"/>
           </a:p>
         </p:txBody>
       </p:sp>
@@ -29484,7 +30346,15 @@
           <a:p>
             <a:r>
               <a:rPr lang="en-US" dirty="0" smtClean="0"/>
-              <a:t>Related terms (cont.)</a:t>
+              <a:t>Related </a:t>
+            </a:r>
+            <a:r>
+              <a:rPr lang="en-US" dirty="0" smtClean="0"/>
+              <a:t>terms (</a:t>
+            </a:r>
+            <a:r>
+              <a:rPr lang="en-US" dirty="0"/>
+              <a:t>cont.)</a:t>
             </a:r>
             <a:endParaRPr lang="en-US" dirty="0"/>
           </a:p>
@@ -29508,48 +30378,45 @@
           <a:lstStyle/>
           <a:p>
             <a:r>
+              <a:rPr lang="en-US" dirty="0" smtClean="0"/>
+              <a:t>Machine learning – area of computer science focused on systems and algorithms that learn from data </a:t>
+            </a:r>
+            <a:endParaRPr lang="en-US" dirty="0" smtClean="0"/>
+          </a:p>
+          <a:p>
+            <a:pPr lvl="1"/>
+            <a:r>
               <a:rPr lang="en-US" dirty="0"/>
-              <a:t>Data science – distinguished from statistics by understanding of </a:t>
+              <a:t>Deep learning – use of computational models with deep layers requiring substantial processing </a:t>
+            </a:r>
+            <a:endParaRPr lang="en-US" dirty="0"/>
+          </a:p>
+          <a:p>
+            <a:r>
+              <a:rPr lang="en-US" dirty="0"/>
+              <a:t>Data science – “the science of learning from data; it studies the methods involved in the analysis and processing of data and proposes technology to improve methods in an evidence-based manner” </a:t>
+            </a:r>
+            <a:endParaRPr lang="en-US" dirty="0" smtClean="0"/>
+          </a:p>
+          <a:p>
+            <a:pPr lvl="1"/>
+            <a:r>
+              <a:rPr lang="en-US" dirty="0"/>
+              <a:t>“A person who is better at statistics than any software engineer and better at software engineering than any statistician” (or substitute </a:t>
+            </a:r>
+            <a:r>
+              <a:rPr lang="en-US" dirty="0" err="1"/>
+              <a:t>informatician</a:t>
+            </a:r>
+            <a:r>
+              <a:rPr lang="en-US" dirty="0"/>
+              <a:t> for software engineer? </a:t>
             </a:r>
             <a:r>
               <a:rPr lang="en-US" dirty="0" smtClean="0"/>
-              <a:t>varying types and how to manipulate and leverage </a:t>
-            </a:r>
-          </a:p>
-          <a:p>
-            <a:r>
-              <a:rPr lang="en-US" dirty="0" smtClean="0"/>
-              <a:t>Data provenance – origin and trustworthiness  </a:t>
-            </a:r>
-          </a:p>
-          <a:p>
-            <a:r>
-              <a:rPr lang="en-US" dirty="0"/>
-              <a:t>Business intelligence </a:t>
-            </a:r>
-            <a:r>
-              <a:rPr lang="en-US" dirty="0" smtClean="0"/>
-              <a:t>– use of data </a:t>
-            </a:r>
-            <a:r>
-              <a:rPr lang="en-US" dirty="0"/>
-              <a:t>to obtain timely, valuable insights into business and clinical </a:t>
-            </a:r>
-            <a:r>
-              <a:rPr lang="en-US" dirty="0" smtClean="0"/>
-              <a:t>data </a:t>
-            </a:r>
-          </a:p>
-          <a:p>
-            <a:r>
-              <a:rPr lang="en-US" dirty="0" smtClean="0"/>
-              <a:t>Personalized, precision, or computational </a:t>
-            </a:r>
-            <a:r>
-              <a:rPr lang="en-US" dirty="0"/>
-              <a:t>medicine </a:t>
-            </a:r>
-            <a:endParaRPr lang="en-US" dirty="0" smtClean="0"/>
+              <a:t>)</a:t>
+            </a:r>
+            <a:endParaRPr lang="en-US" dirty="0"/>
           </a:p>
         </p:txBody>
       </p:sp>
@@ -29565,8 +30432,8 @@
         </p:nvSpPr>
         <p:spPr>
           <a:xfrm>
-            <a:off x="224972" y="6555553"/>
-            <a:ext cx="8694058" cy="228600"/>
+            <a:off x="304800" y="6555553"/>
+            <a:ext cx="8614229" cy="228600"/>
           </a:xfrm>
         </p:spPr>
         <p:txBody>
@@ -29579,56 +30446,49 @@
             </a:r>
             <a:r>
               <a:rPr lang="en-US" dirty="0" err="1"/>
-              <a:t>Dhar</a:t>
+              <a:t>Flach</a:t>
             </a:r>
             <a:r>
               <a:rPr lang="en-US" dirty="0"/>
-              <a:t>, 2013; Grus, 2015</a:t>
+              <a:t>, 2012; Crown, 2015</a:t>
             </a:r>
             <a:r>
               <a:rPr lang="en-US" dirty="0" smtClean="0"/>
-              <a:t>), (</a:t>
+              <a:t>), </a:t>
+            </a:r>
+            <a:r>
+              <a:rPr lang="en-US" dirty="0"/>
+              <a:t>(</a:t>
             </a:r>
             <a:r>
               <a:rPr lang="en-US" dirty="0" err="1"/>
-              <a:t>Buneman</a:t>
+              <a:t>LeCun</a:t>
             </a:r>
             <a:r>
               <a:rPr lang="en-US" dirty="0"/>
-              <a:t>, 2010</a:t>
+              <a:t>, 2015</a:t>
             </a:r>
             <a:r>
               <a:rPr lang="en-US" dirty="0" smtClean="0"/>
-              <a:t>), (</a:t>
+              <a:t>), </a:t>
             </a:r>
             <a:r>
               <a:rPr lang="en-US" dirty="0"/>
-              <a:t>Adams, 2011</a:t>
+              <a:t>(</a:t>
+            </a:r>
+            <a:r>
+              <a:rPr lang="en-US" dirty="0" err="1"/>
+              <a:t>Donoho</a:t>
+            </a:r>
+            <a:r>
+              <a:rPr lang="en-US" dirty="0"/>
+              <a:t>, 2015), (Hersh, 2016</a:t>
             </a:r>
             <a:r>
               <a:rPr lang="en-US" dirty="0" smtClean="0"/>
-              <a:t>), (Hamburg</a:t>
-            </a:r>
-            <a:r>
-              <a:rPr lang="en-US" dirty="0"/>
-              <a:t>, 2010</a:t>
-            </a:r>
-            <a:r>
-              <a:rPr lang="en-US" dirty="0" smtClean="0"/>
-              <a:t>), (</a:t>
-            </a:r>
-            <a:r>
-              <a:rPr lang="en-US" dirty="0"/>
-              <a:t>IOM, 2011; Collins, 2015; Ashley, 2015</a:t>
-            </a:r>
-            <a:r>
-              <a:rPr lang="en-US" dirty="0" smtClean="0"/>
-              <a:t>), (</a:t>
-            </a:r>
-            <a:r>
-              <a:rPr lang="en-US" dirty="0"/>
-              <a:t>Winslow, 2012)</a:t>
-            </a:r>
+              <a:t>)</a:t>
+            </a:r>
+            <a:endParaRPr lang="en-US" dirty="0"/>
           </a:p>
         </p:txBody>
       </p:sp>
@@ -29638,7 +30498,7 @@
     </p:custDataLst>
     <p:extLst>
       <p:ext uri="{BB962C8B-B14F-4D97-AF65-F5344CB8AC3E}">
-        <p14:creationId xmlns:p14="http://schemas.microsoft.com/office/powerpoint/2010/main" val="2114574409"/>
+        <p14:creationId xmlns:p14="http://schemas.microsoft.com/office/powerpoint/2010/main" val="3928230138"/>
       </p:ext>
     </p:extLst>
   </p:cSld>
@@ -29681,16 +30541,16 @@
   <p:tag name="ARTICULATE_LMS" val="0"/>
   <p:tag name="ARTICULATE_META_COURSE_VERSION_SET" val="True"/>
   <p:tag name="ARTICULATE_REFERENCE_ID" val="43ac74ee-058c-4515-b115-a7dd01e189d2"/>
-  <p:tag name="ARTICULATE_SLIDE_COUNT" val="31"/>
   <p:tag name="ARTICULATE_REFERENCE_COUNT" val="0"/>
   <p:tag name="ARTICULATE_PLAYER_GLOSSARY_XML" val="&lt;?xml version=&quot;1.0&quot; encoding=&quot;utf-16&quot;?&gt;&lt;glossary xmlns:xsi=&quot;http://www.w3.org/2001/XMLSchema-instance&quot; xmlns:xsd=&quot;http://www.w3.org/2001/XMLSchema&quot;&gt;&lt;terms /&gt;&lt;/glossary&gt;"/>
-  <p:tag name="ARTICULATE_PROJECT_OPEN" val="1"/>
   <p:tag name="ARTICULATE_META_COURSE_ID" val="4jx4eQ5zhEE_course_id"/>
   <p:tag name="ARTICULATE_META_NAME_SET" val="True"/>
   <p:tag name="TAG_BACKING_FORM_KEY" val="1642334-c:\wamp\www\box sync\bd2k\oer content\bdk10\staged\bdk08-5.pptx"/>
   <p:tag name="ARTICULATE_PRESENTER_VERSION" val="7"/>
   <p:tag name="ARTICULATE_USED_PAGE_ORIENTATION" val="1"/>
   <p:tag name="ARTICULATE_USED_PAGE_SIZE" val="1"/>
+  <p:tag name="ARTICULATE_PROJECT_OPEN" val="0"/>
+  <p:tag name="ARTICULATE_SLIDE_COUNT" val="33"/>
 </p:tagLst>
 </file>
 
@@ -29958,6 +30818,7 @@
   <p:tag name="ORIGINAL_AUDIO_FILEPATH" val="C:\wamp\www\Box Sync\BD2K\OER Content\BDK10\Working\Audio\BDK08-5\Slide 1 - Healthcare Data Analytics.wav"/>
   <p:tag name="ELAPSEDTIME" val="12.602"/>
   <p:tag name="ARTICULATE_USED_LAYOUT" val="1"/>
+  <p:tag name="ARTICULATE_SLIDE_THUMBNAIL_REFRESH" val="1"/>
 </p:tagLst>
 </file>
 
@@ -29978,6 +30839,7 @@
   <p:tag name="ARTICULATE_PLAYER_CONTROL_NOTES" val="False"/>
   <p:tag name="ARTICULATE_PLAYER_CONTROL_RESOURCES" val="False"/>
   <p:tag name="ARTICULATE_USED_LAYOUT" val="22"/>
+  <p:tag name="ARTICULATE_SLIDE_THUMBNAIL_REFRESH" val="1"/>
 </p:tagLst>
 </file>
 
@@ -30020,6 +30882,7 @@
   <p:tag name="ARTICULATE_PLAYER_CONTROL_NOTES" val="False"/>
   <p:tag name="ARTICULATE_PLAYER_CONTROL_RESOURCES" val="False"/>
   <p:tag name="ARTICULATE_USED_LAYOUT" val="2"/>
+  <p:tag name="ARTICULATE_SLIDE_THUMBNAIL_REFRESH" val="1"/>
 </p:tagLst>
 </file>
 
@@ -30036,6 +30899,7 @@
   <p:tag name="ARTICULATE_PLAYER_CONTROL_RESOURCES" val="False"/>
   <p:tag name="AUDIO_ID" val="381"/>
   <p:tag name="ARTICULATE_USED_LAYOUT" val="10"/>
+  <p:tag name="ARTICULATE_SLIDE_THUMBNAIL_REFRESH" val="1"/>
 </p:tagLst>
 </file>
 
@@ -30056,6 +30920,7 @@
   <p:tag name="ARTICULATE_PLAYER_CONTROL_NOTES" val="False"/>
   <p:tag name="ARTICULATE_PLAYER_CONTROL_RESOURCES" val="False"/>
   <p:tag name="ARTICULATE_USED_LAYOUT" val="2"/>
+  <p:tag name="ARTICULATE_SLIDE_THUMBNAIL_REFRESH" val="1"/>
 </p:tagLst>
 </file>
 
@@ -30076,6 +30941,7 @@
   <p:tag name="ARTICULATE_PLAYER_CONTROL_NOTES" val="False"/>
   <p:tag name="ARTICULATE_PLAYER_CONTROL_RESOURCES" val="False"/>
   <p:tag name="ARTICULATE_USED_LAYOUT" val="2"/>
+  <p:tag name="ARTICULATE_SLIDE_THUMBNAIL_REFRESH" val="1"/>
 </p:tagLst>
 </file>
 
@@ -30094,10 +30960,30 @@
   <p:tag name="ARTICULATE_PLAYER_CONTROL_NOTES" val="False"/>
   <p:tag name="ARTICULATE_PLAYER_CONTROL_RESOURCES" val="False"/>
   <p:tag name="ARTICULATE_USED_LAYOUT" val="2"/>
+  <p:tag name="ARTICULATE_SLIDE_THUMBNAIL_REFRESH" val="1"/>
 </p:tagLst>
 </file>
 
 <file path=ppt/tags/tag56.xml><?xml version="1.0" encoding="utf-8"?>
+<p:tagLst xmlns:a="http://schemas.openxmlformats.org/drawingml/2006/main" xmlns:r="http://schemas.openxmlformats.org/officeDocument/2006/relationships" xmlns:p="http://schemas.openxmlformats.org/presentationml/2006/main">
+  <p:tag name="AUDIO_ID" val="362"/>
+  <p:tag name="ARTICULATE_AUDIO_RECORDED" val="1"/>
+  <p:tag name="ELAPSEDTIME" val="106.1"/>
+  <p:tag name="ARTICULATE_NAV_LEVEL" val="1"/>
+  <p:tag name="ARTICULATE_SLIDE_PRESENTER_GUID" val="8a773f87-913e-4bba-a45d-1ec780ff4688"/>
+  <p:tag name="ARTICULATE_SLIDE_PAUSE" val="0"/>
+  <p:tag name="ARTICULATE_LOCK_SLIDE" val="0"/>
+  <p:tag name="ARTICULATE_HIDE_SLIDE" val="0"/>
+  <p:tag name="ARTICULATE_PLAYER_CONTROL_PREVIOUS" val="True"/>
+  <p:tag name="ARTICULATE_PLAYER_CONTROL_NEXT" val="True"/>
+  <p:tag name="ARTICULATE_PLAYER_CONTROL_NOTES" val="False"/>
+  <p:tag name="ARTICULATE_PLAYER_CONTROL_RESOURCES" val="False"/>
+  <p:tag name="ARTICULATE_USED_LAYOUT" val="2"/>
+  <p:tag name="ARTICULATE_SLIDE_THUMBNAIL_REFRESH" val="1"/>
+</p:tagLst>
+</file>
+
+<file path=ppt/tags/tag57.xml><?xml version="1.0" encoding="utf-8"?>
 <p:tagLst xmlns:a="http://schemas.openxmlformats.org/drawingml/2006/main" xmlns:r="http://schemas.openxmlformats.org/officeDocument/2006/relationships" xmlns:p="http://schemas.openxmlformats.org/presentationml/2006/main">
   <p:tag name="AUDIO_ID" val="363"/>
   <p:tag name="ARTICULATE_AUDIO_RECORDED" val="1"/>
@@ -30112,10 +30998,11 @@
   <p:tag name="ARTICULATE_PLAYER_CONTROL_NOTES" val="False"/>
   <p:tag name="ARTICULATE_PLAYER_CONTROL_RESOURCES" val="False"/>
   <p:tag name="ARTICULATE_USED_LAYOUT" val="2"/>
+  <p:tag name="ARTICULATE_SLIDE_THUMBNAIL_REFRESH" val="1"/>
 </p:tagLst>
 </file>
 
-<file path=ppt/tags/tag57.xml><?xml version="1.0" encoding="utf-8"?>
+<file path=ppt/tags/tag58.xml><?xml version="1.0" encoding="utf-8"?>
 <p:tagLst xmlns:a="http://schemas.openxmlformats.org/drawingml/2006/main" xmlns:r="http://schemas.openxmlformats.org/officeDocument/2006/relationships" xmlns:p="http://schemas.openxmlformats.org/presentationml/2006/main">
   <p:tag name="AUDIO_ID" val="364"/>
   <p:tag name="ARTICULATE_AUDIO_RECORDED" val="1"/>
@@ -30130,10 +31017,11 @@
   <p:tag name="ARTICULATE_PLAYER_CONTROL_NOTES" val="False"/>
   <p:tag name="ARTICULATE_PLAYER_CONTROL_RESOURCES" val="False"/>
   <p:tag name="ARTICULATE_USED_LAYOUT" val="2"/>
+  <p:tag name="ARTICULATE_SLIDE_THUMBNAIL_REFRESH" val="1"/>
 </p:tagLst>
 </file>
 
-<file path=ppt/tags/tag58.xml><?xml version="1.0" encoding="utf-8"?>
+<file path=ppt/tags/tag59.xml><?xml version="1.0" encoding="utf-8"?>
 <p:tagLst xmlns:a="http://schemas.openxmlformats.org/drawingml/2006/main" xmlns:r="http://schemas.openxmlformats.org/officeDocument/2006/relationships" xmlns:p="http://schemas.openxmlformats.org/presentationml/2006/main">
   <p:tag name="ARTICULATE_SLIDE_GUID" val="c8d3d4db-5ef1-458a-9cae-93d72ebcb720"/>
   <p:tag name="ARTICULATE_SLIDE_NAV" val="5"/>
@@ -30150,10 +31038,17 @@
   <p:tag name="ARTICULATE_PLAYER_CONTROL_NOTES" val="False"/>
   <p:tag name="ARTICULATE_PLAYER_CONTROL_RESOURCES" val="False"/>
   <p:tag name="ARTICULATE_USED_LAYOUT" val="2"/>
+  <p:tag name="ARTICULATE_SLIDE_THUMBNAIL_REFRESH" val="1"/>
 </p:tagLst>
 </file>
 
-<file path=ppt/tags/tag59.xml><?xml version="1.0" encoding="utf-8"?>
+<file path=ppt/tags/tag6.xml><?xml version="1.0" encoding="utf-8"?>
+<p:tagLst xmlns:a="http://schemas.openxmlformats.org/drawingml/2006/main" xmlns:r="http://schemas.openxmlformats.org/officeDocument/2006/relationships" xmlns:p="http://schemas.openxmlformats.org/presentationml/2006/main">
+  <p:tag name="ARTICULATE_SLIDE_THUMBNAIL_REFRESH" val="1"/>
+</p:tagLst>
+</file>
+
+<file path=ppt/tags/tag60.xml><?xml version="1.0" encoding="utf-8"?>
 <p:tagLst xmlns:a="http://schemas.openxmlformats.org/drawingml/2006/main" xmlns:r="http://schemas.openxmlformats.org/officeDocument/2006/relationships" xmlns:p="http://schemas.openxmlformats.org/presentationml/2006/main">
   <p:tag name="ARTICULATE_SLIDE_GUID" val="9fa15f50-1a20-4193-9172-6b7c377b6671"/>
   <p:tag name="ARTICULATE_SLIDE_NAV" val="6"/>
@@ -30170,16 +31065,11 @@
   <p:tag name="ARTICULATE_PLAYER_CONTROL_NOTES" val="False"/>
   <p:tag name="ARTICULATE_PLAYER_CONTROL_RESOURCES" val="False"/>
   <p:tag name="ARTICULATE_USED_LAYOUT" val="2"/>
-</p:tagLst>
-</file>
-
-<file path=ppt/tags/tag6.xml><?xml version="1.0" encoding="utf-8"?>
-<p:tagLst xmlns:a="http://schemas.openxmlformats.org/drawingml/2006/main" xmlns:r="http://schemas.openxmlformats.org/officeDocument/2006/relationships" xmlns:p="http://schemas.openxmlformats.org/presentationml/2006/main">
   <p:tag name="ARTICULATE_SLIDE_THUMBNAIL_REFRESH" val="1"/>
 </p:tagLst>
 </file>
 
-<file path=ppt/tags/tag60.xml><?xml version="1.0" encoding="utf-8"?>
+<file path=ppt/tags/tag61.xml><?xml version="1.0" encoding="utf-8"?>
 <p:tagLst xmlns:a="http://schemas.openxmlformats.org/drawingml/2006/main" xmlns:r="http://schemas.openxmlformats.org/officeDocument/2006/relationships" xmlns:p="http://schemas.openxmlformats.org/presentationml/2006/main">
   <p:tag name="ARTICULATE_NAV_LEVEL" val="1"/>
   <p:tag name="ARTICULATE_SLIDE_PRESENTER_GUID" val="8a773f87-913e-4bba-a45d-1ec780ff4688"/>
@@ -30195,7 +31085,7 @@
 </p:tagLst>
 </file>
 
-<file path=ppt/tags/tag61.xml><?xml version="1.0" encoding="utf-8"?>
+<file path=ppt/tags/tag62.xml><?xml version="1.0" encoding="utf-8"?>
 <p:tagLst xmlns:a="http://schemas.openxmlformats.org/drawingml/2006/main" xmlns:r="http://schemas.openxmlformats.org/officeDocument/2006/relationships" xmlns:p="http://schemas.openxmlformats.org/presentationml/2006/main">
   <p:tag name="AUDIO_ID" val="370"/>
   <p:tag name="ARTICULATE_AUDIO_RECORDED" val="1"/>
@@ -30210,10 +31100,11 @@
   <p:tag name="ARTICULATE_PLAYER_CONTROL_NOTES" val="False"/>
   <p:tag name="ARTICULATE_PLAYER_CONTROL_RESOURCES" val="False"/>
   <p:tag name="ARTICULATE_USED_LAYOUT" val="2"/>
+  <p:tag name="ARTICULATE_SLIDE_THUMBNAIL_REFRESH" val="1"/>
 </p:tagLst>
 </file>
 
-<file path=ppt/tags/tag62.xml><?xml version="1.0" encoding="utf-8"?>
+<file path=ppt/tags/tag63.xml><?xml version="1.0" encoding="utf-8"?>
 <p:tagLst xmlns:a="http://schemas.openxmlformats.org/drawingml/2006/main" xmlns:r="http://schemas.openxmlformats.org/officeDocument/2006/relationships" xmlns:p="http://schemas.openxmlformats.org/presentationml/2006/main">
   <p:tag name="AUDIO_ID" val="371"/>
   <p:tag name="ARTICULATE_AUDIO_RECORDED" val="1"/>
@@ -30228,10 +31119,11 @@
   <p:tag name="ARTICULATE_PLAYER_CONTROL_NOTES" val="False"/>
   <p:tag name="ARTICULATE_PLAYER_CONTROL_RESOURCES" val="False"/>
   <p:tag name="ARTICULATE_USED_LAYOUT" val="2"/>
+  <p:tag name="ARTICULATE_SLIDE_THUMBNAIL_REFRESH" val="1"/>
 </p:tagLst>
 </file>
 
-<file path=ppt/tags/tag63.xml><?xml version="1.0" encoding="utf-8"?>
+<file path=ppt/tags/tag64.xml><?xml version="1.0" encoding="utf-8"?>
 <p:tagLst xmlns:a="http://schemas.openxmlformats.org/drawingml/2006/main" xmlns:r="http://schemas.openxmlformats.org/officeDocument/2006/relationships" xmlns:p="http://schemas.openxmlformats.org/presentationml/2006/main">
   <p:tag name="AUDIO_ID" val="372"/>
   <p:tag name="ARTICULATE_AUDIO_RECORDED" val="1"/>
@@ -30246,10 +31138,11 @@
   <p:tag name="ARTICULATE_PLAYER_CONTROL_NOTES" val="False"/>
   <p:tag name="ARTICULATE_PLAYER_CONTROL_RESOURCES" val="False"/>
   <p:tag name="ARTICULATE_USED_LAYOUT" val="2"/>
+  <p:tag name="ARTICULATE_SLIDE_THUMBNAIL_REFRESH" val="1"/>
 </p:tagLst>
 </file>
 
-<file path=ppt/tags/tag64.xml><?xml version="1.0" encoding="utf-8"?>
+<file path=ppt/tags/tag65.xml><?xml version="1.0" encoding="utf-8"?>
 <p:tagLst xmlns:a="http://schemas.openxmlformats.org/drawingml/2006/main" xmlns:r="http://schemas.openxmlformats.org/officeDocument/2006/relationships" xmlns:p="http://schemas.openxmlformats.org/presentationml/2006/main">
   <p:tag name="ARTICULATE_NAV_LEVEL" val="1"/>
   <p:tag name="ARTICULATE_SLIDE_PRESENTER_GUID" val="8a773f87-913e-4bba-a45d-1ec780ff4688"/>
@@ -30262,10 +31155,11 @@
   <p:tag name="ARTICULATE_PLAYER_CONTROL_RESOURCES" val="False"/>
   <p:tag name="AUDIO_ID" val="384"/>
   <p:tag name="ARTICULATE_USED_LAYOUT" val="10"/>
+  <p:tag name="ARTICULATE_SLIDE_THUMBNAIL_REFRESH" val="1"/>
 </p:tagLst>
 </file>
 
-<file path=ppt/tags/tag65.xml><?xml version="1.0" encoding="utf-8"?>
+<file path=ppt/tags/tag66.xml><?xml version="1.0" encoding="utf-8"?>
 <p:tagLst xmlns:a="http://schemas.openxmlformats.org/drawingml/2006/main" xmlns:r="http://schemas.openxmlformats.org/officeDocument/2006/relationships" xmlns:p="http://schemas.openxmlformats.org/presentationml/2006/main">
   <p:tag name="AUDIO_ID" val="378"/>
   <p:tag name="ARTICULATE_AUDIO_RECORDED" val="1"/>
@@ -30280,10 +31174,11 @@
   <p:tag name="ARTICULATE_PLAYER_CONTROL_NOTES" val="False"/>
   <p:tag name="ARTICULATE_PLAYER_CONTROL_RESOURCES" val="False"/>
   <p:tag name="ARTICULATE_USED_LAYOUT" val="2"/>
+  <p:tag name="ARTICULATE_SLIDE_THUMBNAIL_REFRESH" val="1"/>
 </p:tagLst>
 </file>
 
-<file path=ppt/tags/tag66.xml><?xml version="1.0" encoding="utf-8"?>
+<file path=ppt/tags/tag67.xml><?xml version="1.0" encoding="utf-8"?>
 <p:tagLst xmlns:a="http://schemas.openxmlformats.org/drawingml/2006/main" xmlns:r="http://schemas.openxmlformats.org/officeDocument/2006/relationships" xmlns:p="http://schemas.openxmlformats.org/presentationml/2006/main">
   <p:tag name="AUDIO_ID" val="379"/>
   <p:tag name="ARTICULATE_AUDIO_RECORDED" val="1"/>
@@ -30298,10 +31193,11 @@
   <p:tag name="ARTICULATE_PLAYER_CONTROL_NOTES" val="False"/>
   <p:tag name="ARTICULATE_PLAYER_CONTROL_RESOURCES" val="False"/>
   <p:tag name="ARTICULATE_USED_LAYOUT" val="2"/>
+  <p:tag name="ARTICULATE_SLIDE_THUMBNAIL_REFRESH" val="1"/>
 </p:tagLst>
 </file>
 
-<file path=ppt/tags/tag67.xml><?xml version="1.0" encoding="utf-8"?>
+<file path=ppt/tags/tag68.xml><?xml version="1.0" encoding="utf-8"?>
 <p:tagLst xmlns:a="http://schemas.openxmlformats.org/drawingml/2006/main" xmlns:r="http://schemas.openxmlformats.org/officeDocument/2006/relationships" xmlns:p="http://schemas.openxmlformats.org/presentationml/2006/main">
   <p:tag name="AUDIO_ID" val="373"/>
   <p:tag name="ARTICULATE_AUDIO_RECORDED" val="1"/>
@@ -30316,10 +31212,36 @@
   <p:tag name="ARTICULATE_PLAYER_CONTROL_NOTES" val="False"/>
   <p:tag name="ARTICULATE_PLAYER_CONTROL_RESOURCES" val="False"/>
   <p:tag name="ARTICULATE_USED_LAYOUT" val="2"/>
+  <p:tag name="ARTICULATE_SLIDE_THUMBNAIL_REFRESH" val="1"/>
 </p:tagLst>
 </file>
 
-<file path=ppt/tags/tag68.xml><?xml version="1.0" encoding="utf-8"?>
+<file path=ppt/tags/tag69.xml><?xml version="1.0" encoding="utf-8"?>
+<p:tagLst xmlns:a="http://schemas.openxmlformats.org/drawingml/2006/main" xmlns:r="http://schemas.openxmlformats.org/officeDocument/2006/relationships" xmlns:p="http://schemas.openxmlformats.org/presentationml/2006/main">
+  <p:tag name="AUDIO_ID" val="373"/>
+  <p:tag name="ARTICULATE_AUDIO_RECORDED" val="1"/>
+  <p:tag name="ELAPSEDTIME" val="128.0"/>
+  <p:tag name="ARTICULATE_NAV_LEVEL" val="1"/>
+  <p:tag name="ARTICULATE_SLIDE_PRESENTER_GUID" val="8a773f87-913e-4bba-a45d-1ec780ff4688"/>
+  <p:tag name="ARTICULATE_SLIDE_PAUSE" val="0"/>
+  <p:tag name="ARTICULATE_LOCK_SLIDE" val="0"/>
+  <p:tag name="ARTICULATE_HIDE_SLIDE" val="0"/>
+  <p:tag name="ARTICULATE_PLAYER_CONTROL_PREVIOUS" val="True"/>
+  <p:tag name="ARTICULATE_PLAYER_CONTROL_NEXT" val="True"/>
+  <p:tag name="ARTICULATE_PLAYER_CONTROL_NOTES" val="False"/>
+  <p:tag name="ARTICULATE_PLAYER_CONTROL_RESOURCES" val="False"/>
+  <p:tag name="ARTICULATE_USED_LAYOUT" val="2"/>
+  <p:tag name="ARTICULATE_SLIDE_THUMBNAIL_REFRESH" val="1"/>
+</p:tagLst>
+</file>
+
+<file path=ppt/tags/tag7.xml><?xml version="1.0" encoding="utf-8"?>
+<p:tagLst xmlns:a="http://schemas.openxmlformats.org/drawingml/2006/main" xmlns:r="http://schemas.openxmlformats.org/officeDocument/2006/relationships" xmlns:p="http://schemas.openxmlformats.org/presentationml/2006/main">
+  <p:tag name="ARTICULATE_SLIDE_THUMBNAIL_REFRESH" val="1"/>
+</p:tagLst>
+</file>
+
+<file path=ppt/tags/tag70.xml><?xml version="1.0" encoding="utf-8"?>
 <p:tagLst xmlns:a="http://schemas.openxmlformats.org/drawingml/2006/main" xmlns:r="http://schemas.openxmlformats.org/officeDocument/2006/relationships" xmlns:p="http://schemas.openxmlformats.org/presentationml/2006/main">
   <p:tag name="ARTICULATE_NAV_LEVEL" val="1"/>
   <p:tag name="ARTICULATE_SLIDE_PRESENTER_GUID" val="8a773f87-913e-4bba-a45d-1ec780ff4688"/>
@@ -30335,7 +31257,7 @@
 </p:tagLst>
 </file>
 
-<file path=ppt/tags/tag69.xml><?xml version="1.0" encoding="utf-8"?>
+<file path=ppt/tags/tag71.xml><?xml version="1.0" encoding="utf-8"?>
 <p:tagLst xmlns:a="http://schemas.openxmlformats.org/drawingml/2006/main" xmlns:r="http://schemas.openxmlformats.org/officeDocument/2006/relationships" xmlns:p="http://schemas.openxmlformats.org/presentationml/2006/main">
   <p:tag name="AUDIO_ID" val="365"/>
   <p:tag name="ARTICULATE_AUDIO_RECORDED" val="1"/>
@@ -30350,16 +31272,11 @@
   <p:tag name="ARTICULATE_PLAYER_CONTROL_NOTES" val="False"/>
   <p:tag name="ARTICULATE_PLAYER_CONTROL_RESOURCES" val="False"/>
   <p:tag name="ARTICULATE_USED_LAYOUT" val="2"/>
-</p:tagLst>
-</file>
-
-<file path=ppt/tags/tag7.xml><?xml version="1.0" encoding="utf-8"?>
-<p:tagLst xmlns:a="http://schemas.openxmlformats.org/drawingml/2006/main" xmlns:r="http://schemas.openxmlformats.org/officeDocument/2006/relationships" xmlns:p="http://schemas.openxmlformats.org/presentationml/2006/main">
   <p:tag name="ARTICULATE_SLIDE_THUMBNAIL_REFRESH" val="1"/>
 </p:tagLst>
 </file>
 
-<file path=ppt/tags/tag70.xml><?xml version="1.0" encoding="utf-8"?>
+<file path=ppt/tags/tag72.xml><?xml version="1.0" encoding="utf-8"?>
 <p:tagLst xmlns:a="http://schemas.openxmlformats.org/drawingml/2006/main" xmlns:r="http://schemas.openxmlformats.org/officeDocument/2006/relationships" xmlns:p="http://schemas.openxmlformats.org/presentationml/2006/main">
   <p:tag name="AUDIO_ID" val="367"/>
   <p:tag name="ARTICULATE_AUDIO_RECORDED" val="1"/>
@@ -30374,10 +31291,11 @@
   <p:tag name="ARTICULATE_PLAYER_CONTROL_NOTES" val="False"/>
   <p:tag name="ARTICULATE_PLAYER_CONTROL_RESOURCES" val="False"/>
   <p:tag name="ARTICULATE_USED_LAYOUT" val="2"/>
+  <p:tag name="ARTICULATE_SLIDE_THUMBNAIL_REFRESH" val="1"/>
 </p:tagLst>
 </file>
 
-<file path=ppt/tags/tag71.xml><?xml version="1.0" encoding="utf-8"?>
+<file path=ppt/tags/tag73.xml><?xml version="1.0" encoding="utf-8"?>
 <p:tagLst xmlns:a="http://schemas.openxmlformats.org/drawingml/2006/main" xmlns:r="http://schemas.openxmlformats.org/officeDocument/2006/relationships" xmlns:p="http://schemas.openxmlformats.org/presentationml/2006/main">
   <p:tag name="AUDIO_ID" val="368"/>
   <p:tag name="ARTICULATE_AUDIO_RECORDED" val="1"/>
@@ -30392,10 +31310,11 @@
   <p:tag name="ARTICULATE_PLAYER_CONTROL_NOTES" val="False"/>
   <p:tag name="ARTICULATE_PLAYER_CONTROL_RESOURCES" val="False"/>
   <p:tag name="ARTICULATE_USED_LAYOUT" val="2"/>
+  <p:tag name="ARTICULATE_SLIDE_THUMBNAIL_REFRESH" val="1"/>
 </p:tagLst>
 </file>
 
-<file path=ppt/tags/tag72.xml><?xml version="1.0" encoding="utf-8"?>
+<file path=ppt/tags/tag74.xml><?xml version="1.0" encoding="utf-8"?>
 <p:tagLst xmlns:a="http://schemas.openxmlformats.org/drawingml/2006/main" xmlns:r="http://schemas.openxmlformats.org/officeDocument/2006/relationships" xmlns:p="http://schemas.openxmlformats.org/presentationml/2006/main">
   <p:tag name="AUDIO_ID" val="369"/>
   <p:tag name="ARTICULATE_AUDIO_RECORDED" val="1"/>
@@ -30410,10 +31329,11 @@
   <p:tag name="ARTICULATE_PLAYER_CONTROL_NOTES" val="False"/>
   <p:tag name="ARTICULATE_PLAYER_CONTROL_RESOURCES" val="False"/>
   <p:tag name="ARTICULATE_USED_LAYOUT" val="2"/>
+  <p:tag name="ARTICULATE_SLIDE_THUMBNAIL_REFRESH" val="1"/>
 </p:tagLst>
 </file>
 
-<file path=ppt/tags/tag73.xml><?xml version="1.0" encoding="utf-8"?>
+<file path=ppt/tags/tag75.xml><?xml version="1.0" encoding="utf-8"?>
 <p:tagLst xmlns:a="http://schemas.openxmlformats.org/drawingml/2006/main" xmlns:r="http://schemas.openxmlformats.org/officeDocument/2006/relationships" xmlns:p="http://schemas.openxmlformats.org/presentationml/2006/main">
   <p:tag name="AUDIO_ID" val="377"/>
   <p:tag name="ARTICULATE_AUDIO_RECORDED" val="1"/>
@@ -30428,10 +31348,11 @@
   <p:tag name="ARTICULATE_PLAYER_CONTROL_NOTES" val="False"/>
   <p:tag name="ARTICULATE_PLAYER_CONTROL_RESOURCES" val="False"/>
   <p:tag name="ARTICULATE_USED_LAYOUT" val="2"/>
+  <p:tag name="ARTICULATE_SLIDE_THUMBNAIL_REFRESH" val="1"/>
 </p:tagLst>
 </file>
 
-<file path=ppt/tags/tag74.xml><?xml version="1.0" encoding="utf-8"?>
+<file path=ppt/tags/tag76.xml><?xml version="1.0" encoding="utf-8"?>
 <p:tagLst xmlns:a="http://schemas.openxmlformats.org/drawingml/2006/main" xmlns:r="http://schemas.openxmlformats.org/officeDocument/2006/relationships" xmlns:p="http://schemas.openxmlformats.org/presentationml/2006/main">
   <p:tag name="AUDIO_ID" val="374"/>
   <p:tag name="ARTICULATE_AUDIO_RECORDED" val="1"/>
@@ -30446,10 +31367,11 @@
   <p:tag name="ARTICULATE_PLAYER_CONTROL_NOTES" val="False"/>
   <p:tag name="ARTICULATE_PLAYER_CONTROL_RESOURCES" val="False"/>
   <p:tag name="ARTICULATE_USED_LAYOUT" val="2"/>
+  <p:tag name="ARTICULATE_SLIDE_THUMBNAIL_REFRESH" val="1"/>
 </p:tagLst>
 </file>
 
-<file path=ppt/tags/tag75.xml><?xml version="1.0" encoding="utf-8"?>
+<file path=ppt/tags/tag77.xml><?xml version="1.0" encoding="utf-8"?>
 <p:tagLst xmlns:a="http://schemas.openxmlformats.org/drawingml/2006/main" xmlns:r="http://schemas.openxmlformats.org/officeDocument/2006/relationships" xmlns:p="http://schemas.openxmlformats.org/presentationml/2006/main">
   <p:tag name="AUDIO_ID" val="375"/>
   <p:tag name="ARTICULATE_AUDIO_RECORDED" val="1"/>
@@ -30464,10 +31386,11 @@
   <p:tag name="ARTICULATE_PLAYER_CONTROL_NOTES" val="False"/>
   <p:tag name="ARTICULATE_PLAYER_CONTROL_RESOURCES" val="False"/>
   <p:tag name="ARTICULATE_USED_LAYOUT" val="2"/>
+  <p:tag name="ARTICULATE_SLIDE_THUMBNAIL_REFRESH" val="1"/>
 </p:tagLst>
 </file>
 
-<file path=ppt/tags/tag76.xml><?xml version="1.0" encoding="utf-8"?>
+<file path=ppt/tags/tag78.xml><?xml version="1.0" encoding="utf-8"?>
 <p:tagLst xmlns:a="http://schemas.openxmlformats.org/drawingml/2006/main" xmlns:r="http://schemas.openxmlformats.org/officeDocument/2006/relationships" xmlns:p="http://schemas.openxmlformats.org/presentationml/2006/main">
   <p:tag name="AUDIO_ID" val="376"/>
   <p:tag name="ARTICULATE_AUDIO_RECORDED" val="1"/>
@@ -30482,10 +31405,11 @@
   <p:tag name="ARTICULATE_PLAYER_CONTROL_NOTES" val="False"/>
   <p:tag name="ARTICULATE_PLAYER_CONTROL_RESOURCES" val="False"/>
   <p:tag name="ARTICULATE_USED_LAYOUT" val="2"/>
+  <p:tag name="ARTICULATE_SLIDE_THUMBNAIL_REFRESH" val="1"/>
 </p:tagLst>
 </file>
 
-<file path=ppt/tags/tag77.xml><?xml version="1.0" encoding="utf-8"?>
+<file path=ppt/tags/tag79.xml><?xml version="1.0" encoding="utf-8"?>
 <p:tagLst xmlns:a="http://schemas.openxmlformats.org/drawingml/2006/main" xmlns:r="http://schemas.openxmlformats.org/officeDocument/2006/relationships" xmlns:p="http://schemas.openxmlformats.org/presentationml/2006/main">
   <p:tag name="ARTICULATE_SLIDE_GUID" val="77bd6576-e24a-45f5-9386-361492bab3e0"/>
   <p:tag name="ARTICULATE_SLIDE_NAV" val="9"/>
@@ -30502,10 +31426,17 @@
   <p:tag name="ARTICULATE_PLAYER_CONTROL_NOTES" val="False"/>
   <p:tag name="ARTICULATE_PLAYER_CONTROL_RESOURCES" val="False"/>
   <p:tag name="ARTICULATE_USED_LAYOUT" val="2"/>
+  <p:tag name="ARTICULATE_SLIDE_THUMBNAIL_REFRESH" val="1"/>
 </p:tagLst>
 </file>
 
-<file path=ppt/tags/tag78.xml><?xml version="1.0" encoding="utf-8"?>
+<file path=ppt/tags/tag8.xml><?xml version="1.0" encoding="utf-8"?>
+<p:tagLst xmlns:a="http://schemas.openxmlformats.org/drawingml/2006/main" xmlns:r="http://schemas.openxmlformats.org/officeDocument/2006/relationships" xmlns:p="http://schemas.openxmlformats.org/presentationml/2006/main">
+  <p:tag name="ARTICULATE_SLIDE_THUMBNAIL_REFRESH" val="1"/>
+</p:tagLst>
+</file>
+
+<file path=ppt/tags/tag80.xml><?xml version="1.0" encoding="utf-8"?>
 <p:tagLst xmlns:a="http://schemas.openxmlformats.org/drawingml/2006/main" xmlns:r="http://schemas.openxmlformats.org/officeDocument/2006/relationships" xmlns:p="http://schemas.openxmlformats.org/presentationml/2006/main">
   <p:tag name="ARTICULATE_NAV_LEVEL" val="1"/>
   <p:tag name="ARTICULATE_SLIDE_PRESENTER_GUID" val="8a773f87-913e-4bba-a45d-1ec780ff4688"/>
@@ -30522,11 +31453,6 @@
   <p:tag name="ARTICULATE_PREV_BUTTON_ID" val="361"/>
   <p:tag name="AUDIO_ID" val="386"/>
   <p:tag name="ARTICULATE_USED_LAYOUT" val="2"/>
-</p:tagLst>
-</file>
-
-<file path=ppt/tags/tag8.xml><?xml version="1.0" encoding="utf-8"?>
-<p:tagLst xmlns:a="http://schemas.openxmlformats.org/drawingml/2006/main" xmlns:r="http://schemas.openxmlformats.org/officeDocument/2006/relationships" xmlns:p="http://schemas.openxmlformats.org/presentationml/2006/main">
   <p:tag name="ARTICULATE_SLIDE_THUMBNAIL_REFRESH" val="1"/>
 </p:tagLst>
 </file>
